--- a/Naive Bayes Notes.pptx
+++ b/Naive Bayes Notes.pptx
@@ -4,11 +4,16 @@
   <p:sldMasterIdLst>
     <p:sldMasterId id="2147483660" r:id="rId4"/>
   </p:sldMasterIdLst>
+  <p:notesMasterIdLst>
+    <p:notesMasterId r:id="rId11"/>
+  </p:notesMasterIdLst>
   <p:sldIdLst>
     <p:sldId id="301" r:id="rId5"/>
     <p:sldId id="302" r:id="rId6"/>
     <p:sldId id="303" r:id="rId7"/>
     <p:sldId id="304" r:id="rId8"/>
+    <p:sldId id="306" r:id="rId9"/>
+    <p:sldId id="307" r:id="rId10"/>
   </p:sldIdLst>
   <p:sldSz cx="12192000" cy="6858000"/>
   <p:notesSz cx="6858000" cy="9144000"/>
@@ -113,6 +118,355 @@
     </p:ext>
   </p:extLst>
 </p:presentation>
+</file>
+
+<file path=ppt/notesMasters/notesMaster1.xml><?xml version="1.0" encoding="utf-8"?>
+<p:notesMaster xmlns:a="http://schemas.openxmlformats.org/drawingml/2006/main" xmlns:r="http://schemas.openxmlformats.org/officeDocument/2006/relationships" xmlns:p="http://schemas.openxmlformats.org/presentationml/2006/main">
+  <p:cSld>
+    <p:bg>
+      <p:bgRef idx="1001">
+        <a:schemeClr val="bg1"/>
+      </p:bgRef>
+    </p:bg>
+    <p:spTree>
+      <p:nvGrpSpPr>
+        <p:cNvPr id="1" name=""/>
+        <p:cNvGrpSpPr/>
+        <p:nvPr/>
+      </p:nvGrpSpPr>
+      <p:grpSpPr>
+        <a:xfrm>
+          <a:off x="0" y="0"/>
+          <a:ext cx="0" cy="0"/>
+          <a:chOff x="0" y="0"/>
+          <a:chExt cx="0" cy="0"/>
+        </a:xfrm>
+      </p:grpSpPr>
+      <p:sp>
+        <p:nvSpPr>
+          <p:cNvPr id="2" name="Header Placeholder 1"/>
+          <p:cNvSpPr>
+            <a:spLocks noGrp="1"/>
+          </p:cNvSpPr>
+          <p:nvPr>
+            <p:ph type="hdr" sz="quarter"/>
+          </p:nvPr>
+        </p:nvSpPr>
+        <p:spPr>
+          <a:xfrm>
+            <a:off x="0" y="0"/>
+            <a:ext cx="2971800" cy="458788"/>
+          </a:xfrm>
+          <a:prstGeom prst="rect">
+            <a:avLst/>
+          </a:prstGeom>
+        </p:spPr>
+        <p:txBody>
+          <a:bodyPr vert="horz" lIns="91440" tIns="45720" rIns="91440" bIns="45720" rtlCol="0"/>
+          <a:lstStyle>
+            <a:lvl1pPr algn="l">
+              <a:defRPr sz="1200"/>
+            </a:lvl1pPr>
+          </a:lstStyle>
+          <a:p>
+            <a:endParaRPr lang="en-US"/>
+          </a:p>
+        </p:txBody>
+      </p:sp>
+      <p:sp>
+        <p:nvSpPr>
+          <p:cNvPr id="3" name="Date Placeholder 2"/>
+          <p:cNvSpPr>
+            <a:spLocks noGrp="1"/>
+          </p:cNvSpPr>
+          <p:nvPr>
+            <p:ph type="dt" idx="1"/>
+          </p:nvPr>
+        </p:nvSpPr>
+        <p:spPr>
+          <a:xfrm>
+            <a:off x="3884613" y="0"/>
+            <a:ext cx="2971800" cy="458788"/>
+          </a:xfrm>
+          <a:prstGeom prst="rect">
+            <a:avLst/>
+          </a:prstGeom>
+        </p:spPr>
+        <p:txBody>
+          <a:bodyPr vert="horz" lIns="91440" tIns="45720" rIns="91440" bIns="45720" rtlCol="0"/>
+          <a:lstStyle>
+            <a:lvl1pPr algn="r">
+              <a:defRPr sz="1200"/>
+            </a:lvl1pPr>
+          </a:lstStyle>
+          <a:p>
+            <a:fld id="{2010C0D1-B5F4-4434-AB6E-84D8CB94855D}" type="datetimeFigureOut">
+              <a:rPr lang="en-US" smtClean="0"/>
+              <a:t>4/28/2022</a:t>
+            </a:fld>
+            <a:endParaRPr lang="en-US"/>
+          </a:p>
+        </p:txBody>
+      </p:sp>
+      <p:sp>
+        <p:nvSpPr>
+          <p:cNvPr id="4" name="Slide Image Placeholder 3"/>
+          <p:cNvSpPr>
+            <a:spLocks noGrp="1" noRot="1" noChangeAspect="1"/>
+          </p:cNvSpPr>
+          <p:nvPr>
+            <p:ph type="sldImg" idx="2"/>
+          </p:nvPr>
+        </p:nvSpPr>
+        <p:spPr>
+          <a:xfrm>
+            <a:off x="685800" y="1143000"/>
+            <a:ext cx="5486400" cy="3086100"/>
+          </a:xfrm>
+          <a:prstGeom prst="rect">
+            <a:avLst/>
+          </a:prstGeom>
+          <a:noFill/>
+          <a:ln w="12700">
+            <a:solidFill>
+              <a:prstClr val="black"/>
+            </a:solidFill>
+          </a:ln>
+        </p:spPr>
+        <p:txBody>
+          <a:bodyPr vert="horz" lIns="91440" tIns="45720" rIns="91440" bIns="45720" rtlCol="0" anchor="ctr"/>
+          <a:lstStyle/>
+          <a:p>
+            <a:endParaRPr lang="en-US"/>
+          </a:p>
+        </p:txBody>
+      </p:sp>
+      <p:sp>
+        <p:nvSpPr>
+          <p:cNvPr id="5" name="Notes Placeholder 4"/>
+          <p:cNvSpPr>
+            <a:spLocks noGrp="1"/>
+          </p:cNvSpPr>
+          <p:nvPr>
+            <p:ph type="body" sz="quarter" idx="3"/>
+          </p:nvPr>
+        </p:nvSpPr>
+        <p:spPr>
+          <a:xfrm>
+            <a:off x="685800" y="4400550"/>
+            <a:ext cx="5486400" cy="3600450"/>
+          </a:xfrm>
+          <a:prstGeom prst="rect">
+            <a:avLst/>
+          </a:prstGeom>
+        </p:spPr>
+        <p:txBody>
+          <a:bodyPr vert="horz" lIns="91440" tIns="45720" rIns="91440" bIns="45720" rtlCol="0"/>
+          <a:lstStyle/>
+          <a:p>
+            <a:pPr lvl="0"/>
+            <a:r>
+              <a:rPr lang="en-US"/>
+              <a:t>Click to edit Master text styles</a:t>
+            </a:r>
+          </a:p>
+          <a:p>
+            <a:pPr lvl="1"/>
+            <a:r>
+              <a:rPr lang="en-US"/>
+              <a:t>Second level</a:t>
+            </a:r>
+          </a:p>
+          <a:p>
+            <a:pPr lvl="2"/>
+            <a:r>
+              <a:rPr lang="en-US"/>
+              <a:t>Third level</a:t>
+            </a:r>
+          </a:p>
+          <a:p>
+            <a:pPr lvl="3"/>
+            <a:r>
+              <a:rPr lang="en-US"/>
+              <a:t>Fourth level</a:t>
+            </a:r>
+          </a:p>
+          <a:p>
+            <a:pPr lvl="4"/>
+            <a:r>
+              <a:rPr lang="en-US"/>
+              <a:t>Fifth level</a:t>
+            </a:r>
+          </a:p>
+        </p:txBody>
+      </p:sp>
+      <p:sp>
+        <p:nvSpPr>
+          <p:cNvPr id="6" name="Footer Placeholder 5"/>
+          <p:cNvSpPr>
+            <a:spLocks noGrp="1"/>
+          </p:cNvSpPr>
+          <p:nvPr>
+            <p:ph type="ftr" sz="quarter" idx="4"/>
+          </p:nvPr>
+        </p:nvSpPr>
+        <p:spPr>
+          <a:xfrm>
+            <a:off x="0" y="8685213"/>
+            <a:ext cx="2971800" cy="458787"/>
+          </a:xfrm>
+          <a:prstGeom prst="rect">
+            <a:avLst/>
+          </a:prstGeom>
+        </p:spPr>
+        <p:txBody>
+          <a:bodyPr vert="horz" lIns="91440" tIns="45720" rIns="91440" bIns="45720" rtlCol="0" anchor="b"/>
+          <a:lstStyle>
+            <a:lvl1pPr algn="l">
+              <a:defRPr sz="1200"/>
+            </a:lvl1pPr>
+          </a:lstStyle>
+          <a:p>
+            <a:endParaRPr lang="en-US"/>
+          </a:p>
+        </p:txBody>
+      </p:sp>
+      <p:sp>
+        <p:nvSpPr>
+          <p:cNvPr id="7" name="Slide Number Placeholder 6"/>
+          <p:cNvSpPr>
+            <a:spLocks noGrp="1"/>
+          </p:cNvSpPr>
+          <p:nvPr>
+            <p:ph type="sldNum" sz="quarter" idx="5"/>
+          </p:nvPr>
+        </p:nvSpPr>
+        <p:spPr>
+          <a:xfrm>
+            <a:off x="3884613" y="8685213"/>
+            <a:ext cx="2971800" cy="458787"/>
+          </a:xfrm>
+          <a:prstGeom prst="rect">
+            <a:avLst/>
+          </a:prstGeom>
+        </p:spPr>
+        <p:txBody>
+          <a:bodyPr vert="horz" lIns="91440" tIns="45720" rIns="91440" bIns="45720" rtlCol="0" anchor="b"/>
+          <a:lstStyle>
+            <a:lvl1pPr algn="r">
+              <a:defRPr sz="1200"/>
+            </a:lvl1pPr>
+          </a:lstStyle>
+          <a:p>
+            <a:fld id="{970F265A-DF8F-492B-8BD5-550FB637DA9B}" type="slidenum">
+              <a:rPr lang="en-US" smtClean="0"/>
+              <a:t>‹#›</a:t>
+            </a:fld>
+            <a:endParaRPr lang="en-US"/>
+          </a:p>
+        </p:txBody>
+      </p:sp>
+    </p:spTree>
+    <p:extLst>
+      <p:ext uri="{BB962C8B-B14F-4D97-AF65-F5344CB8AC3E}">
+        <p14:creationId xmlns:p14="http://schemas.microsoft.com/office/powerpoint/2010/main" val="1063260589"/>
+      </p:ext>
+    </p:extLst>
+  </p:cSld>
+  <p:clrMap bg1="lt1" tx1="dk1" bg2="lt2" tx2="dk2" accent1="accent1" accent2="accent2" accent3="accent3" accent4="accent4" accent5="accent5" accent6="accent6" hlink="hlink" folHlink="folHlink"/>
+  <p:notesStyle>
+    <a:lvl1pPr marL="0" algn="l" defTabSz="914400" rtl="0" eaLnBrk="1" latinLnBrk="0" hangingPunct="1">
+      <a:defRPr sz="1200" kern="1200">
+        <a:solidFill>
+          <a:schemeClr val="tx1"/>
+        </a:solidFill>
+        <a:latin typeface="+mn-lt"/>
+        <a:ea typeface="+mn-ea"/>
+        <a:cs typeface="+mn-cs"/>
+      </a:defRPr>
+    </a:lvl1pPr>
+    <a:lvl2pPr marL="457200" algn="l" defTabSz="914400" rtl="0" eaLnBrk="1" latinLnBrk="0" hangingPunct="1">
+      <a:defRPr sz="1200" kern="1200">
+        <a:solidFill>
+          <a:schemeClr val="tx1"/>
+        </a:solidFill>
+        <a:latin typeface="+mn-lt"/>
+        <a:ea typeface="+mn-ea"/>
+        <a:cs typeface="+mn-cs"/>
+      </a:defRPr>
+    </a:lvl2pPr>
+    <a:lvl3pPr marL="914400" algn="l" defTabSz="914400" rtl="0" eaLnBrk="1" latinLnBrk="0" hangingPunct="1">
+      <a:defRPr sz="1200" kern="1200">
+        <a:solidFill>
+          <a:schemeClr val="tx1"/>
+        </a:solidFill>
+        <a:latin typeface="+mn-lt"/>
+        <a:ea typeface="+mn-ea"/>
+        <a:cs typeface="+mn-cs"/>
+      </a:defRPr>
+    </a:lvl3pPr>
+    <a:lvl4pPr marL="1371600" algn="l" defTabSz="914400" rtl="0" eaLnBrk="1" latinLnBrk="0" hangingPunct="1">
+      <a:defRPr sz="1200" kern="1200">
+        <a:solidFill>
+          <a:schemeClr val="tx1"/>
+        </a:solidFill>
+        <a:latin typeface="+mn-lt"/>
+        <a:ea typeface="+mn-ea"/>
+        <a:cs typeface="+mn-cs"/>
+      </a:defRPr>
+    </a:lvl4pPr>
+    <a:lvl5pPr marL="1828800" algn="l" defTabSz="914400" rtl="0" eaLnBrk="1" latinLnBrk="0" hangingPunct="1">
+      <a:defRPr sz="1200" kern="1200">
+        <a:solidFill>
+          <a:schemeClr val="tx1"/>
+        </a:solidFill>
+        <a:latin typeface="+mn-lt"/>
+        <a:ea typeface="+mn-ea"/>
+        <a:cs typeface="+mn-cs"/>
+      </a:defRPr>
+    </a:lvl5pPr>
+    <a:lvl6pPr marL="2286000" algn="l" defTabSz="914400" rtl="0" eaLnBrk="1" latinLnBrk="0" hangingPunct="1">
+      <a:defRPr sz="1200" kern="1200">
+        <a:solidFill>
+          <a:schemeClr val="tx1"/>
+        </a:solidFill>
+        <a:latin typeface="+mn-lt"/>
+        <a:ea typeface="+mn-ea"/>
+        <a:cs typeface="+mn-cs"/>
+      </a:defRPr>
+    </a:lvl6pPr>
+    <a:lvl7pPr marL="2743200" algn="l" defTabSz="914400" rtl="0" eaLnBrk="1" latinLnBrk="0" hangingPunct="1">
+      <a:defRPr sz="1200" kern="1200">
+        <a:solidFill>
+          <a:schemeClr val="tx1"/>
+        </a:solidFill>
+        <a:latin typeface="+mn-lt"/>
+        <a:ea typeface="+mn-ea"/>
+        <a:cs typeface="+mn-cs"/>
+      </a:defRPr>
+    </a:lvl7pPr>
+    <a:lvl8pPr marL="3200400" algn="l" defTabSz="914400" rtl="0" eaLnBrk="1" latinLnBrk="0" hangingPunct="1">
+      <a:defRPr sz="1200" kern="1200">
+        <a:solidFill>
+          <a:schemeClr val="tx1"/>
+        </a:solidFill>
+        <a:latin typeface="+mn-lt"/>
+        <a:ea typeface="+mn-ea"/>
+        <a:cs typeface="+mn-cs"/>
+      </a:defRPr>
+    </a:lvl8pPr>
+    <a:lvl9pPr marL="3657600" algn="l" defTabSz="914400" rtl="0" eaLnBrk="1" latinLnBrk="0" hangingPunct="1">
+      <a:defRPr sz="1200" kern="1200">
+        <a:solidFill>
+          <a:schemeClr val="tx1"/>
+        </a:solidFill>
+        <a:latin typeface="+mn-lt"/>
+        <a:ea typeface="+mn-ea"/>
+        <a:cs typeface="+mn-cs"/>
+      </a:defRPr>
+    </a:lvl9pPr>
+  </p:notesStyle>
+</p:notesMaster>
 </file>
 
 <file path=ppt/slideLayouts/slideLayout1.xml><?xml version="1.0" encoding="utf-8"?>
@@ -3354,8 +3708,8 @@
           </a:p>
         </p:txBody>
       </p:sp>
-      <mc:AlternateContent xmlns:mc="http://schemas.openxmlformats.org/markup-compatibility/2006">
-        <mc:Choice xmlns:a14="http://schemas.microsoft.com/office/drawing/2010/main" Requires="a14">
+      <mc:AlternateContent xmlns:mc="http://schemas.openxmlformats.org/markup-compatibility/2006" xmlns:a14="http://schemas.microsoft.com/office/drawing/2010/main">
+        <mc:Choice Requires="a14">
           <p:sp>
             <p:nvSpPr>
               <p:cNvPr id="3" name="Content Placeholder 2">
@@ -3884,7 +4238,7 @@
             </p:txBody>
           </p:sp>
         </mc:Choice>
-        <mc:Fallback>
+        <mc:Fallback xmlns="">
           <p:sp>
             <p:nvSpPr>
               <p:cNvPr id="3" name="Content Placeholder 2">
@@ -3982,8 +4336,8 @@
           </a:p>
         </p:txBody>
       </p:sp>
-      <mc:AlternateContent xmlns:mc="http://schemas.openxmlformats.org/markup-compatibility/2006">
-        <mc:Choice xmlns:a14="http://schemas.microsoft.com/office/drawing/2010/main" Requires="a14">
+      <mc:AlternateContent xmlns:mc="http://schemas.openxmlformats.org/markup-compatibility/2006" xmlns:a14="http://schemas.microsoft.com/office/drawing/2010/main">
+        <mc:Choice Requires="a14">
           <p:sp>
             <p:nvSpPr>
               <p:cNvPr id="3" name="Content Placeholder 2">
@@ -5337,7 +5691,7 @@
             </p:txBody>
           </p:sp>
         </mc:Choice>
-        <mc:Fallback>
+        <mc:Fallback xmlns="">
           <p:sp>
             <p:nvSpPr>
               <p:cNvPr id="3" name="Content Placeholder 2">
@@ -5435,8 +5789,8 @@
           </a:p>
         </p:txBody>
       </p:sp>
-      <mc:AlternateContent xmlns:mc="http://schemas.openxmlformats.org/markup-compatibility/2006">
-        <mc:Choice xmlns:a14="http://schemas.microsoft.com/office/drawing/2010/main" Requires="a14">
+      <mc:AlternateContent xmlns:mc="http://schemas.openxmlformats.org/markup-compatibility/2006" xmlns:a14="http://schemas.microsoft.com/office/drawing/2010/main">
+        <mc:Choice Requires="a14">
           <p:sp>
             <p:nvSpPr>
               <p:cNvPr id="3" name="Content Placeholder 2">
@@ -5740,7 +6094,7 @@
             </p:txBody>
           </p:sp>
         </mc:Choice>
-        <mc:Fallback>
+        <mc:Fallback xmlns="">
           <p:sp>
             <p:nvSpPr>
               <p:cNvPr id="3" name="Content Placeholder 2">
@@ -5838,8 +6192,8 @@
           </a:p>
         </p:txBody>
       </p:sp>
-      <mc:AlternateContent xmlns:mc="http://schemas.openxmlformats.org/markup-compatibility/2006">
-        <mc:Choice xmlns:a14="http://schemas.microsoft.com/office/drawing/2010/main" Requires="a14">
+      <mc:AlternateContent xmlns:mc="http://schemas.openxmlformats.org/markup-compatibility/2006" xmlns:a14="http://schemas.microsoft.com/office/drawing/2010/main">
+        <mc:Choice Requires="a14">
           <p:sp>
             <p:nvSpPr>
               <p:cNvPr id="3" name="Content Placeholder 2">
@@ -6648,7 +7002,7 @@
             </p:txBody>
           </p:sp>
         </mc:Choice>
-        <mc:Fallback>
+        <mc:Fallback xmlns="">
           <p:sp>
             <p:nvSpPr>
               <p:cNvPr id="3" name="Content Placeholder 2">
@@ -6692,6 +7046,389 @@
     <p:extLst>
       <p:ext uri="{BB962C8B-B14F-4D97-AF65-F5344CB8AC3E}">
         <p14:creationId xmlns:p14="http://schemas.microsoft.com/office/powerpoint/2010/main" val="3850085328"/>
+      </p:ext>
+    </p:extLst>
+  </p:cSld>
+  <p:clrMapOvr>
+    <a:masterClrMapping/>
+  </p:clrMapOvr>
+</p:sld>
+</file>
+
+<file path=ppt/slides/slide5.xml><?xml version="1.0" encoding="utf-8"?>
+<p:sld xmlns:a="http://schemas.openxmlformats.org/drawingml/2006/main" xmlns:r="http://schemas.openxmlformats.org/officeDocument/2006/relationships" xmlns:p="http://schemas.openxmlformats.org/presentationml/2006/main">
+  <p:cSld>
+    <p:spTree>
+      <p:nvGrpSpPr>
+        <p:cNvPr id="1" name=""/>
+        <p:cNvGrpSpPr/>
+        <p:nvPr/>
+      </p:nvGrpSpPr>
+      <p:grpSpPr>
+        <a:xfrm>
+          <a:off x="0" y="0"/>
+          <a:ext cx="0" cy="0"/>
+          <a:chOff x="0" y="0"/>
+          <a:chExt cx="0" cy="0"/>
+        </a:xfrm>
+      </p:grpSpPr>
+      <p:sp>
+        <p:nvSpPr>
+          <p:cNvPr id="2" name="Title 1">
+            <a:extLst>
+              <a:ext uri="{FF2B5EF4-FFF2-40B4-BE49-F238E27FC236}">
+                <a16:creationId xmlns:a16="http://schemas.microsoft.com/office/drawing/2014/main" id="{8BC36D0E-7883-42A2-A009-392310EA20DB}"/>
+              </a:ext>
+            </a:extLst>
+          </p:cNvPr>
+          <p:cNvSpPr>
+            <a:spLocks noGrp="1"/>
+          </p:cNvSpPr>
+          <p:nvPr>
+            <p:ph type="title"/>
+          </p:nvPr>
+        </p:nvSpPr>
+        <p:spPr>
+          <a:xfrm>
+            <a:off x="1097280" y="286603"/>
+            <a:ext cx="10058400" cy="1559952"/>
+          </a:xfrm>
+        </p:spPr>
+        <p:txBody>
+          <a:bodyPr>
+            <a:normAutofit/>
+          </a:bodyPr>
+          <a:lstStyle/>
+          <a:p>
+            <a:r>
+              <a:rPr lang="en-US" dirty="0"/>
+              <a:t>Advantages:</a:t>
+            </a:r>
+          </a:p>
+        </p:txBody>
+      </p:sp>
+      <p:sp>
+        <p:nvSpPr>
+          <p:cNvPr id="3" name="Content Placeholder 2">
+            <a:extLst>
+              <a:ext uri="{FF2B5EF4-FFF2-40B4-BE49-F238E27FC236}">
+                <a16:creationId xmlns:a16="http://schemas.microsoft.com/office/drawing/2014/main" id="{2B026EC1-4B87-451D-97A4-423134E26901}"/>
+              </a:ext>
+            </a:extLst>
+          </p:cNvPr>
+          <p:cNvSpPr>
+            <a:spLocks noGrp="1"/>
+          </p:cNvSpPr>
+          <p:nvPr>
+            <p:ph idx="1"/>
+          </p:nvPr>
+        </p:nvSpPr>
+        <p:spPr>
+          <a:xfrm>
+            <a:off x="1066800" y="1066579"/>
+            <a:ext cx="10058400" cy="4096851"/>
+          </a:xfrm>
+        </p:spPr>
+        <p:txBody>
+          <a:bodyPr/>
+          <a:lstStyle/>
+          <a:p>
+            <a:pPr marL="0" indent="0">
+              <a:buNone/>
+            </a:pPr>
+            <a:endParaRPr lang="en-US" dirty="0"/>
+          </a:p>
+          <a:p>
+            <a:endParaRPr lang="en-US" dirty="0"/>
+          </a:p>
+        </p:txBody>
+      </p:sp>
+      <p:sp>
+        <p:nvSpPr>
+          <p:cNvPr id="6" name="TextBox 5">
+            <a:extLst>
+              <a:ext uri="{FF2B5EF4-FFF2-40B4-BE49-F238E27FC236}">
+                <a16:creationId xmlns:a16="http://schemas.microsoft.com/office/drawing/2014/main" id="{FFA0AA14-0319-4955-B57D-27874D760052}"/>
+              </a:ext>
+            </a:extLst>
+          </p:cNvPr>
+          <p:cNvSpPr txBox="1"/>
+          <p:nvPr/>
+        </p:nvSpPr>
+        <p:spPr>
+          <a:xfrm>
+            <a:off x="1207363" y="2024109"/>
+            <a:ext cx="9948317" cy="3139321"/>
+          </a:xfrm>
+          <a:prstGeom prst="rect">
+            <a:avLst/>
+          </a:prstGeom>
+          <a:noFill/>
+        </p:spPr>
+        <p:txBody>
+          <a:bodyPr wrap="square" rtlCol="0">
+            <a:spAutoFit/>
+          </a:bodyPr>
+          <a:lstStyle/>
+          <a:p>
+            <a:pPr marL="342900" indent="-342900">
+              <a:buAutoNum type="arabicParenR"/>
+            </a:pPr>
+            <a:r>
+              <a:rPr lang="en-US" dirty="0"/>
+              <a:t>Simple to implement</a:t>
+            </a:r>
+          </a:p>
+          <a:p>
+            <a:pPr marL="342900" indent="-342900">
+              <a:buAutoNum type="arabicParenR"/>
+            </a:pPr>
+            <a:endParaRPr lang="en-US" dirty="0"/>
+          </a:p>
+          <a:p>
+            <a:pPr marL="342900" indent="-342900">
+              <a:buAutoNum type="arabicParenR"/>
+            </a:pPr>
+            <a:r>
+              <a:rPr lang="en-US" dirty="0"/>
+              <a:t>Fast and effective in predicting the class of datasets</a:t>
+            </a:r>
+          </a:p>
+          <a:p>
+            <a:pPr marL="342900" indent="-342900">
+              <a:buAutoNum type="arabicParenR"/>
+            </a:pPr>
+            <a:endParaRPr lang="en-US" dirty="0"/>
+          </a:p>
+          <a:p>
+            <a:pPr marL="342900" indent="-342900">
+              <a:buAutoNum type="arabicParenR"/>
+            </a:pPr>
+            <a:r>
+              <a:rPr lang="en-US" dirty="0"/>
+              <a:t>Doesn’t require a large test set to work well</a:t>
+            </a:r>
+          </a:p>
+          <a:p>
+            <a:pPr marL="342900" indent="-342900">
+              <a:buAutoNum type="arabicParenR"/>
+            </a:pPr>
+            <a:endParaRPr lang="en-US" dirty="0"/>
+          </a:p>
+          <a:p>
+            <a:pPr marL="342900" indent="-342900">
+              <a:buAutoNum type="arabicParenR"/>
+            </a:pPr>
+            <a:r>
+              <a:rPr lang="en-US" dirty="0"/>
+              <a:t>Can handle both discrete and continuous data</a:t>
+            </a:r>
+          </a:p>
+          <a:p>
+            <a:pPr marL="342900" indent="-342900">
+              <a:buAutoNum type="arabicParenR"/>
+            </a:pPr>
+            <a:endParaRPr lang="en-US" dirty="0"/>
+          </a:p>
+          <a:p>
+            <a:pPr marL="342900" indent="-342900">
+              <a:buAutoNum type="arabicParenR"/>
+            </a:pPr>
+            <a:r>
+              <a:rPr lang="en-US" dirty="0"/>
+              <a:t>Useful for text analysis and classification problems</a:t>
+            </a:r>
+          </a:p>
+          <a:p>
+            <a:pPr marL="342900" indent="-342900">
+              <a:buAutoNum type="arabicParenR"/>
+            </a:pPr>
+            <a:endParaRPr lang="en-US" dirty="0"/>
+          </a:p>
+          <a:p>
+            <a:pPr marL="342900" indent="-342900">
+              <a:buAutoNum type="arabicParenR"/>
+            </a:pPr>
+            <a:r>
+              <a:rPr lang="en-US" dirty="0"/>
+              <a:t>Can be used for multiple class prediction problems</a:t>
+            </a:r>
+          </a:p>
+        </p:txBody>
+      </p:sp>
+    </p:spTree>
+    <p:extLst>
+      <p:ext uri="{BB962C8B-B14F-4D97-AF65-F5344CB8AC3E}">
+        <p14:creationId xmlns:p14="http://schemas.microsoft.com/office/powerpoint/2010/main" val="2202894520"/>
+      </p:ext>
+    </p:extLst>
+  </p:cSld>
+  <p:clrMapOvr>
+    <a:masterClrMapping/>
+  </p:clrMapOvr>
+</p:sld>
+</file>
+
+<file path=ppt/slides/slide6.xml><?xml version="1.0" encoding="utf-8"?>
+<p:sld xmlns:a="http://schemas.openxmlformats.org/drawingml/2006/main" xmlns:r="http://schemas.openxmlformats.org/officeDocument/2006/relationships" xmlns:p="http://schemas.openxmlformats.org/presentationml/2006/main">
+  <p:cSld>
+    <p:spTree>
+      <p:nvGrpSpPr>
+        <p:cNvPr id="1" name=""/>
+        <p:cNvGrpSpPr/>
+        <p:nvPr/>
+      </p:nvGrpSpPr>
+      <p:grpSpPr>
+        <a:xfrm>
+          <a:off x="0" y="0"/>
+          <a:ext cx="0" cy="0"/>
+          <a:chOff x="0" y="0"/>
+          <a:chExt cx="0" cy="0"/>
+        </a:xfrm>
+      </p:grpSpPr>
+      <p:sp>
+        <p:nvSpPr>
+          <p:cNvPr id="2" name="Title 1">
+            <a:extLst>
+              <a:ext uri="{FF2B5EF4-FFF2-40B4-BE49-F238E27FC236}">
+                <a16:creationId xmlns:a16="http://schemas.microsoft.com/office/drawing/2014/main" id="{8BC36D0E-7883-42A2-A009-392310EA20DB}"/>
+              </a:ext>
+            </a:extLst>
+          </p:cNvPr>
+          <p:cNvSpPr>
+            <a:spLocks noGrp="1"/>
+          </p:cNvSpPr>
+          <p:nvPr>
+            <p:ph type="title"/>
+          </p:nvPr>
+        </p:nvSpPr>
+        <p:spPr>
+          <a:xfrm>
+            <a:off x="1097280" y="286603"/>
+            <a:ext cx="10058400" cy="1559952"/>
+          </a:xfrm>
+        </p:spPr>
+        <p:txBody>
+          <a:bodyPr>
+            <a:normAutofit/>
+          </a:bodyPr>
+          <a:lstStyle/>
+          <a:p>
+            <a:r>
+              <a:rPr lang="en-US" dirty="0"/>
+              <a:t>Disadvantages:</a:t>
+            </a:r>
+          </a:p>
+        </p:txBody>
+      </p:sp>
+      <p:sp>
+        <p:nvSpPr>
+          <p:cNvPr id="3" name="Content Placeholder 2">
+            <a:extLst>
+              <a:ext uri="{FF2B5EF4-FFF2-40B4-BE49-F238E27FC236}">
+                <a16:creationId xmlns:a16="http://schemas.microsoft.com/office/drawing/2014/main" id="{2B026EC1-4B87-451D-97A4-423134E26901}"/>
+              </a:ext>
+            </a:extLst>
+          </p:cNvPr>
+          <p:cNvSpPr>
+            <a:spLocks noGrp="1"/>
+          </p:cNvSpPr>
+          <p:nvPr>
+            <p:ph idx="1"/>
+          </p:nvPr>
+        </p:nvSpPr>
+        <p:spPr>
+          <a:xfrm>
+            <a:off x="1066800" y="1066579"/>
+            <a:ext cx="10058400" cy="4096851"/>
+          </a:xfrm>
+        </p:spPr>
+        <p:txBody>
+          <a:bodyPr/>
+          <a:lstStyle/>
+          <a:p>
+            <a:pPr marL="0" indent="0">
+              <a:buNone/>
+            </a:pPr>
+            <a:endParaRPr lang="en-US" dirty="0"/>
+          </a:p>
+          <a:p>
+            <a:endParaRPr lang="en-US" dirty="0"/>
+          </a:p>
+        </p:txBody>
+      </p:sp>
+      <p:sp>
+        <p:nvSpPr>
+          <p:cNvPr id="6" name="TextBox 5">
+            <a:extLst>
+              <a:ext uri="{FF2B5EF4-FFF2-40B4-BE49-F238E27FC236}">
+                <a16:creationId xmlns:a16="http://schemas.microsoft.com/office/drawing/2014/main" id="{FFA0AA14-0319-4955-B57D-27874D760052}"/>
+              </a:ext>
+            </a:extLst>
+          </p:cNvPr>
+          <p:cNvSpPr txBox="1"/>
+          <p:nvPr/>
+        </p:nvSpPr>
+        <p:spPr>
+          <a:xfrm>
+            <a:off x="1207363" y="2024109"/>
+            <a:ext cx="9948317" cy="1477328"/>
+          </a:xfrm>
+          <a:prstGeom prst="rect">
+            <a:avLst/>
+          </a:prstGeom>
+          <a:noFill/>
+        </p:spPr>
+        <p:txBody>
+          <a:bodyPr wrap="square" rtlCol="0">
+            <a:spAutoFit/>
+          </a:bodyPr>
+          <a:lstStyle/>
+          <a:p>
+            <a:pPr marL="342900" indent="-342900">
+              <a:buAutoNum type="arabicParenR"/>
+            </a:pPr>
+            <a:r>
+              <a:rPr lang="en-US" dirty="0"/>
+              <a:t>Relies upon the assumption that variables are independent</a:t>
+            </a:r>
+          </a:p>
+          <a:p>
+            <a:pPr marL="342900" indent="-342900">
+              <a:buAutoNum type="arabicParenR"/>
+            </a:pPr>
+            <a:endParaRPr lang="en-US" dirty="0"/>
+          </a:p>
+          <a:p>
+            <a:pPr marL="342900" indent="-342900">
+              <a:buAutoNum type="arabicParenR"/>
+            </a:pPr>
+            <a:r>
+              <a:rPr lang="en-US" dirty="0"/>
+              <a:t>Not ideal for data sets with a large number of variables</a:t>
+            </a:r>
+          </a:p>
+          <a:p>
+            <a:pPr marL="342900" indent="-342900">
+              <a:buAutoNum type="arabicParenR"/>
+            </a:pPr>
+            <a:endParaRPr lang="en-US" dirty="0"/>
+          </a:p>
+          <a:p>
+            <a:pPr marL="342900" indent="-342900">
+              <a:buAutoNum type="arabicParenR"/>
+            </a:pPr>
+            <a:r>
+              <a:rPr lang="en-US" dirty="0"/>
+              <a:t>Zero Frequency Problem</a:t>
+            </a:r>
+          </a:p>
+        </p:txBody>
+      </p:sp>
+    </p:spTree>
+    <p:extLst>
+      <p:ext uri="{BB962C8B-B14F-4D97-AF65-F5344CB8AC3E}">
+        <p14:creationId xmlns:p14="http://schemas.microsoft.com/office/powerpoint/2010/main" val="385318783"/>
       </p:ext>
     </p:extLst>
   </p:cSld>
@@ -6984,25 +7721,302 @@
 </a:theme>
 </file>
 
-<file path=customXml/item1.xml><?xml version="1.0" encoding="utf-8"?>
-<p:properties xmlns:p="http://schemas.microsoft.com/office/2006/metadata/properties" xmlns:xsi="http://www.w3.org/2001/XMLSchema-instance" xmlns:pc="http://schemas.microsoft.com/office/infopath/2007/PartnerControls">
-  <documentManagement>
-    <Status xmlns="71af3243-3dd4-4a8d-8c0d-dd76da1f02a5">Not started</Status>
-    <MediaServiceKeyPoints xmlns="71af3243-3dd4-4a8d-8c0d-dd76da1f02a5" xsi:nil="true"/>
-  </documentManagement>
-</p:properties>
+<file path=ppt/theme/theme2.xml><?xml version="1.0" encoding="utf-8"?>
+<a:theme xmlns:a="http://schemas.openxmlformats.org/drawingml/2006/main" name="Office Theme">
+  <a:themeElements>
+    <a:clrScheme name="Office">
+      <a:dk1>
+        <a:sysClr val="windowText" lastClr="000000"/>
+      </a:dk1>
+      <a:lt1>
+        <a:sysClr val="window" lastClr="FFFFFF"/>
+      </a:lt1>
+      <a:dk2>
+        <a:srgbClr val="44546A"/>
+      </a:dk2>
+      <a:lt2>
+        <a:srgbClr val="E7E6E6"/>
+      </a:lt2>
+      <a:accent1>
+        <a:srgbClr val="4472C4"/>
+      </a:accent1>
+      <a:accent2>
+        <a:srgbClr val="ED7D31"/>
+      </a:accent2>
+      <a:accent3>
+        <a:srgbClr val="A5A5A5"/>
+      </a:accent3>
+      <a:accent4>
+        <a:srgbClr val="FFC000"/>
+      </a:accent4>
+      <a:accent5>
+        <a:srgbClr val="5B9BD5"/>
+      </a:accent5>
+      <a:accent6>
+        <a:srgbClr val="70AD47"/>
+      </a:accent6>
+      <a:hlink>
+        <a:srgbClr val="0563C1"/>
+      </a:hlink>
+      <a:folHlink>
+        <a:srgbClr val="954F72"/>
+      </a:folHlink>
+    </a:clrScheme>
+    <a:fontScheme name="Office">
+      <a:majorFont>
+        <a:latin typeface="Calibri Light" panose="020F0302020204030204"/>
+        <a:ea typeface=""/>
+        <a:cs typeface=""/>
+        <a:font script="Jpan" typeface="游ゴシック Light"/>
+        <a:font script="Hang" typeface="맑은 고딕"/>
+        <a:font script="Hans" typeface="等线 Light"/>
+        <a:font script="Hant" typeface="新細明體"/>
+        <a:font script="Arab" typeface="Times New Roman"/>
+        <a:font script="Hebr" typeface="Times New Roman"/>
+        <a:font script="Thai" typeface="Angsana New"/>
+        <a:font script="Ethi" typeface="Nyala"/>
+        <a:font script="Beng" typeface="Vrinda"/>
+        <a:font script="Gujr" typeface="Shruti"/>
+        <a:font script="Khmr" typeface="MoolBoran"/>
+        <a:font script="Knda" typeface="Tunga"/>
+        <a:font script="Guru" typeface="Raavi"/>
+        <a:font script="Cans" typeface="Euphemia"/>
+        <a:font script="Cher" typeface="Plantagenet Cherokee"/>
+        <a:font script="Yiii" typeface="Microsoft Yi Baiti"/>
+        <a:font script="Tibt" typeface="Microsoft Himalaya"/>
+        <a:font script="Thaa" typeface="MV Boli"/>
+        <a:font script="Deva" typeface="Mangal"/>
+        <a:font script="Telu" typeface="Gautami"/>
+        <a:font script="Taml" typeface="Latha"/>
+        <a:font script="Syrc" typeface="Estrangelo Edessa"/>
+        <a:font script="Orya" typeface="Kalinga"/>
+        <a:font script="Mlym" typeface="Kartika"/>
+        <a:font script="Laoo" typeface="DokChampa"/>
+        <a:font script="Sinh" typeface="Iskoola Pota"/>
+        <a:font script="Mong" typeface="Mongolian Baiti"/>
+        <a:font script="Viet" typeface="Times New Roman"/>
+        <a:font script="Uigh" typeface="Microsoft Uighur"/>
+        <a:font script="Geor" typeface="Sylfaen"/>
+        <a:font script="Armn" typeface="Arial"/>
+        <a:font script="Bugi" typeface="Leelawadee UI"/>
+        <a:font script="Bopo" typeface="Microsoft JhengHei"/>
+        <a:font script="Java" typeface="Javanese Text"/>
+        <a:font script="Lisu" typeface="Segoe UI"/>
+        <a:font script="Mymr" typeface="Myanmar Text"/>
+        <a:font script="Nkoo" typeface="Ebrima"/>
+        <a:font script="Olck" typeface="Nirmala UI"/>
+        <a:font script="Osma" typeface="Ebrima"/>
+        <a:font script="Phag" typeface="Phagspa"/>
+        <a:font script="Syrn" typeface="Estrangelo Edessa"/>
+        <a:font script="Syrj" typeface="Estrangelo Edessa"/>
+        <a:font script="Syre" typeface="Estrangelo Edessa"/>
+        <a:font script="Sora" typeface="Nirmala UI"/>
+        <a:font script="Tale" typeface="Microsoft Tai Le"/>
+        <a:font script="Talu" typeface="Microsoft New Tai Lue"/>
+        <a:font script="Tfng" typeface="Ebrima"/>
+      </a:majorFont>
+      <a:minorFont>
+        <a:latin typeface="Calibri" panose="020F0502020204030204"/>
+        <a:ea typeface=""/>
+        <a:cs typeface=""/>
+        <a:font script="Jpan" typeface="游ゴシック"/>
+        <a:font script="Hang" typeface="맑은 고딕"/>
+        <a:font script="Hans" typeface="等线"/>
+        <a:font script="Hant" typeface="新細明體"/>
+        <a:font script="Arab" typeface="Arial"/>
+        <a:font script="Hebr" typeface="Arial"/>
+        <a:font script="Thai" typeface="Cordia New"/>
+        <a:font script="Ethi" typeface="Nyala"/>
+        <a:font script="Beng" typeface="Vrinda"/>
+        <a:font script="Gujr" typeface="Shruti"/>
+        <a:font script="Khmr" typeface="DaunPenh"/>
+        <a:font script="Knda" typeface="Tunga"/>
+        <a:font script="Guru" typeface="Raavi"/>
+        <a:font script="Cans" typeface="Euphemia"/>
+        <a:font script="Cher" typeface="Plantagenet Cherokee"/>
+        <a:font script="Yiii" typeface="Microsoft Yi Baiti"/>
+        <a:font script="Tibt" typeface="Microsoft Himalaya"/>
+        <a:font script="Thaa" typeface="MV Boli"/>
+        <a:font script="Deva" typeface="Mangal"/>
+        <a:font script="Telu" typeface="Gautami"/>
+        <a:font script="Taml" typeface="Latha"/>
+        <a:font script="Syrc" typeface="Estrangelo Edessa"/>
+        <a:font script="Orya" typeface="Kalinga"/>
+        <a:font script="Mlym" typeface="Kartika"/>
+        <a:font script="Laoo" typeface="DokChampa"/>
+        <a:font script="Sinh" typeface="Iskoola Pota"/>
+        <a:font script="Mong" typeface="Mongolian Baiti"/>
+        <a:font script="Viet" typeface="Arial"/>
+        <a:font script="Uigh" typeface="Microsoft Uighur"/>
+        <a:font script="Geor" typeface="Sylfaen"/>
+        <a:font script="Armn" typeface="Arial"/>
+        <a:font script="Bugi" typeface="Leelawadee UI"/>
+        <a:font script="Bopo" typeface="Microsoft JhengHei"/>
+        <a:font script="Java" typeface="Javanese Text"/>
+        <a:font script="Lisu" typeface="Segoe UI"/>
+        <a:font script="Mymr" typeface="Myanmar Text"/>
+        <a:font script="Nkoo" typeface="Ebrima"/>
+        <a:font script="Olck" typeface="Nirmala UI"/>
+        <a:font script="Osma" typeface="Ebrima"/>
+        <a:font script="Phag" typeface="Phagspa"/>
+        <a:font script="Syrn" typeface="Estrangelo Edessa"/>
+        <a:font script="Syrj" typeface="Estrangelo Edessa"/>
+        <a:font script="Syre" typeface="Estrangelo Edessa"/>
+        <a:font script="Sora" typeface="Nirmala UI"/>
+        <a:font script="Tale" typeface="Microsoft Tai Le"/>
+        <a:font script="Talu" typeface="Microsoft New Tai Lue"/>
+        <a:font script="Tfng" typeface="Ebrima"/>
+      </a:minorFont>
+    </a:fontScheme>
+    <a:fmtScheme name="Office">
+      <a:fillStyleLst>
+        <a:solidFill>
+          <a:schemeClr val="phClr"/>
+        </a:solidFill>
+        <a:gradFill rotWithShape="1">
+          <a:gsLst>
+            <a:gs pos="0">
+              <a:schemeClr val="phClr">
+                <a:lumMod val="110000"/>
+                <a:satMod val="105000"/>
+                <a:tint val="67000"/>
+              </a:schemeClr>
+            </a:gs>
+            <a:gs pos="50000">
+              <a:schemeClr val="phClr">
+                <a:lumMod val="105000"/>
+                <a:satMod val="103000"/>
+                <a:tint val="73000"/>
+              </a:schemeClr>
+            </a:gs>
+            <a:gs pos="100000">
+              <a:schemeClr val="phClr">
+                <a:lumMod val="105000"/>
+                <a:satMod val="109000"/>
+                <a:tint val="81000"/>
+              </a:schemeClr>
+            </a:gs>
+          </a:gsLst>
+          <a:lin ang="5400000" scaled="0"/>
+        </a:gradFill>
+        <a:gradFill rotWithShape="1">
+          <a:gsLst>
+            <a:gs pos="0">
+              <a:schemeClr val="phClr">
+                <a:satMod val="103000"/>
+                <a:lumMod val="102000"/>
+                <a:tint val="94000"/>
+              </a:schemeClr>
+            </a:gs>
+            <a:gs pos="50000">
+              <a:schemeClr val="phClr">
+                <a:satMod val="110000"/>
+                <a:lumMod val="100000"/>
+                <a:shade val="100000"/>
+              </a:schemeClr>
+            </a:gs>
+            <a:gs pos="100000">
+              <a:schemeClr val="phClr">
+                <a:lumMod val="99000"/>
+                <a:satMod val="120000"/>
+                <a:shade val="78000"/>
+              </a:schemeClr>
+            </a:gs>
+          </a:gsLst>
+          <a:lin ang="5400000" scaled="0"/>
+        </a:gradFill>
+      </a:fillStyleLst>
+      <a:lnStyleLst>
+        <a:ln w="6350" cap="flat" cmpd="sng" algn="ctr">
+          <a:solidFill>
+            <a:schemeClr val="phClr"/>
+          </a:solidFill>
+          <a:prstDash val="solid"/>
+          <a:miter lim="800000"/>
+        </a:ln>
+        <a:ln w="12700" cap="flat" cmpd="sng" algn="ctr">
+          <a:solidFill>
+            <a:schemeClr val="phClr"/>
+          </a:solidFill>
+          <a:prstDash val="solid"/>
+          <a:miter lim="800000"/>
+        </a:ln>
+        <a:ln w="19050" cap="flat" cmpd="sng" algn="ctr">
+          <a:solidFill>
+            <a:schemeClr val="phClr"/>
+          </a:solidFill>
+          <a:prstDash val="solid"/>
+          <a:miter lim="800000"/>
+        </a:ln>
+      </a:lnStyleLst>
+      <a:effectStyleLst>
+        <a:effectStyle>
+          <a:effectLst/>
+        </a:effectStyle>
+        <a:effectStyle>
+          <a:effectLst/>
+        </a:effectStyle>
+        <a:effectStyle>
+          <a:effectLst>
+            <a:outerShdw blurRad="57150" dist="19050" dir="5400000" algn="ctr" rotWithShape="0">
+              <a:srgbClr val="000000">
+                <a:alpha val="63000"/>
+              </a:srgbClr>
+            </a:outerShdw>
+          </a:effectLst>
+        </a:effectStyle>
+      </a:effectStyleLst>
+      <a:bgFillStyleLst>
+        <a:solidFill>
+          <a:schemeClr val="phClr"/>
+        </a:solidFill>
+        <a:solidFill>
+          <a:schemeClr val="phClr">
+            <a:tint val="95000"/>
+            <a:satMod val="170000"/>
+          </a:schemeClr>
+        </a:solidFill>
+        <a:gradFill rotWithShape="1">
+          <a:gsLst>
+            <a:gs pos="0">
+              <a:schemeClr val="phClr">
+                <a:tint val="93000"/>
+                <a:satMod val="150000"/>
+                <a:shade val="98000"/>
+                <a:lumMod val="102000"/>
+              </a:schemeClr>
+            </a:gs>
+            <a:gs pos="50000">
+              <a:schemeClr val="phClr">
+                <a:tint val="98000"/>
+                <a:satMod val="130000"/>
+                <a:shade val="90000"/>
+                <a:lumMod val="103000"/>
+              </a:schemeClr>
+            </a:gs>
+            <a:gs pos="100000">
+              <a:schemeClr val="phClr">
+                <a:shade val="63000"/>
+                <a:satMod val="120000"/>
+              </a:schemeClr>
+            </a:gs>
+          </a:gsLst>
+          <a:lin ang="5400000" scaled="0"/>
+        </a:gradFill>
+      </a:bgFillStyleLst>
+    </a:fmtScheme>
+  </a:themeElements>
+  <a:objectDefaults/>
+  <a:extraClrSchemeLst/>
+  <a:extLst>
+    <a:ext uri="{05A4C25C-085E-4340-85A3-A5531E510DB2}">
+      <thm15:themeFamily xmlns:thm15="http://schemas.microsoft.com/office/thememl/2012/main" name="Office Theme" id="{62F939B6-93AF-4DB8-9C6B-D6C7DFDC589F}" vid="{4A3C46E8-61CC-4603-A589-7422A47A8E4A}"/>
+    </a:ext>
+  </a:extLst>
+</a:theme>
 </file>
 
-<file path=customXml/item2.xml><?xml version="1.0" encoding="utf-8"?>
-<?mso-contentType ?>
-<FormTemplates xmlns="http://schemas.microsoft.com/sharepoint/v3/contenttype/forms">
-  <Display>DocumentLibraryForm</Display>
-  <Edit>DocumentLibraryForm</Edit>
-  <New>DocumentLibraryForm</New>
-</FormTemplates>
-</file>
-
-<file path=customXml/item3.xml><?xml version="1.0" encoding="utf-8"?>
+<file path=customXml/item1.xml><?xml version="1.0" encoding="utf-8"?>
 <ct:contentTypeSchema xmlns:ct="http://schemas.microsoft.com/office/2006/metadata/contentType" xmlns:ma="http://schemas.microsoft.com/office/2006/metadata/properties/metaAttributes" ct:_="" ma:_="" ma:contentTypeName="Document" ma:contentTypeID="0x01010079F111ED35F8CC479449609E8A0923A6" ma:contentTypeVersion="12" ma:contentTypeDescription="Create a new document." ma:contentTypeScope="" ma:versionID="a410dd7f93c95333ffa1b60ed6adedd1">
   <xsd:schema xmlns:xsd="http://www.w3.org/2001/XMLSchema" xmlns:xs="http://www.w3.org/2001/XMLSchema" xmlns:p="http://schemas.microsoft.com/office/2006/metadata/properties" xmlns:ns2="71af3243-3dd4-4a8d-8c0d-dd76da1f02a5" xmlns:ns3="16c05727-aa75-4e4a-9b5f-8a80a1165891" targetNamespace="http://schemas.microsoft.com/office/2006/metadata/properties" ma:root="true" ma:fieldsID="a936d9baba76aa3866493feff160faab" ns2:_="" ns3:_="">
     <xsd:import namespace="71af3243-3dd4-4a8d-8c0d-dd76da1f02a5"/>
@@ -7223,25 +8237,25 @@
 </ct:contentTypeSchema>
 </file>
 
-<file path=customXml/itemProps1.xml><?xml version="1.0" encoding="utf-8"?>
-<ds:datastoreItem xmlns:ds="http://schemas.openxmlformats.org/officeDocument/2006/customXml" ds:itemID="{A03EEFF0-FB57-4CB4-8BFC-DF397689E2ED}">
-  <ds:schemaRefs>
-    <ds:schemaRef ds:uri="http://schemas.microsoft.com/office/2006/metadata/properties"/>
-    <ds:schemaRef ds:uri="http://schemas.microsoft.com/office/infopath/2007/PartnerControls"/>
-    <ds:schemaRef ds:uri="71af3243-3dd4-4a8d-8c0d-dd76da1f02a5"/>
-  </ds:schemaRefs>
-</ds:datastoreItem>
+<file path=customXml/item2.xml><?xml version="1.0" encoding="utf-8"?>
+<?mso-contentType ?>
+<FormTemplates xmlns="http://schemas.microsoft.com/sharepoint/v3/contenttype/forms">
+  <Display>DocumentLibraryForm</Display>
+  <Edit>DocumentLibraryForm</Edit>
+  <New>DocumentLibraryForm</New>
+</FormTemplates>
 </file>
 
-<file path=customXml/itemProps2.xml><?xml version="1.0" encoding="utf-8"?>
-<ds:datastoreItem xmlns:ds="http://schemas.openxmlformats.org/officeDocument/2006/customXml" ds:itemID="{AA3F7EDC-E5B4-4BBC-9D2A-CBE6D46C37AD}">
-  <ds:schemaRefs>
-    <ds:schemaRef ds:uri="http://schemas.microsoft.com/sharepoint/v3/contenttype/forms"/>
-  </ds:schemaRefs>
-</ds:datastoreItem>
+<file path=customXml/item3.xml><?xml version="1.0" encoding="utf-8"?>
+<p:properties xmlns:p="http://schemas.microsoft.com/office/2006/metadata/properties" xmlns:xsi="http://www.w3.org/2001/XMLSchema-instance" xmlns:pc="http://schemas.microsoft.com/office/infopath/2007/PartnerControls">
+  <documentManagement>
+    <Status xmlns="71af3243-3dd4-4a8d-8c0d-dd76da1f02a5">Not started</Status>
+    <MediaServiceKeyPoints xmlns="71af3243-3dd4-4a8d-8c0d-dd76da1f02a5" xsi:nil="true"/>
+  </documentManagement>
+</p:properties>
 </file>
 
-<file path=customXml/itemProps3.xml><?xml version="1.0" encoding="utf-8"?>
+<file path=customXml/itemProps1.xml><?xml version="1.0" encoding="utf-8"?>
 <ds:datastoreItem xmlns:ds="http://schemas.openxmlformats.org/officeDocument/2006/customXml" ds:itemID="{93932EF5-314F-409E-8020-FEE5FA0795B9}">
   <ds:schemaRefs>
     <ds:schemaRef ds:uri="http://schemas.microsoft.com/office/2006/metadata/contentType"/>
@@ -7258,4 +8272,22 @@
     <ds:schemaRef ds:uri="http://schemas.microsoft.com/internal/obd"/>
   </ds:schemaRefs>
 </ds:datastoreItem>
+</file>
+
+<file path=customXml/itemProps2.xml><?xml version="1.0" encoding="utf-8"?>
+<ds:datastoreItem xmlns:ds="http://schemas.openxmlformats.org/officeDocument/2006/customXml" ds:itemID="{AA3F7EDC-E5B4-4BBC-9D2A-CBE6D46C37AD}">
+  <ds:schemaRefs>
+    <ds:schemaRef ds:uri="http://schemas.microsoft.com/sharepoint/v3/contenttype/forms"/>
+  </ds:schemaRefs>
+</ds:datastoreItem>
+</file>
+
+<file path=customXml/itemProps3.xml><?xml version="1.0" encoding="utf-8"?>
+<ds:datastoreItem xmlns:ds="http://schemas.openxmlformats.org/officeDocument/2006/customXml" ds:itemID="{A03EEFF0-FB57-4CB4-8BFC-DF397689E2ED}">
+  <ds:schemaRefs>
+    <ds:schemaRef ds:uri="http://schemas.microsoft.com/office/2006/metadata/properties"/>
+    <ds:schemaRef ds:uri="http://schemas.microsoft.com/office/infopath/2007/PartnerControls"/>
+    <ds:schemaRef ds:uri="71af3243-3dd4-4a8d-8c0d-dd76da1f02a5"/>
+  </ds:schemaRefs>
+</ds:datastoreItem>
 </file>
--- a/Naive Bayes Notes.pptx
+++ b/Naive Bayes Notes.pptx
@@ -11,9 +11,9 @@
     <p:sldId id="301" r:id="rId5"/>
     <p:sldId id="302" r:id="rId6"/>
     <p:sldId id="303" r:id="rId7"/>
-    <p:sldId id="304" r:id="rId8"/>
-    <p:sldId id="306" r:id="rId9"/>
-    <p:sldId id="307" r:id="rId10"/>
+    <p:sldId id="306" r:id="rId8"/>
+    <p:sldId id="307" r:id="rId9"/>
+    <p:sldId id="308" r:id="rId10"/>
   </p:sldIdLst>
   <p:sldSz cx="12192000" cy="6858000"/>
   <p:notesSz cx="6858000" cy="9144000"/>
@@ -6180,872 +6180,178 @@
             <p:ph type="title"/>
           </p:nvPr>
         </p:nvSpPr>
-        <p:spPr/>
+        <p:spPr>
+          <a:xfrm>
+            <a:off x="1097280" y="286603"/>
+            <a:ext cx="10058400" cy="1559952"/>
+          </a:xfrm>
+        </p:spPr>
+        <p:txBody>
+          <a:bodyPr>
+            <a:normAutofit/>
+          </a:bodyPr>
+          <a:lstStyle/>
+          <a:p>
+            <a:r>
+              <a:rPr lang="en-US" dirty="0"/>
+              <a:t>Advantages:</a:t>
+            </a:r>
+          </a:p>
+        </p:txBody>
+      </p:sp>
+      <p:sp>
+        <p:nvSpPr>
+          <p:cNvPr id="3" name="Content Placeholder 2">
+            <a:extLst>
+              <a:ext uri="{FF2B5EF4-FFF2-40B4-BE49-F238E27FC236}">
+                <a16:creationId xmlns:a16="http://schemas.microsoft.com/office/drawing/2014/main" id="{2B026EC1-4B87-451D-97A4-423134E26901}"/>
+              </a:ext>
+            </a:extLst>
+          </p:cNvPr>
+          <p:cNvSpPr>
+            <a:spLocks noGrp="1"/>
+          </p:cNvSpPr>
+          <p:nvPr>
+            <p:ph idx="1"/>
+          </p:nvPr>
+        </p:nvSpPr>
+        <p:spPr>
+          <a:xfrm>
+            <a:off x="1066800" y="1066579"/>
+            <a:ext cx="10058400" cy="4096851"/>
+          </a:xfrm>
+        </p:spPr>
         <p:txBody>
           <a:bodyPr/>
           <a:lstStyle/>
           <a:p>
-            <a:r>
-              <a:rPr lang="en-US" dirty="0"/>
-              <a:t>Junk</a:t>
-            </a:r>
+            <a:pPr marL="0" indent="0">
+              <a:buNone/>
+            </a:pPr>
+            <a:endParaRPr lang="en-US" dirty="0"/>
+          </a:p>
+          <a:p>
+            <a:endParaRPr lang="en-US" dirty="0"/>
           </a:p>
         </p:txBody>
       </p:sp>
-      <mc:AlternateContent xmlns:mc="http://schemas.openxmlformats.org/markup-compatibility/2006" xmlns:a14="http://schemas.microsoft.com/office/drawing/2010/main">
-        <mc:Choice Requires="a14">
-          <p:sp>
-            <p:nvSpPr>
-              <p:cNvPr id="3" name="Content Placeholder 2">
-                <a:extLst>
-                  <a:ext uri="{FF2B5EF4-FFF2-40B4-BE49-F238E27FC236}">
-                    <a16:creationId xmlns:a16="http://schemas.microsoft.com/office/drawing/2014/main" id="{2B026EC1-4B87-451D-97A4-423134E26901}"/>
-                  </a:ext>
-                </a:extLst>
-              </p:cNvPr>
-              <p:cNvSpPr>
-                <a:spLocks noGrp="1"/>
-              </p:cNvSpPr>
-              <p:nvPr>
-                <p:ph idx="1"/>
-              </p:nvPr>
-            </p:nvSpPr>
-            <p:spPr/>
-            <p:txBody>
-              <a:bodyPr/>
-              <a:lstStyle/>
-              <a:p>
-                <a:r>
-                  <a:rPr lang="en-US" dirty="0"/>
-                  <a:t>When two events, let’s call them </a:t>
-                </a:r>
-                <a14:m>
-                  <m:oMath xmlns:m="http://schemas.openxmlformats.org/officeDocument/2006/math">
-                    <m:r>
-                      <a:rPr lang="en-US" b="0" i="1" smtClean="0">
-                        <a:latin typeface="Cambria Math" panose="02040503050406030204" pitchFamily="18" charset="0"/>
-                      </a:rPr>
-                      <m:t>𝐴</m:t>
-                    </m:r>
-                    <m:r>
-                      <a:rPr lang="en-US" b="0" i="1" smtClean="0">
-                        <a:latin typeface="Cambria Math" panose="02040503050406030204" pitchFamily="18" charset="0"/>
-                      </a:rPr>
-                      <m:t> </m:t>
-                    </m:r>
-                    <m:r>
-                      <a:rPr lang="en-US" b="0" i="1" smtClean="0">
-                        <a:latin typeface="Cambria Math" panose="02040503050406030204" pitchFamily="18" charset="0"/>
-                      </a:rPr>
-                      <m:t>𝑎𝑛𝑑</m:t>
-                    </m:r>
-                    <m:r>
-                      <a:rPr lang="en-US" b="0" i="1" smtClean="0">
-                        <a:latin typeface="Cambria Math" panose="02040503050406030204" pitchFamily="18" charset="0"/>
-                      </a:rPr>
-                      <m:t> </m:t>
-                    </m:r>
-                    <m:r>
-                      <a:rPr lang="en-US" b="0" i="1" smtClean="0">
-                        <a:latin typeface="Cambria Math" panose="02040503050406030204" pitchFamily="18" charset="0"/>
-                      </a:rPr>
-                      <m:t>𝐵</m:t>
-                    </m:r>
-                  </m:oMath>
-                </a14:m>
-                <a:r>
-                  <a:rPr lang="en-US" dirty="0"/>
-                  <a:t>, are independent, the following hold:</a:t>
-                </a:r>
-              </a:p>
-              <a:p>
-                <a:pPr marL="0" indent="0" algn="ctr">
-                  <a:buNone/>
-                </a:pPr>
-                <a14:m>
-                  <m:oMath xmlns:m="http://schemas.openxmlformats.org/officeDocument/2006/math">
-                    <m:r>
-                      <a:rPr lang="en-US" b="0" i="1" smtClean="0">
-                        <a:latin typeface="Cambria Math" panose="02040503050406030204" pitchFamily="18" charset="0"/>
-                      </a:rPr>
-                      <m:t>𝑃</m:t>
-                    </m:r>
-                    <m:d>
-                      <m:dPr>
-                        <m:ctrlPr>
-                          <a:rPr lang="en-US" b="0" i="1" smtClean="0">
-                            <a:latin typeface="Cambria Math" panose="02040503050406030204" pitchFamily="18" charset="0"/>
-                          </a:rPr>
-                        </m:ctrlPr>
-                      </m:dPr>
-                      <m:e>
-                        <m:r>
-                          <a:rPr lang="en-US" b="0" i="1" smtClean="0">
-                            <a:latin typeface="Cambria Math" panose="02040503050406030204" pitchFamily="18" charset="0"/>
-                          </a:rPr>
-                          <m:t>𝐴</m:t>
-                        </m:r>
-                        <m:r>
-                          <a:rPr lang="en-US" b="0" i="1" smtClean="0">
-                            <a:latin typeface="Cambria Math" panose="02040503050406030204" pitchFamily="18" charset="0"/>
-                          </a:rPr>
-                          <m:t> </m:t>
-                        </m:r>
-                        <m:r>
-                          <a:rPr lang="en-US" b="0" i="1" smtClean="0">
-                            <a:latin typeface="Cambria Math" panose="02040503050406030204" pitchFamily="18" charset="0"/>
-                          </a:rPr>
-                          <m:t>𝑎𝑛𝑑</m:t>
-                        </m:r>
-                        <m:r>
-                          <a:rPr lang="en-US" b="0" i="1" smtClean="0">
-                            <a:latin typeface="Cambria Math" panose="02040503050406030204" pitchFamily="18" charset="0"/>
-                          </a:rPr>
-                          <m:t> </m:t>
-                        </m:r>
-                        <m:r>
-                          <a:rPr lang="en-US" b="0" i="1" smtClean="0">
-                            <a:latin typeface="Cambria Math" panose="02040503050406030204" pitchFamily="18" charset="0"/>
-                          </a:rPr>
-                          <m:t>𝐵</m:t>
-                        </m:r>
-                      </m:e>
-                    </m:d>
-                    <m:r>
-                      <a:rPr lang="en-US" b="0" i="1" smtClean="0">
-                        <a:latin typeface="Cambria Math" panose="02040503050406030204" pitchFamily="18" charset="0"/>
-                      </a:rPr>
-                      <m:t>=</m:t>
-                    </m:r>
-                    <m:r>
-                      <a:rPr lang="en-US" b="0" i="1" smtClean="0">
-                        <a:latin typeface="Cambria Math" panose="02040503050406030204" pitchFamily="18" charset="0"/>
-                      </a:rPr>
-                      <m:t>𝑃</m:t>
-                    </m:r>
-                    <m:d>
-                      <m:dPr>
-                        <m:ctrlPr>
-                          <a:rPr lang="en-US" b="0" i="1" smtClean="0">
-                            <a:latin typeface="Cambria Math" panose="02040503050406030204" pitchFamily="18" charset="0"/>
-                          </a:rPr>
-                        </m:ctrlPr>
-                      </m:dPr>
-                      <m:e>
-                        <m:r>
-                          <a:rPr lang="en-US" b="0" i="1" smtClean="0">
-                            <a:latin typeface="Cambria Math" panose="02040503050406030204" pitchFamily="18" charset="0"/>
-                          </a:rPr>
-                          <m:t>𝐴</m:t>
-                        </m:r>
-                      </m:e>
-                    </m:d>
-                    <m:r>
-                      <a:rPr lang="en-US" b="0" i="1" smtClean="0">
-                        <a:latin typeface="Cambria Math" panose="02040503050406030204" pitchFamily="18" charset="0"/>
-                      </a:rPr>
-                      <m:t>∗</m:t>
-                    </m:r>
-                    <m:r>
-                      <a:rPr lang="en-US" b="0" i="1" smtClean="0">
-                        <a:latin typeface="Cambria Math" panose="02040503050406030204" pitchFamily="18" charset="0"/>
-                      </a:rPr>
-                      <m:t>𝑃</m:t>
-                    </m:r>
-                    <m:r>
-                      <a:rPr lang="en-US" b="0" i="1" smtClean="0">
-                        <a:latin typeface="Cambria Math" panose="02040503050406030204" pitchFamily="18" charset="0"/>
-                      </a:rPr>
-                      <m:t>(</m:t>
-                    </m:r>
-                    <m:r>
-                      <a:rPr lang="en-US" b="0" i="1" smtClean="0">
-                        <a:latin typeface="Cambria Math" panose="02040503050406030204" pitchFamily="18" charset="0"/>
-                      </a:rPr>
-                      <m:t>𝐵</m:t>
-                    </m:r>
-                    <m:r>
-                      <a:rPr lang="en-US" b="0" i="1" smtClean="0">
-                        <a:latin typeface="Cambria Math" panose="02040503050406030204" pitchFamily="18" charset="0"/>
-                      </a:rPr>
-                      <m:t>)</m:t>
-                    </m:r>
-                  </m:oMath>
-                </a14:m>
-                <a:r>
-                  <a:rPr lang="en-US" b="0" i="1" dirty="0">
-                    <a:latin typeface="Cambria Math" panose="02040503050406030204" pitchFamily="18" charset="0"/>
-                  </a:rPr>
-                  <a:t> </a:t>
-                </a:r>
-                <a:r>
-                  <a:rPr lang="en-US" b="1" dirty="0">
-                    <a:latin typeface="Cambria Math" panose="02040503050406030204" pitchFamily="18" charset="0"/>
-                  </a:rPr>
-                  <a:t>and</a:t>
-                </a:r>
-              </a:p>
-              <a:p>
-                <a:pPr marL="0" indent="0">
-                  <a:buNone/>
-                </a:pPr>
-                <a14:m>
-                  <m:oMathPara xmlns:m="http://schemas.openxmlformats.org/officeDocument/2006/math">
-                    <m:oMathParaPr>
-                      <m:jc m:val="center"/>
-                    </m:oMathParaPr>
-                    <m:oMath xmlns:m="http://schemas.openxmlformats.org/officeDocument/2006/math">
-                      <m:r>
-                        <a:rPr lang="en-US" b="0" i="1" smtClean="0">
-                          <a:latin typeface="Cambria Math" panose="02040503050406030204" pitchFamily="18" charset="0"/>
-                        </a:rPr>
-                        <m:t>𝑃</m:t>
-                      </m:r>
-                      <m:d>
-                        <m:dPr>
-                          <m:endChr m:val="|"/>
-                          <m:ctrlPr>
-                            <a:rPr lang="en-US" b="0" i="1" smtClean="0">
-                              <a:latin typeface="Cambria Math" panose="02040503050406030204" pitchFamily="18" charset="0"/>
-                            </a:rPr>
-                          </m:ctrlPr>
-                        </m:dPr>
-                        <m:e>
-                          <m:r>
-                            <a:rPr lang="en-US" b="0" i="1" smtClean="0">
-                              <a:latin typeface="Cambria Math" panose="02040503050406030204" pitchFamily="18" charset="0"/>
-                            </a:rPr>
-                            <m:t>𝐴</m:t>
-                          </m:r>
-                          <m:r>
-                            <a:rPr lang="en-US" b="0" i="1" smtClean="0">
-                              <a:latin typeface="Cambria Math" panose="02040503050406030204" pitchFamily="18" charset="0"/>
-                            </a:rPr>
-                            <m:t> </m:t>
-                          </m:r>
-                          <m:r>
-                            <a:rPr lang="en-US" b="0" i="1" smtClean="0">
-                              <a:latin typeface="Cambria Math" panose="02040503050406030204" pitchFamily="18" charset="0"/>
-                            </a:rPr>
-                            <m:t>𝑎𝑛𝑑</m:t>
-                          </m:r>
-                          <m:r>
-                            <a:rPr lang="en-US" b="0" i="1" smtClean="0">
-                              <a:latin typeface="Cambria Math" panose="02040503050406030204" pitchFamily="18" charset="0"/>
-                            </a:rPr>
-                            <m:t> </m:t>
-                          </m:r>
-                          <m:r>
-                            <a:rPr lang="en-US" b="0" i="1" smtClean="0">
-                              <a:latin typeface="Cambria Math" panose="02040503050406030204" pitchFamily="18" charset="0"/>
-                            </a:rPr>
-                            <m:t>𝐵</m:t>
-                          </m:r>
-                          <m:r>
-                            <a:rPr lang="en-US" b="0" i="1" smtClean="0">
-                              <a:latin typeface="Cambria Math" panose="02040503050406030204" pitchFamily="18" charset="0"/>
-                            </a:rPr>
-                            <m:t> </m:t>
-                          </m:r>
-                        </m:e>
-                      </m:d>
-                      <m:r>
-                        <a:rPr lang="en-US" b="0" i="1" smtClean="0">
-                          <a:latin typeface="Cambria Math" panose="02040503050406030204" pitchFamily="18" charset="0"/>
-                        </a:rPr>
-                        <m:t> </m:t>
-                      </m:r>
-                      <m:r>
-                        <a:rPr lang="en-US" b="0" i="1" smtClean="0">
-                          <a:latin typeface="Cambria Math" panose="02040503050406030204" pitchFamily="18" charset="0"/>
-                        </a:rPr>
-                        <m:t>𝐶</m:t>
-                      </m:r>
-                      <m:r>
-                        <a:rPr lang="en-US" b="0" i="1" smtClean="0">
-                          <a:latin typeface="Cambria Math" panose="02040503050406030204" pitchFamily="18" charset="0"/>
-                        </a:rPr>
-                        <m:t>)=</m:t>
-                      </m:r>
-                      <m:r>
-                        <a:rPr lang="en-US" b="0" i="1" smtClean="0">
-                          <a:latin typeface="Cambria Math" panose="02040503050406030204" pitchFamily="18" charset="0"/>
-                        </a:rPr>
-                        <m:t>𝑃</m:t>
-                      </m:r>
-                      <m:d>
-                        <m:dPr>
-                          <m:endChr m:val="|"/>
-                          <m:ctrlPr>
-                            <a:rPr lang="en-US" b="0" i="1" smtClean="0">
-                              <a:latin typeface="Cambria Math" panose="02040503050406030204" pitchFamily="18" charset="0"/>
-                            </a:rPr>
-                          </m:ctrlPr>
-                        </m:dPr>
-                        <m:e>
-                          <m:r>
-                            <a:rPr lang="en-US" b="0" i="1" smtClean="0">
-                              <a:latin typeface="Cambria Math" panose="02040503050406030204" pitchFamily="18" charset="0"/>
-                            </a:rPr>
-                            <m:t>𝐴</m:t>
-                          </m:r>
-                          <m:r>
-                            <a:rPr lang="en-US" b="0" i="1" smtClean="0">
-                              <a:latin typeface="Cambria Math" panose="02040503050406030204" pitchFamily="18" charset="0"/>
-                            </a:rPr>
-                            <m:t> </m:t>
-                          </m:r>
-                        </m:e>
-                      </m:d>
-                      <m:r>
-                        <a:rPr lang="en-US" b="0" i="1" smtClean="0">
-                          <a:latin typeface="Cambria Math" panose="02040503050406030204" pitchFamily="18" charset="0"/>
-                        </a:rPr>
-                        <m:t> </m:t>
-                      </m:r>
-                      <m:r>
-                        <a:rPr lang="en-US" b="0" i="1" smtClean="0">
-                          <a:latin typeface="Cambria Math" panose="02040503050406030204" pitchFamily="18" charset="0"/>
-                        </a:rPr>
-                        <m:t>𝐶</m:t>
-                      </m:r>
-                      <m:r>
-                        <a:rPr lang="en-US" b="0" i="1" smtClean="0">
-                          <a:latin typeface="Cambria Math" panose="02040503050406030204" pitchFamily="18" charset="0"/>
-                        </a:rPr>
-                        <m:t>)</m:t>
-                      </m:r>
-                      <m:r>
-                        <a:rPr lang="en-US" b="0" i="1" smtClean="0">
-                          <a:latin typeface="Cambria Math" panose="02040503050406030204" pitchFamily="18" charset="0"/>
-                        </a:rPr>
-                        <m:t>𝑃</m:t>
-                      </m:r>
-                      <m:d>
-                        <m:dPr>
-                          <m:endChr m:val="|"/>
-                          <m:ctrlPr>
-                            <a:rPr lang="en-US" b="0" i="1" smtClean="0">
-                              <a:latin typeface="Cambria Math" panose="02040503050406030204" pitchFamily="18" charset="0"/>
-                            </a:rPr>
-                          </m:ctrlPr>
-                        </m:dPr>
-                        <m:e>
-                          <m:r>
-                            <a:rPr lang="en-US" b="0" i="1" smtClean="0">
-                              <a:latin typeface="Cambria Math" panose="02040503050406030204" pitchFamily="18" charset="0"/>
-                            </a:rPr>
-                            <m:t>𝐵</m:t>
-                          </m:r>
-                          <m:r>
-                            <a:rPr lang="en-US" b="0" i="1" smtClean="0">
-                              <a:latin typeface="Cambria Math" panose="02040503050406030204" pitchFamily="18" charset="0"/>
-                            </a:rPr>
-                            <m:t> </m:t>
-                          </m:r>
-                        </m:e>
-                      </m:d>
-                      <m:r>
-                        <a:rPr lang="en-US" b="0" i="1" smtClean="0">
-                          <a:latin typeface="Cambria Math" panose="02040503050406030204" pitchFamily="18" charset="0"/>
-                        </a:rPr>
-                        <m:t>𝐶</m:t>
-                      </m:r>
-                      <m:r>
-                        <a:rPr lang="en-US" b="0" i="1" smtClean="0">
-                          <a:latin typeface="Cambria Math" panose="02040503050406030204" pitchFamily="18" charset="0"/>
-                        </a:rPr>
-                        <m:t>)</m:t>
-                      </m:r>
-                    </m:oMath>
-                  </m:oMathPara>
-                </a14:m>
-                <a:endParaRPr lang="en-US" dirty="0"/>
-              </a:p>
-              <a:p>
-                <a:pPr marL="0" indent="0">
-                  <a:buNone/>
-                </a:pPr>
-                <a:endParaRPr lang="en-US" dirty="0"/>
-              </a:p>
-              <a:p>
-                <a:pPr marL="0" indent="0">
-                  <a:buNone/>
-                </a:pPr>
-                <a:r>
-                  <a:rPr lang="en-US" b="1" dirty="0"/>
-                  <a:t>[UNSURE HOW TO WORD] </a:t>
-                </a:r>
-                <a:r>
-                  <a:rPr lang="en-US" dirty="0"/>
-                  <a:t>The training data is used to calculate the initial probabilities of </a:t>
-                </a:r>
-                <a14:m>
-                  <m:oMath xmlns:m="http://schemas.openxmlformats.org/officeDocument/2006/math">
-                    <m:sSub>
-                      <m:sSubPr>
-                        <m:ctrlPr>
-                          <a:rPr lang="en-US" i="1" smtClean="0">
-                            <a:latin typeface="Cambria Math" panose="02040503050406030204" pitchFamily="18" charset="0"/>
-                          </a:rPr>
-                        </m:ctrlPr>
-                      </m:sSubPr>
-                      <m:e>
-                        <m:r>
-                          <a:rPr lang="en-US" i="1">
-                            <a:latin typeface="Cambria Math" panose="02040503050406030204" pitchFamily="18" charset="0"/>
-                          </a:rPr>
-                          <m:t>𝑥</m:t>
-                        </m:r>
-                      </m:e>
-                      <m:sub>
-                        <m:r>
-                          <a:rPr lang="en-US" i="1">
-                            <a:latin typeface="Cambria Math" panose="02040503050406030204" pitchFamily="18" charset="0"/>
-                          </a:rPr>
-                          <m:t>1</m:t>
-                        </m:r>
-                      </m:sub>
-                    </m:sSub>
-                    <m:r>
-                      <a:rPr lang="en-US" i="1">
-                        <a:latin typeface="Cambria Math" panose="02040503050406030204" pitchFamily="18" charset="0"/>
-                      </a:rPr>
-                      <m:t>,</m:t>
-                    </m:r>
-                    <m:sSub>
-                      <m:sSubPr>
-                        <m:ctrlPr>
-                          <a:rPr lang="en-US" i="1">
-                            <a:latin typeface="Cambria Math" panose="02040503050406030204" pitchFamily="18" charset="0"/>
-                          </a:rPr>
-                        </m:ctrlPr>
-                      </m:sSubPr>
-                      <m:e>
-                        <m:r>
-                          <a:rPr lang="en-US" i="1">
-                            <a:latin typeface="Cambria Math" panose="02040503050406030204" pitchFamily="18" charset="0"/>
-                          </a:rPr>
-                          <m:t>𝑥</m:t>
-                        </m:r>
-                      </m:e>
-                      <m:sub>
-                        <m:r>
-                          <a:rPr lang="en-US" i="1">
-                            <a:latin typeface="Cambria Math" panose="02040503050406030204" pitchFamily="18" charset="0"/>
-                          </a:rPr>
-                          <m:t>2</m:t>
-                        </m:r>
-                      </m:sub>
-                    </m:sSub>
-                    <m:r>
-                      <a:rPr lang="en-US" i="1">
-                        <a:latin typeface="Cambria Math" panose="02040503050406030204" pitchFamily="18" charset="0"/>
-                      </a:rPr>
-                      <m:t>,…</m:t>
-                    </m:r>
-                    <m:sSub>
-                      <m:sSubPr>
-                        <m:ctrlPr>
-                          <a:rPr lang="en-US" i="1">
-                            <a:latin typeface="Cambria Math" panose="02040503050406030204" pitchFamily="18" charset="0"/>
-                          </a:rPr>
-                        </m:ctrlPr>
-                      </m:sSubPr>
-                      <m:e>
-                        <m:r>
-                          <a:rPr lang="en-US" i="1">
-                            <a:latin typeface="Cambria Math" panose="02040503050406030204" pitchFamily="18" charset="0"/>
-                          </a:rPr>
-                          <m:t>𝑥</m:t>
-                        </m:r>
-                      </m:e>
-                      <m:sub>
-                        <m:r>
-                          <a:rPr lang="en-US" i="1">
-                            <a:latin typeface="Cambria Math" panose="02040503050406030204" pitchFamily="18" charset="0"/>
-                          </a:rPr>
-                          <m:t>𝑘</m:t>
-                        </m:r>
-                      </m:sub>
-                    </m:sSub>
-                  </m:oMath>
-                </a14:m>
-                <a:r>
-                  <a:rPr lang="en-US" dirty="0"/>
-                  <a:t> and </a:t>
-                </a:r>
-                <a14:m>
-                  <m:oMath xmlns:m="http://schemas.openxmlformats.org/officeDocument/2006/math">
-                    <m:r>
-                      <a:rPr lang="en-US" b="0" i="1" smtClean="0">
-                        <a:latin typeface="Cambria Math" panose="02040503050406030204" pitchFamily="18" charset="0"/>
-                      </a:rPr>
-                      <m:t>𝑦</m:t>
-                    </m:r>
-                  </m:oMath>
-                </a14:m>
-                <a:r>
-                  <a:rPr lang="en-US" dirty="0"/>
-                  <a:t> and the conditional probabilities </a:t>
-                </a:r>
-                <a14:m>
-                  <m:oMath xmlns:m="http://schemas.openxmlformats.org/officeDocument/2006/math">
-                    <m:r>
-                      <a:rPr lang="en-US" i="1">
-                        <a:latin typeface="Cambria Math" panose="02040503050406030204" pitchFamily="18" charset="0"/>
-                      </a:rPr>
-                      <m:t>𝑃</m:t>
-                    </m:r>
-                    <m:d>
-                      <m:dPr>
-                        <m:ctrlPr>
-                          <a:rPr lang="en-US" i="1">
-                            <a:latin typeface="Cambria Math" panose="02040503050406030204" pitchFamily="18" charset="0"/>
-                          </a:rPr>
-                        </m:ctrlPr>
-                      </m:dPr>
-                      <m:e>
-                        <m:sSub>
-                          <m:sSubPr>
-                            <m:ctrlPr>
-                              <a:rPr lang="en-US" i="1">
-                                <a:latin typeface="Cambria Math" panose="02040503050406030204" pitchFamily="18" charset="0"/>
-                              </a:rPr>
-                            </m:ctrlPr>
-                          </m:sSubPr>
-                          <m:e>
-                            <m:r>
-                              <a:rPr lang="en-US" i="1">
-                                <a:latin typeface="Cambria Math" panose="02040503050406030204" pitchFamily="18" charset="0"/>
-                              </a:rPr>
-                              <m:t>𝑥</m:t>
-                            </m:r>
-                          </m:e>
-                          <m:sub>
-                            <m:r>
-                              <a:rPr lang="en-US" i="1">
-                                <a:latin typeface="Cambria Math" panose="02040503050406030204" pitchFamily="18" charset="0"/>
-                              </a:rPr>
-                              <m:t>1</m:t>
-                            </m:r>
-                          </m:sub>
-                        </m:sSub>
-                      </m:e>
-                      <m:e>
-                        <m:r>
-                          <a:rPr lang="en-US" i="1">
-                            <a:latin typeface="Cambria Math" panose="02040503050406030204" pitchFamily="18" charset="0"/>
-                          </a:rPr>
-                          <m:t>𝑦</m:t>
-                        </m:r>
-                      </m:e>
-                    </m:d>
-                    <m:r>
-                      <a:rPr lang="en-US" b="0" i="1" smtClean="0">
-                        <a:latin typeface="Cambria Math" panose="02040503050406030204" pitchFamily="18" charset="0"/>
-                      </a:rPr>
-                      <m:t>,</m:t>
-                    </m:r>
-                    <m:r>
-                      <a:rPr lang="en-US" i="1">
-                        <a:latin typeface="Cambria Math" panose="02040503050406030204" pitchFamily="18" charset="0"/>
-                      </a:rPr>
-                      <m:t> </m:t>
-                    </m:r>
-                    <m:r>
-                      <a:rPr lang="en-US" i="1">
-                        <a:latin typeface="Cambria Math" panose="02040503050406030204" pitchFamily="18" charset="0"/>
-                      </a:rPr>
-                      <m:t>𝑃</m:t>
-                    </m:r>
-                    <m:d>
-                      <m:dPr>
-                        <m:ctrlPr>
-                          <a:rPr lang="en-US" i="1">
-                            <a:latin typeface="Cambria Math" panose="02040503050406030204" pitchFamily="18" charset="0"/>
-                          </a:rPr>
-                        </m:ctrlPr>
-                      </m:dPr>
-                      <m:e>
-                        <m:sSub>
-                          <m:sSubPr>
-                            <m:ctrlPr>
-                              <a:rPr lang="en-US" i="1">
-                                <a:latin typeface="Cambria Math" panose="02040503050406030204" pitchFamily="18" charset="0"/>
-                              </a:rPr>
-                            </m:ctrlPr>
-                          </m:sSubPr>
-                          <m:e>
-                            <m:r>
-                              <a:rPr lang="en-US" i="1">
-                                <a:latin typeface="Cambria Math" panose="02040503050406030204" pitchFamily="18" charset="0"/>
-                              </a:rPr>
-                              <m:t>𝑥</m:t>
-                            </m:r>
-                          </m:e>
-                          <m:sub>
-                            <m:r>
-                              <a:rPr lang="en-US" i="1">
-                                <a:latin typeface="Cambria Math" panose="02040503050406030204" pitchFamily="18" charset="0"/>
-                              </a:rPr>
-                              <m:t>2</m:t>
-                            </m:r>
-                          </m:sub>
-                        </m:sSub>
-                      </m:e>
-                      <m:e>
-                        <m:r>
-                          <a:rPr lang="en-US" i="1">
-                            <a:latin typeface="Cambria Math" panose="02040503050406030204" pitchFamily="18" charset="0"/>
-                          </a:rPr>
-                          <m:t>𝑦</m:t>
-                        </m:r>
-                      </m:e>
-                    </m:d>
-                    <m:r>
-                      <a:rPr lang="en-US" b="0" i="1" smtClean="0">
-                        <a:latin typeface="Cambria Math" panose="02040503050406030204" pitchFamily="18" charset="0"/>
-                      </a:rPr>
-                      <m:t>,</m:t>
-                    </m:r>
-                    <m:r>
-                      <a:rPr lang="en-US" i="1">
-                        <a:latin typeface="Cambria Math" panose="02040503050406030204" pitchFamily="18" charset="0"/>
-                      </a:rPr>
-                      <m:t> </m:t>
-                    </m:r>
-                    <m:r>
-                      <a:rPr lang="en-US" b="0" i="1" smtClean="0">
-                        <a:latin typeface="Cambria Math" panose="02040503050406030204" pitchFamily="18" charset="0"/>
-                      </a:rPr>
-                      <m:t> …</m:t>
-                    </m:r>
-                    <m:r>
-                      <a:rPr lang="en-US" i="1">
-                        <a:latin typeface="Cambria Math" panose="02040503050406030204" pitchFamily="18" charset="0"/>
-                      </a:rPr>
-                      <m:t>𝑃</m:t>
-                    </m:r>
-                    <m:d>
-                      <m:dPr>
-                        <m:ctrlPr>
-                          <a:rPr lang="en-US" i="1">
-                            <a:latin typeface="Cambria Math" panose="02040503050406030204" pitchFamily="18" charset="0"/>
-                          </a:rPr>
-                        </m:ctrlPr>
-                      </m:dPr>
-                      <m:e>
-                        <m:sSub>
-                          <m:sSubPr>
-                            <m:ctrlPr>
-                              <a:rPr lang="en-US" i="1">
-                                <a:latin typeface="Cambria Math" panose="02040503050406030204" pitchFamily="18" charset="0"/>
-                              </a:rPr>
-                            </m:ctrlPr>
-                          </m:sSubPr>
-                          <m:e>
-                            <m:r>
-                              <a:rPr lang="en-US" i="1">
-                                <a:latin typeface="Cambria Math" panose="02040503050406030204" pitchFamily="18" charset="0"/>
-                              </a:rPr>
-                              <m:t>𝑥</m:t>
-                            </m:r>
-                          </m:e>
-                          <m:sub>
-                            <m:r>
-                              <a:rPr lang="en-US" i="1">
-                                <a:latin typeface="Cambria Math" panose="02040503050406030204" pitchFamily="18" charset="0"/>
-                              </a:rPr>
-                              <m:t>𝑘</m:t>
-                            </m:r>
-                          </m:sub>
-                        </m:sSub>
-                      </m:e>
-                      <m:e>
-                        <m:r>
-                          <a:rPr lang="en-US" i="1">
-                            <a:latin typeface="Cambria Math" panose="02040503050406030204" pitchFamily="18" charset="0"/>
-                          </a:rPr>
-                          <m:t>𝑦</m:t>
-                        </m:r>
-                      </m:e>
-                    </m:d>
-                  </m:oMath>
-                </a14:m>
-                <a:r>
-                  <a:rPr lang="en-US" dirty="0"/>
-                  <a:t>. From there it can make predictions as to which class </a:t>
-                </a:r>
-                <a14:m>
-                  <m:oMath xmlns:m="http://schemas.openxmlformats.org/officeDocument/2006/math">
-                    <m:r>
-                      <a:rPr lang="en-US" b="0" i="1" smtClean="0">
-                        <a:latin typeface="Cambria Math" panose="02040503050406030204" pitchFamily="18" charset="0"/>
-                      </a:rPr>
-                      <m:t>𝑦</m:t>
-                    </m:r>
-                  </m:oMath>
-                </a14:m>
-                <a:r>
-                  <a:rPr lang="en-US" dirty="0"/>
-                  <a:t> is most likely given the values for </a:t>
-                </a:r>
-                <a14:m>
-                  <m:oMath xmlns:m="http://schemas.openxmlformats.org/officeDocument/2006/math">
-                    <m:sSub>
-                      <m:sSubPr>
-                        <m:ctrlPr>
-                          <a:rPr lang="en-US" i="1">
-                            <a:latin typeface="Cambria Math" panose="02040503050406030204" pitchFamily="18" charset="0"/>
-                          </a:rPr>
-                        </m:ctrlPr>
-                      </m:sSubPr>
-                      <m:e>
-                        <m:r>
-                          <a:rPr lang="en-US" i="1">
-                            <a:latin typeface="Cambria Math" panose="02040503050406030204" pitchFamily="18" charset="0"/>
-                          </a:rPr>
-                          <m:t>𝑥</m:t>
-                        </m:r>
-                      </m:e>
-                      <m:sub>
-                        <m:r>
-                          <a:rPr lang="en-US" i="1">
-                            <a:latin typeface="Cambria Math" panose="02040503050406030204" pitchFamily="18" charset="0"/>
-                          </a:rPr>
-                          <m:t>1</m:t>
-                        </m:r>
-                      </m:sub>
-                    </m:sSub>
-                    <m:r>
-                      <a:rPr lang="en-US" i="1">
-                        <a:latin typeface="Cambria Math" panose="02040503050406030204" pitchFamily="18" charset="0"/>
-                      </a:rPr>
-                      <m:t>,</m:t>
-                    </m:r>
-                    <m:sSub>
-                      <m:sSubPr>
-                        <m:ctrlPr>
-                          <a:rPr lang="en-US" i="1">
-                            <a:latin typeface="Cambria Math" panose="02040503050406030204" pitchFamily="18" charset="0"/>
-                          </a:rPr>
-                        </m:ctrlPr>
-                      </m:sSubPr>
-                      <m:e>
-                        <m:r>
-                          <a:rPr lang="en-US" i="1">
-                            <a:latin typeface="Cambria Math" panose="02040503050406030204" pitchFamily="18" charset="0"/>
-                          </a:rPr>
-                          <m:t>𝑥</m:t>
-                        </m:r>
-                      </m:e>
-                      <m:sub>
-                        <m:r>
-                          <a:rPr lang="en-US" i="1">
-                            <a:latin typeface="Cambria Math" panose="02040503050406030204" pitchFamily="18" charset="0"/>
-                          </a:rPr>
-                          <m:t>2</m:t>
-                        </m:r>
-                      </m:sub>
-                    </m:sSub>
-                    <m:r>
-                      <a:rPr lang="en-US" i="1">
-                        <a:latin typeface="Cambria Math" panose="02040503050406030204" pitchFamily="18" charset="0"/>
-                      </a:rPr>
-                      <m:t>,…</m:t>
-                    </m:r>
-                    <m:sSub>
-                      <m:sSubPr>
-                        <m:ctrlPr>
-                          <a:rPr lang="en-US" i="1">
-                            <a:latin typeface="Cambria Math" panose="02040503050406030204" pitchFamily="18" charset="0"/>
-                          </a:rPr>
-                        </m:ctrlPr>
-                      </m:sSubPr>
-                      <m:e>
-                        <m:r>
-                          <a:rPr lang="en-US" i="1">
-                            <a:latin typeface="Cambria Math" panose="02040503050406030204" pitchFamily="18" charset="0"/>
-                          </a:rPr>
-                          <m:t>𝑥</m:t>
-                        </m:r>
-                      </m:e>
-                      <m:sub>
-                        <m:r>
-                          <a:rPr lang="en-US" i="1">
-                            <a:latin typeface="Cambria Math" panose="02040503050406030204" pitchFamily="18" charset="0"/>
-                          </a:rPr>
-                          <m:t>𝑘</m:t>
-                        </m:r>
-                      </m:sub>
-                    </m:sSub>
-                    <m:r>
-                      <a:rPr lang="en-US" b="0" i="0" smtClean="0">
-                        <a:latin typeface="Cambria Math" panose="02040503050406030204" pitchFamily="18" charset="0"/>
-                      </a:rPr>
-                      <m:t>.</m:t>
-                    </m:r>
-                  </m:oMath>
-                </a14:m>
-                <a:endParaRPr lang="en-US" dirty="0"/>
-              </a:p>
-              <a:p>
-                <a:pPr marL="0" indent="0">
-                  <a:buNone/>
-                </a:pPr>
-                <a:endParaRPr lang="en-US" dirty="0"/>
-              </a:p>
-              <a:p>
-                <a:endParaRPr lang="en-US" dirty="0"/>
-              </a:p>
-            </p:txBody>
-          </p:sp>
-        </mc:Choice>
-        <mc:Fallback xmlns="">
-          <p:sp>
-            <p:nvSpPr>
-              <p:cNvPr id="3" name="Content Placeholder 2">
-                <a:extLst>
-                  <a:ext uri="{FF2B5EF4-FFF2-40B4-BE49-F238E27FC236}">
-                    <a16:creationId xmlns:a16="http://schemas.microsoft.com/office/drawing/2014/main" id="{2B026EC1-4B87-451D-97A4-423134E26901}"/>
-                  </a:ext>
-                </a:extLst>
-              </p:cNvPr>
-              <p:cNvSpPr>
-                <a:spLocks noGrp="1" noRot="1" noChangeAspect="1" noMove="1" noResize="1" noEditPoints="1" noAdjustHandles="1" noChangeArrowheads="1" noChangeShapeType="1" noTextEdit="1"/>
-              </p:cNvSpPr>
-              <p:nvPr>
-                <p:ph idx="1"/>
-              </p:nvPr>
-            </p:nvSpPr>
-            <p:spPr>
-              <a:blipFill>
-                <a:blip r:embed="rId2"/>
-                <a:stretch>
-                  <a:fillRect l="-1455" t="-810" r="-1152"/>
-                </a:stretch>
-              </a:blipFill>
-            </p:spPr>
-            <p:txBody>
-              <a:bodyPr/>
-              <a:lstStyle/>
-              <a:p>
-                <a:r>
-                  <a:rPr lang="en-US">
-                    <a:noFill/>
-                  </a:rPr>
-                  <a:t> </a:t>
-                </a:r>
-              </a:p>
-            </p:txBody>
-          </p:sp>
-        </mc:Fallback>
-      </mc:AlternateContent>
+      <p:sp>
+        <p:nvSpPr>
+          <p:cNvPr id="6" name="TextBox 5">
+            <a:extLst>
+              <a:ext uri="{FF2B5EF4-FFF2-40B4-BE49-F238E27FC236}">
+                <a16:creationId xmlns:a16="http://schemas.microsoft.com/office/drawing/2014/main" id="{FFA0AA14-0319-4955-B57D-27874D760052}"/>
+              </a:ext>
+            </a:extLst>
+          </p:cNvPr>
+          <p:cNvSpPr txBox="1"/>
+          <p:nvPr/>
+        </p:nvSpPr>
+        <p:spPr>
+          <a:xfrm>
+            <a:off x="1207363" y="2024109"/>
+            <a:ext cx="9948317" cy="3139321"/>
+          </a:xfrm>
+          <a:prstGeom prst="rect">
+            <a:avLst/>
+          </a:prstGeom>
+          <a:noFill/>
+        </p:spPr>
+        <p:txBody>
+          <a:bodyPr wrap="square" rtlCol="0">
+            <a:spAutoFit/>
+          </a:bodyPr>
+          <a:lstStyle/>
+          <a:p>
+            <a:pPr marL="342900" indent="-342900">
+              <a:buAutoNum type="arabicParenR"/>
+            </a:pPr>
+            <a:r>
+              <a:rPr lang="en-US" dirty="0"/>
+              <a:t>Simple to implement</a:t>
+            </a:r>
+          </a:p>
+          <a:p>
+            <a:pPr marL="342900" indent="-342900">
+              <a:buAutoNum type="arabicParenR"/>
+            </a:pPr>
+            <a:endParaRPr lang="en-US" dirty="0"/>
+          </a:p>
+          <a:p>
+            <a:pPr marL="342900" indent="-342900">
+              <a:buAutoNum type="arabicParenR"/>
+            </a:pPr>
+            <a:r>
+              <a:rPr lang="en-US" dirty="0"/>
+              <a:t>Fast and effective in predicting the class of datasets</a:t>
+            </a:r>
+          </a:p>
+          <a:p>
+            <a:pPr marL="342900" indent="-342900">
+              <a:buAutoNum type="arabicParenR"/>
+            </a:pPr>
+            <a:endParaRPr lang="en-US" dirty="0"/>
+          </a:p>
+          <a:p>
+            <a:pPr marL="342900" indent="-342900">
+              <a:buAutoNum type="arabicParenR"/>
+            </a:pPr>
+            <a:r>
+              <a:rPr lang="en-US" dirty="0"/>
+              <a:t>Doesn’t require a large test set to work well</a:t>
+            </a:r>
+          </a:p>
+          <a:p>
+            <a:pPr marL="342900" indent="-342900">
+              <a:buAutoNum type="arabicParenR"/>
+            </a:pPr>
+            <a:endParaRPr lang="en-US" dirty="0"/>
+          </a:p>
+          <a:p>
+            <a:pPr marL="342900" indent="-342900">
+              <a:buAutoNum type="arabicParenR"/>
+            </a:pPr>
+            <a:r>
+              <a:rPr lang="en-US" dirty="0"/>
+              <a:t>Can handle both discrete and continuous data</a:t>
+            </a:r>
+          </a:p>
+          <a:p>
+            <a:pPr marL="342900" indent="-342900">
+              <a:buAutoNum type="arabicParenR"/>
+            </a:pPr>
+            <a:endParaRPr lang="en-US" dirty="0"/>
+          </a:p>
+          <a:p>
+            <a:pPr marL="342900" indent="-342900">
+              <a:buAutoNum type="arabicParenR"/>
+            </a:pPr>
+            <a:r>
+              <a:rPr lang="en-US" dirty="0"/>
+              <a:t>Useful for text analysis and classification problems</a:t>
+            </a:r>
+          </a:p>
+          <a:p>
+            <a:pPr marL="342900" indent="-342900">
+              <a:buAutoNum type="arabicParenR"/>
+            </a:pPr>
+            <a:endParaRPr lang="en-US" dirty="0"/>
+          </a:p>
+          <a:p>
+            <a:pPr marL="342900" indent="-342900">
+              <a:buAutoNum type="arabicParenR"/>
+            </a:pPr>
+            <a:r>
+              <a:rPr lang="en-US" dirty="0"/>
+              <a:t>Can be used for multiple class prediction problems</a:t>
+            </a:r>
+          </a:p>
+        </p:txBody>
+      </p:sp>
     </p:spTree>
     <p:extLst>
       <p:ext uri="{BB962C8B-B14F-4D97-AF65-F5344CB8AC3E}">
-        <p14:creationId xmlns:p14="http://schemas.microsoft.com/office/powerpoint/2010/main" val="3850085328"/>
+        <p14:creationId xmlns:p14="http://schemas.microsoft.com/office/powerpoint/2010/main" val="2202894520"/>
       </p:ext>
     </p:extLst>
   </p:cSld>
@@ -7102,7 +6408,7 @@
           <a:p>
             <a:r>
               <a:rPr lang="en-US" dirty="0"/>
-              <a:t>Advantages:</a:t>
+              <a:t>Disadvantages:</a:t>
             </a:r>
           </a:p>
         </p:txBody>
@@ -7158,7 +6464,7 @@
         <p:spPr>
           <a:xfrm>
             <a:off x="1207363" y="2024109"/>
-            <a:ext cx="9948317" cy="3139321"/>
+            <a:ext cx="9948317" cy="1477328"/>
           </a:xfrm>
           <a:prstGeom prst="rect">
             <a:avLst/>
@@ -7176,7 +6482,7 @@
             </a:pPr>
             <a:r>
               <a:rPr lang="en-US" dirty="0"/>
-              <a:t>Simple to implement</a:t>
+              <a:t>Relies upon the assumption that variables are independent</a:t>
             </a:r>
           </a:p>
           <a:p>
@@ -7191,7 +6497,7 @@
             </a:pPr>
             <a:r>
               <a:rPr lang="en-US" dirty="0"/>
-              <a:t>Fast and effective in predicting the class of datasets</a:t>
+              <a:t>Not ideal for data sets with a large number of variables</a:t>
             </a:r>
           </a:p>
           <a:p>
@@ -7206,52 +6512,7 @@
             </a:pPr>
             <a:r>
               <a:rPr lang="en-US" dirty="0"/>
-              <a:t>Doesn’t require a large test set to work well</a:t>
-            </a:r>
-          </a:p>
-          <a:p>
-            <a:pPr marL="342900" indent="-342900">
-              <a:buAutoNum type="arabicParenR"/>
-            </a:pPr>
-            <a:endParaRPr lang="en-US" dirty="0"/>
-          </a:p>
-          <a:p>
-            <a:pPr marL="342900" indent="-342900">
-              <a:buAutoNum type="arabicParenR"/>
-            </a:pPr>
-            <a:r>
-              <a:rPr lang="en-US" dirty="0"/>
-              <a:t>Can handle both discrete and continuous data</a:t>
-            </a:r>
-          </a:p>
-          <a:p>
-            <a:pPr marL="342900" indent="-342900">
-              <a:buAutoNum type="arabicParenR"/>
-            </a:pPr>
-            <a:endParaRPr lang="en-US" dirty="0"/>
-          </a:p>
-          <a:p>
-            <a:pPr marL="342900" indent="-342900">
-              <a:buAutoNum type="arabicParenR"/>
-            </a:pPr>
-            <a:r>
-              <a:rPr lang="en-US" dirty="0"/>
-              <a:t>Useful for text analysis and classification problems</a:t>
-            </a:r>
-          </a:p>
-          <a:p>
-            <a:pPr marL="342900" indent="-342900">
-              <a:buAutoNum type="arabicParenR"/>
-            </a:pPr>
-            <a:endParaRPr lang="en-US" dirty="0"/>
-          </a:p>
-          <a:p>
-            <a:pPr marL="342900" indent="-342900">
-              <a:buAutoNum type="arabicParenR"/>
-            </a:pPr>
-            <a:r>
-              <a:rPr lang="en-US" dirty="0"/>
-              <a:t>Can be used for multiple class prediction problems</a:t>
+              <a:t>Zero Frequency Problem</a:t>
             </a:r>
           </a:p>
         </p:txBody>
@@ -7259,7 +6520,7 @@
     </p:spTree>
     <p:extLst>
       <p:ext uri="{BB962C8B-B14F-4D97-AF65-F5344CB8AC3E}">
-        <p14:creationId xmlns:p14="http://schemas.microsoft.com/office/powerpoint/2010/main" val="2202894520"/>
+        <p14:creationId xmlns:p14="http://schemas.microsoft.com/office/powerpoint/2010/main" val="385318783"/>
       </p:ext>
     </p:extLst>
   </p:cSld>
@@ -7291,7 +6552,7 @@
           <p:cNvPr id="2" name="Title 1">
             <a:extLst>
               <a:ext uri="{FF2B5EF4-FFF2-40B4-BE49-F238E27FC236}">
-                <a16:creationId xmlns:a16="http://schemas.microsoft.com/office/drawing/2014/main" id="{8BC36D0E-7883-42A2-A009-392310EA20DB}"/>
+                <a16:creationId xmlns:a16="http://schemas.microsoft.com/office/drawing/2014/main" id="{5B793492-0453-4C0B-82A5-516804254295}"/>
               </a:ext>
             </a:extLst>
           </p:cNvPr>
@@ -7305,7 +6566,7 @@
         <p:spPr>
           <a:xfrm>
             <a:off x="1097280" y="286603"/>
-            <a:ext cx="10058400" cy="1559952"/>
+            <a:ext cx="10058400" cy="1227565"/>
           </a:xfrm>
         </p:spPr>
         <p:txBody>
@@ -7314,19 +6575,26 @@
           </a:bodyPr>
           <a:lstStyle/>
           <a:p>
-            <a:r>
-              <a:rPr lang="en-US" dirty="0"/>
-              <a:t>Disadvantages:</a:t>
+            <a:pPr algn="ctr"/>
+            <a:r>
+              <a:rPr lang="en-US" sz="3000" b="1" dirty="0">
+                <a:solidFill>
+                  <a:schemeClr val="tx1"/>
+                </a:solidFill>
+                <a:latin typeface="Calibri" panose="020F0502020204030204" pitchFamily="34" charset="0"/>
+                <a:cs typeface="Calibri" panose="020F0502020204030204" pitchFamily="34" charset="0"/>
+              </a:rPr>
+              <a:t>These are the most commonly adjusted hyperparameters with different Naive Bayes Algorithms</a:t>
             </a:r>
           </a:p>
         </p:txBody>
       </p:sp>
       <p:sp>
         <p:nvSpPr>
-          <p:cNvPr id="3" name="Content Placeholder 2">
+          <p:cNvPr id="9" name="Content Placeholder 8">
             <a:extLst>
               <a:ext uri="{FF2B5EF4-FFF2-40B4-BE49-F238E27FC236}">
-                <a16:creationId xmlns:a16="http://schemas.microsoft.com/office/drawing/2014/main" id="{2B026EC1-4B87-451D-97A4-423134E26901}"/>
+                <a16:creationId xmlns:a16="http://schemas.microsoft.com/office/drawing/2014/main" id="{8F784569-B28B-46FF-8FEA-F338AA42940A}"/>
               </a:ext>
             </a:extLst>
           </p:cNvPr>
@@ -7334,93 +6602,1119 @@
             <a:spLocks noGrp="1"/>
           </p:cNvSpPr>
           <p:nvPr>
-            <p:ph idx="1"/>
+            <p:ph sz="half" idx="2"/>
           </p:nvPr>
         </p:nvSpPr>
         <p:spPr>
           <a:xfrm>
-            <a:off x="1066800" y="1066579"/>
-            <a:ext cx="10058400" cy="4096851"/>
+            <a:off x="1097279" y="3812460"/>
+            <a:ext cx="4639735" cy="2490017"/>
           </a:xfrm>
         </p:spPr>
         <p:txBody>
-          <a:bodyPr/>
+          <a:bodyPr>
+            <a:normAutofit/>
+          </a:bodyPr>
           <a:lstStyle/>
           <a:p>
-            <a:pPr marL="0" indent="0">
+            <a:pPr marL="0" indent="0" algn="l">
               <a:buNone/>
             </a:pPr>
-            <a:endParaRPr lang="en-US" dirty="0"/>
-          </a:p>
-          <a:p>
-            <a:endParaRPr lang="en-US" dirty="0"/>
+            <a:r>
+              <a:rPr lang="en-US" sz="2000" b="1" i="0" dirty="0">
+                <a:solidFill>
+                  <a:srgbClr val="484848"/>
+                </a:solidFill>
+                <a:effectLst/>
+                <a:latin typeface="Calibri" panose="020F0502020204030204" pitchFamily="34" charset="0"/>
+                <a:cs typeface="Calibri" panose="020F0502020204030204" pitchFamily="34" charset="0"/>
+              </a:rPr>
+              <a:t>Multinomial </a:t>
+            </a:r>
+            <a:r>
+              <a:rPr lang="en-US" sz="2000" b="1" dirty="0">
+                <a:solidFill>
+                  <a:srgbClr val="484848"/>
+                </a:solidFill>
+                <a:latin typeface="Calibri" panose="020F0502020204030204" pitchFamily="34" charset="0"/>
+                <a:cs typeface="Calibri" panose="020F0502020204030204" pitchFamily="34" charset="0"/>
+              </a:rPr>
+              <a:t>and </a:t>
+            </a:r>
+            <a:r>
+              <a:rPr lang="en-US" sz="2000" b="1" i="0" dirty="0">
+                <a:solidFill>
+                  <a:srgbClr val="484848"/>
+                </a:solidFill>
+                <a:effectLst/>
+                <a:latin typeface="Calibri" panose="020F0502020204030204" pitchFamily="34" charset="0"/>
+                <a:cs typeface="Calibri" panose="020F0502020204030204" pitchFamily="34" charset="0"/>
+              </a:rPr>
+              <a:t>Categorical Naive Bayes</a:t>
+            </a:r>
+          </a:p>
+          <a:p>
+            <a:pPr algn="l"/>
+            <a:r>
+              <a:rPr lang="en-US" sz="2000" b="1" dirty="0">
+                <a:latin typeface="Calibri" panose="020F0502020204030204" pitchFamily="34" charset="0"/>
+                <a:cs typeface="Calibri" panose="020F0502020204030204" pitchFamily="34" charset="0"/>
+              </a:rPr>
+              <a:t>◼</a:t>
+            </a:r>
+            <a:r>
+              <a:rPr lang="en-US" sz="2000" b="1" dirty="0">
+                <a:solidFill>
+                  <a:srgbClr val="484848"/>
+                </a:solidFill>
+                <a:latin typeface="Calibri" panose="020F0502020204030204" pitchFamily="34" charset="0"/>
+                <a:cs typeface="Calibri" panose="020F0502020204030204" pitchFamily="34" charset="0"/>
+              </a:rPr>
+              <a:t> alpha </a:t>
+            </a:r>
+          </a:p>
+          <a:p>
+            <a:pPr algn="l"/>
+            <a:r>
+              <a:rPr lang="en-US" sz="2000" b="1" dirty="0">
+                <a:latin typeface="Calibri" panose="020F0502020204030204" pitchFamily="34" charset="0"/>
+                <a:cs typeface="Calibri" panose="020F0502020204030204" pitchFamily="34" charset="0"/>
+              </a:rPr>
+              <a:t>◼</a:t>
+            </a:r>
+            <a:r>
+              <a:rPr lang="en-US" sz="2000" b="1" dirty="0" err="1">
+                <a:solidFill>
+                  <a:srgbClr val="484848"/>
+                </a:solidFill>
+                <a:latin typeface="Calibri" panose="020F0502020204030204" pitchFamily="34" charset="0"/>
+                <a:cs typeface="Calibri" panose="020F0502020204030204" pitchFamily="34" charset="0"/>
+              </a:rPr>
+              <a:t>fit_prior</a:t>
+            </a:r>
+            <a:endParaRPr lang="en-US" sz="2000" b="1" dirty="0">
+              <a:solidFill>
+                <a:srgbClr val="484848"/>
+              </a:solidFill>
+              <a:latin typeface="Calibri" panose="020F0502020204030204" pitchFamily="34" charset="0"/>
+              <a:cs typeface="Calibri" panose="020F0502020204030204" pitchFamily="34" charset="0"/>
+            </a:endParaRPr>
+          </a:p>
+          <a:p>
+            <a:pPr marL="0" indent="0" algn="l">
+              <a:buNone/>
+            </a:pPr>
+            <a:endParaRPr lang="en-US" sz="2000" b="1" i="0" dirty="0">
+              <a:solidFill>
+                <a:srgbClr val="484848"/>
+              </a:solidFill>
+              <a:effectLst/>
+              <a:latin typeface="Calibri" panose="020F0502020204030204" pitchFamily="34" charset="0"/>
+              <a:cs typeface="Calibri" panose="020F0502020204030204" pitchFamily="34" charset="0"/>
+            </a:endParaRPr>
           </a:p>
         </p:txBody>
       </p:sp>
       <p:sp>
         <p:nvSpPr>
-          <p:cNvPr id="6" name="TextBox 5">
+          <p:cNvPr id="18" name="Content Placeholder 8">
             <a:extLst>
               <a:ext uri="{FF2B5EF4-FFF2-40B4-BE49-F238E27FC236}">
-                <a16:creationId xmlns:a16="http://schemas.microsoft.com/office/drawing/2014/main" id="{FFA0AA14-0319-4955-B57D-27874D760052}"/>
+                <a16:creationId xmlns:a16="http://schemas.microsoft.com/office/drawing/2014/main" id="{83C746A6-54D7-430E-BC1E-070FB253A991}"/>
               </a:ext>
             </a:extLst>
           </p:cNvPr>
-          <p:cNvSpPr txBox="1"/>
+          <p:cNvSpPr txBox="1">
+            <a:spLocks/>
+          </p:cNvSpPr>
           <p:nvPr/>
         </p:nvSpPr>
         <p:spPr>
           <a:xfrm>
-            <a:off x="1207363" y="2024109"/>
-            <a:ext cx="9948317" cy="1477328"/>
+            <a:off x="1097279" y="1897627"/>
+            <a:ext cx="4792135" cy="1531374"/>
           </a:xfrm>
           <a:prstGeom prst="rect">
             <a:avLst/>
           </a:prstGeom>
-          <a:noFill/>
         </p:spPr>
         <p:txBody>
-          <a:bodyPr wrap="square" rtlCol="0">
-            <a:spAutoFit/>
+          <a:bodyPr vert="horz" lIns="0" tIns="45720" rIns="0" bIns="45720" rtlCol="0">
+            <a:noAutofit/>
           </a:bodyPr>
-          <a:lstStyle/>
-          <a:p>
-            <a:pPr marL="342900" indent="-342900">
-              <a:buAutoNum type="arabicParenR"/>
+          <a:lstStyle>
+            <a:lvl1pPr marL="91440" indent="-91440" algn="l" defTabSz="914400" rtl="0" eaLnBrk="1" latinLnBrk="0" hangingPunct="1">
+              <a:lnSpc>
+                <a:spcPct val="110000"/>
+              </a:lnSpc>
+              <a:spcBef>
+                <a:spcPts val="1200"/>
+              </a:spcBef>
+              <a:spcAft>
+                <a:spcPts val="200"/>
+              </a:spcAft>
+              <a:buClr>
+                <a:schemeClr val="accent1"/>
+              </a:buClr>
+              <a:buSzPct val="100000"/>
+              <a:buFont typeface="Calibri" panose="020F0502020204030204" pitchFamily="34" charset="0"/>
+              <a:buChar char=" "/>
+              <a:defRPr sz="1900" kern="1200">
+                <a:solidFill>
+                  <a:schemeClr val="tx1">
+                    <a:lumMod val="75000"/>
+                    <a:lumOff val="25000"/>
+                  </a:schemeClr>
+                </a:solidFill>
+                <a:latin typeface="+mn-lt"/>
+                <a:ea typeface="+mn-ea"/>
+                <a:cs typeface="+mn-cs"/>
+              </a:defRPr>
+            </a:lvl1pPr>
+            <a:lvl2pPr marL="384048" indent="-182880" algn="l" defTabSz="914400" rtl="0" eaLnBrk="1" latinLnBrk="0" hangingPunct="1">
+              <a:lnSpc>
+                <a:spcPct val="100000"/>
+              </a:lnSpc>
+              <a:spcBef>
+                <a:spcPts val="200"/>
+              </a:spcBef>
+              <a:spcAft>
+                <a:spcPts val="400"/>
+              </a:spcAft>
+              <a:buClrTx/>
+              <a:buFont typeface="Calibri" pitchFamily="34" charset="0"/>
+              <a:buChar char="◦"/>
+              <a:defRPr sz="1700" kern="1200">
+                <a:solidFill>
+                  <a:schemeClr val="tx1">
+                    <a:lumMod val="75000"/>
+                    <a:lumOff val="25000"/>
+                  </a:schemeClr>
+                </a:solidFill>
+                <a:latin typeface="+mn-lt"/>
+                <a:ea typeface="+mn-ea"/>
+                <a:cs typeface="+mn-cs"/>
+              </a:defRPr>
+            </a:lvl2pPr>
+            <a:lvl3pPr marL="566928" indent="-182880" algn="l" defTabSz="914400" rtl="0" eaLnBrk="1" latinLnBrk="0" hangingPunct="1">
+              <a:lnSpc>
+                <a:spcPct val="100000"/>
+              </a:lnSpc>
+              <a:spcBef>
+                <a:spcPts val="200"/>
+              </a:spcBef>
+              <a:spcAft>
+                <a:spcPts val="400"/>
+              </a:spcAft>
+              <a:buClrTx/>
+              <a:buFont typeface="Calibri" pitchFamily="34" charset="0"/>
+              <a:buChar char="◦"/>
+              <a:defRPr sz="1300" kern="1200">
+                <a:solidFill>
+                  <a:schemeClr val="tx1">
+                    <a:lumMod val="75000"/>
+                    <a:lumOff val="25000"/>
+                  </a:schemeClr>
+                </a:solidFill>
+                <a:latin typeface="+mn-lt"/>
+                <a:ea typeface="+mn-ea"/>
+                <a:cs typeface="+mn-cs"/>
+              </a:defRPr>
+            </a:lvl3pPr>
+            <a:lvl4pPr marL="749808" indent="-182880" algn="l" defTabSz="914400" rtl="0" eaLnBrk="1" latinLnBrk="0" hangingPunct="1">
+              <a:lnSpc>
+                <a:spcPct val="100000"/>
+              </a:lnSpc>
+              <a:spcBef>
+                <a:spcPts val="200"/>
+              </a:spcBef>
+              <a:spcAft>
+                <a:spcPts val="400"/>
+              </a:spcAft>
+              <a:buClrTx/>
+              <a:buFont typeface="Calibri" pitchFamily="34" charset="0"/>
+              <a:buChar char="◦"/>
+              <a:defRPr sz="1300" kern="1200">
+                <a:solidFill>
+                  <a:schemeClr val="tx1">
+                    <a:lumMod val="75000"/>
+                    <a:lumOff val="25000"/>
+                  </a:schemeClr>
+                </a:solidFill>
+                <a:latin typeface="+mn-lt"/>
+                <a:ea typeface="+mn-ea"/>
+                <a:cs typeface="+mn-cs"/>
+              </a:defRPr>
+            </a:lvl4pPr>
+            <a:lvl5pPr marL="932688" indent="-182880" algn="l" defTabSz="914400" rtl="0" eaLnBrk="1" latinLnBrk="0" hangingPunct="1">
+              <a:lnSpc>
+                <a:spcPct val="100000"/>
+              </a:lnSpc>
+              <a:spcBef>
+                <a:spcPts val="200"/>
+              </a:spcBef>
+              <a:spcAft>
+                <a:spcPts val="400"/>
+              </a:spcAft>
+              <a:buClrTx/>
+              <a:buFont typeface="Calibri" pitchFamily="34" charset="0"/>
+              <a:buChar char="◦"/>
+              <a:defRPr sz="1300" kern="1200">
+                <a:solidFill>
+                  <a:schemeClr val="tx1">
+                    <a:lumMod val="75000"/>
+                    <a:lumOff val="25000"/>
+                  </a:schemeClr>
+                </a:solidFill>
+                <a:latin typeface="+mn-lt"/>
+                <a:ea typeface="+mn-ea"/>
+                <a:cs typeface="+mn-cs"/>
+              </a:defRPr>
+            </a:lvl5pPr>
+            <a:lvl6pPr marL="1100000" indent="-228600" algn="l" defTabSz="914400" rtl="0" eaLnBrk="1" latinLnBrk="0" hangingPunct="1">
+              <a:lnSpc>
+                <a:spcPct val="90000"/>
+              </a:lnSpc>
+              <a:spcBef>
+                <a:spcPts val="200"/>
+              </a:spcBef>
+              <a:spcAft>
+                <a:spcPts val="400"/>
+              </a:spcAft>
+              <a:buClr>
+                <a:schemeClr val="accent1"/>
+              </a:buClr>
+              <a:buFont typeface="Calibri" pitchFamily="34" charset="0"/>
+              <a:buChar char="◦"/>
+              <a:defRPr sz="1400" kern="1200">
+                <a:solidFill>
+                  <a:schemeClr val="tx1">
+                    <a:lumMod val="75000"/>
+                    <a:lumOff val="25000"/>
+                  </a:schemeClr>
+                </a:solidFill>
+                <a:latin typeface="+mn-lt"/>
+                <a:ea typeface="+mn-ea"/>
+                <a:cs typeface="+mn-cs"/>
+              </a:defRPr>
+            </a:lvl6pPr>
+            <a:lvl7pPr marL="1300000" indent="-228600" algn="l" defTabSz="914400" rtl="0" eaLnBrk="1" latinLnBrk="0" hangingPunct="1">
+              <a:lnSpc>
+                <a:spcPct val="90000"/>
+              </a:lnSpc>
+              <a:spcBef>
+                <a:spcPts val="200"/>
+              </a:spcBef>
+              <a:spcAft>
+                <a:spcPts val="400"/>
+              </a:spcAft>
+              <a:buClr>
+                <a:schemeClr val="accent1"/>
+              </a:buClr>
+              <a:buFont typeface="Calibri" pitchFamily="34" charset="0"/>
+              <a:buChar char="◦"/>
+              <a:defRPr sz="1400" kern="1200">
+                <a:solidFill>
+                  <a:schemeClr val="tx1">
+                    <a:lumMod val="75000"/>
+                    <a:lumOff val="25000"/>
+                  </a:schemeClr>
+                </a:solidFill>
+                <a:latin typeface="+mn-lt"/>
+                <a:ea typeface="+mn-ea"/>
+                <a:cs typeface="+mn-cs"/>
+              </a:defRPr>
+            </a:lvl7pPr>
+            <a:lvl8pPr marL="1500000" indent="-228600" algn="l" defTabSz="914400" rtl="0" eaLnBrk="1" latinLnBrk="0" hangingPunct="1">
+              <a:lnSpc>
+                <a:spcPct val="90000"/>
+              </a:lnSpc>
+              <a:spcBef>
+                <a:spcPts val="200"/>
+              </a:spcBef>
+              <a:spcAft>
+                <a:spcPts val="400"/>
+              </a:spcAft>
+              <a:buClr>
+                <a:schemeClr val="accent1"/>
+              </a:buClr>
+              <a:buFont typeface="Calibri" pitchFamily="34" charset="0"/>
+              <a:buChar char="◦"/>
+              <a:defRPr sz="1400" kern="1200">
+                <a:solidFill>
+                  <a:schemeClr val="tx1">
+                    <a:lumMod val="75000"/>
+                    <a:lumOff val="25000"/>
+                  </a:schemeClr>
+                </a:solidFill>
+                <a:latin typeface="+mn-lt"/>
+                <a:ea typeface="+mn-ea"/>
+                <a:cs typeface="+mn-cs"/>
+              </a:defRPr>
+            </a:lvl8pPr>
+            <a:lvl9pPr marL="1700000" indent="-228600" algn="l" defTabSz="914400" rtl="0" eaLnBrk="1" latinLnBrk="0" hangingPunct="1">
+              <a:lnSpc>
+                <a:spcPct val="90000"/>
+              </a:lnSpc>
+              <a:spcBef>
+                <a:spcPts val="200"/>
+              </a:spcBef>
+              <a:spcAft>
+                <a:spcPts val="400"/>
+              </a:spcAft>
+              <a:buClr>
+                <a:schemeClr val="accent1"/>
+              </a:buClr>
+              <a:buFont typeface="Calibri" pitchFamily="34" charset="0"/>
+              <a:buChar char="◦"/>
+              <a:defRPr sz="1400" kern="1200">
+                <a:solidFill>
+                  <a:schemeClr val="tx1">
+                    <a:lumMod val="75000"/>
+                    <a:lumOff val="25000"/>
+                  </a:schemeClr>
+                </a:solidFill>
+                <a:latin typeface="+mn-lt"/>
+                <a:ea typeface="+mn-ea"/>
+                <a:cs typeface="+mn-cs"/>
+              </a:defRPr>
+            </a:lvl9pPr>
+          </a:lstStyle>
+          <a:p>
+            <a:pPr marL="0" indent="0">
+              <a:buFont typeface="Calibri" panose="020F0502020204030204" pitchFamily="34" charset="0"/>
+              <a:buNone/>
             </a:pPr>
             <a:r>
-              <a:rPr lang="en-US" dirty="0"/>
-              <a:t>Relies upon the assumption that variables are independent</a:t>
-            </a:r>
-          </a:p>
-          <a:p>
-            <a:pPr marL="342900" indent="-342900">
-              <a:buAutoNum type="arabicParenR"/>
+              <a:rPr lang="en-US" sz="2000" b="1" dirty="0">
+                <a:solidFill>
+                  <a:srgbClr val="484848"/>
+                </a:solidFill>
+                <a:latin typeface="Calibri" panose="020F0502020204030204" pitchFamily="34" charset="0"/>
+                <a:cs typeface="Calibri" panose="020F0502020204030204" pitchFamily="34" charset="0"/>
+              </a:rPr>
+              <a:t>Gaussian Naive Bayes</a:t>
+            </a:r>
+          </a:p>
+          <a:p>
+            <a:r>
+              <a:rPr lang="en-US" sz="2000" b="1" dirty="0">
+                <a:latin typeface="Calibri" panose="020F0502020204030204" pitchFamily="34" charset="0"/>
+                <a:cs typeface="Calibri" panose="020F0502020204030204" pitchFamily="34" charset="0"/>
+              </a:rPr>
+              <a:t>◼</a:t>
+            </a:r>
+            <a:r>
+              <a:rPr lang="en-US" sz="2000" b="1" dirty="0" err="1">
+                <a:solidFill>
+                  <a:srgbClr val="484848"/>
+                </a:solidFill>
+                <a:latin typeface="Calibri" panose="020F0502020204030204" pitchFamily="34" charset="0"/>
+                <a:cs typeface="Calibri" panose="020F0502020204030204" pitchFamily="34" charset="0"/>
+              </a:rPr>
+              <a:t>var_smoothing</a:t>
+            </a:r>
+            <a:endParaRPr lang="en-US" sz="2000" b="1" dirty="0">
+              <a:solidFill>
+                <a:srgbClr val="484848"/>
+              </a:solidFill>
+              <a:latin typeface="Calibri" panose="020F0502020204030204" pitchFamily="34" charset="0"/>
+              <a:cs typeface="Calibri" panose="020F0502020204030204" pitchFamily="34" charset="0"/>
+            </a:endParaRPr>
+          </a:p>
+        </p:txBody>
+      </p:sp>
+      <p:sp>
+        <p:nvSpPr>
+          <p:cNvPr id="21" name="Content Placeholder 8">
+            <a:extLst>
+              <a:ext uri="{FF2B5EF4-FFF2-40B4-BE49-F238E27FC236}">
+                <a16:creationId xmlns:a16="http://schemas.microsoft.com/office/drawing/2014/main" id="{7D00D70B-4C0B-4871-ADD9-66CAA610A1EA}"/>
+              </a:ext>
+            </a:extLst>
+          </p:cNvPr>
+          <p:cNvSpPr txBox="1">
+            <a:spLocks/>
+          </p:cNvSpPr>
+          <p:nvPr/>
+        </p:nvSpPr>
+        <p:spPr>
+          <a:xfrm>
+            <a:off x="6272981" y="1897628"/>
+            <a:ext cx="4882699" cy="1730475"/>
+          </a:xfrm>
+          <a:prstGeom prst="rect">
+            <a:avLst/>
+          </a:prstGeom>
+        </p:spPr>
+        <p:txBody>
+          <a:bodyPr vert="horz" lIns="0" tIns="45720" rIns="0" bIns="45720" rtlCol="0">
+            <a:noAutofit/>
+          </a:bodyPr>
+          <a:lstStyle>
+            <a:lvl1pPr marL="91440" indent="-91440" algn="l" defTabSz="914400" rtl="0" eaLnBrk="1" latinLnBrk="0" hangingPunct="1">
+              <a:lnSpc>
+                <a:spcPct val="110000"/>
+              </a:lnSpc>
+              <a:spcBef>
+                <a:spcPts val="1200"/>
+              </a:spcBef>
+              <a:spcAft>
+                <a:spcPts val="200"/>
+              </a:spcAft>
+              <a:buClr>
+                <a:schemeClr val="accent1"/>
+              </a:buClr>
+              <a:buSzPct val="100000"/>
+              <a:buFont typeface="Calibri" panose="020F0502020204030204" pitchFamily="34" charset="0"/>
+              <a:buChar char=" "/>
+              <a:defRPr sz="1900" kern="1200">
+                <a:solidFill>
+                  <a:schemeClr val="tx1">
+                    <a:lumMod val="75000"/>
+                    <a:lumOff val="25000"/>
+                  </a:schemeClr>
+                </a:solidFill>
+                <a:latin typeface="+mn-lt"/>
+                <a:ea typeface="+mn-ea"/>
+                <a:cs typeface="+mn-cs"/>
+              </a:defRPr>
+            </a:lvl1pPr>
+            <a:lvl2pPr marL="384048" indent="-182880" algn="l" defTabSz="914400" rtl="0" eaLnBrk="1" latinLnBrk="0" hangingPunct="1">
+              <a:lnSpc>
+                <a:spcPct val="100000"/>
+              </a:lnSpc>
+              <a:spcBef>
+                <a:spcPts val="200"/>
+              </a:spcBef>
+              <a:spcAft>
+                <a:spcPts val="400"/>
+              </a:spcAft>
+              <a:buClrTx/>
+              <a:buFont typeface="Calibri" pitchFamily="34" charset="0"/>
+              <a:buChar char="◦"/>
+              <a:defRPr sz="1700" kern="1200">
+                <a:solidFill>
+                  <a:schemeClr val="tx1">
+                    <a:lumMod val="75000"/>
+                    <a:lumOff val="25000"/>
+                  </a:schemeClr>
+                </a:solidFill>
+                <a:latin typeface="+mn-lt"/>
+                <a:ea typeface="+mn-ea"/>
+                <a:cs typeface="+mn-cs"/>
+              </a:defRPr>
+            </a:lvl2pPr>
+            <a:lvl3pPr marL="566928" indent="-182880" algn="l" defTabSz="914400" rtl="0" eaLnBrk="1" latinLnBrk="0" hangingPunct="1">
+              <a:lnSpc>
+                <a:spcPct val="100000"/>
+              </a:lnSpc>
+              <a:spcBef>
+                <a:spcPts val="200"/>
+              </a:spcBef>
+              <a:spcAft>
+                <a:spcPts val="400"/>
+              </a:spcAft>
+              <a:buClrTx/>
+              <a:buFont typeface="Calibri" pitchFamily="34" charset="0"/>
+              <a:buChar char="◦"/>
+              <a:defRPr sz="1300" kern="1200">
+                <a:solidFill>
+                  <a:schemeClr val="tx1">
+                    <a:lumMod val="75000"/>
+                    <a:lumOff val="25000"/>
+                  </a:schemeClr>
+                </a:solidFill>
+                <a:latin typeface="+mn-lt"/>
+                <a:ea typeface="+mn-ea"/>
+                <a:cs typeface="+mn-cs"/>
+              </a:defRPr>
+            </a:lvl3pPr>
+            <a:lvl4pPr marL="749808" indent="-182880" algn="l" defTabSz="914400" rtl="0" eaLnBrk="1" latinLnBrk="0" hangingPunct="1">
+              <a:lnSpc>
+                <a:spcPct val="100000"/>
+              </a:lnSpc>
+              <a:spcBef>
+                <a:spcPts val="200"/>
+              </a:spcBef>
+              <a:spcAft>
+                <a:spcPts val="400"/>
+              </a:spcAft>
+              <a:buClrTx/>
+              <a:buFont typeface="Calibri" pitchFamily="34" charset="0"/>
+              <a:buChar char="◦"/>
+              <a:defRPr sz="1300" kern="1200">
+                <a:solidFill>
+                  <a:schemeClr val="tx1">
+                    <a:lumMod val="75000"/>
+                    <a:lumOff val="25000"/>
+                  </a:schemeClr>
+                </a:solidFill>
+                <a:latin typeface="+mn-lt"/>
+                <a:ea typeface="+mn-ea"/>
+                <a:cs typeface="+mn-cs"/>
+              </a:defRPr>
+            </a:lvl4pPr>
+            <a:lvl5pPr marL="932688" indent="-182880" algn="l" defTabSz="914400" rtl="0" eaLnBrk="1" latinLnBrk="0" hangingPunct="1">
+              <a:lnSpc>
+                <a:spcPct val="100000"/>
+              </a:lnSpc>
+              <a:spcBef>
+                <a:spcPts val="200"/>
+              </a:spcBef>
+              <a:spcAft>
+                <a:spcPts val="400"/>
+              </a:spcAft>
+              <a:buClrTx/>
+              <a:buFont typeface="Calibri" pitchFamily="34" charset="0"/>
+              <a:buChar char="◦"/>
+              <a:defRPr sz="1300" kern="1200">
+                <a:solidFill>
+                  <a:schemeClr val="tx1">
+                    <a:lumMod val="75000"/>
+                    <a:lumOff val="25000"/>
+                  </a:schemeClr>
+                </a:solidFill>
+                <a:latin typeface="+mn-lt"/>
+                <a:ea typeface="+mn-ea"/>
+                <a:cs typeface="+mn-cs"/>
+              </a:defRPr>
+            </a:lvl5pPr>
+            <a:lvl6pPr marL="1100000" indent="-228600" algn="l" defTabSz="914400" rtl="0" eaLnBrk="1" latinLnBrk="0" hangingPunct="1">
+              <a:lnSpc>
+                <a:spcPct val="90000"/>
+              </a:lnSpc>
+              <a:spcBef>
+                <a:spcPts val="200"/>
+              </a:spcBef>
+              <a:spcAft>
+                <a:spcPts val="400"/>
+              </a:spcAft>
+              <a:buClr>
+                <a:schemeClr val="accent1"/>
+              </a:buClr>
+              <a:buFont typeface="Calibri" pitchFamily="34" charset="0"/>
+              <a:buChar char="◦"/>
+              <a:defRPr sz="1400" kern="1200">
+                <a:solidFill>
+                  <a:schemeClr val="tx1">
+                    <a:lumMod val="75000"/>
+                    <a:lumOff val="25000"/>
+                  </a:schemeClr>
+                </a:solidFill>
+                <a:latin typeface="+mn-lt"/>
+                <a:ea typeface="+mn-ea"/>
+                <a:cs typeface="+mn-cs"/>
+              </a:defRPr>
+            </a:lvl6pPr>
+            <a:lvl7pPr marL="1300000" indent="-228600" algn="l" defTabSz="914400" rtl="0" eaLnBrk="1" latinLnBrk="0" hangingPunct="1">
+              <a:lnSpc>
+                <a:spcPct val="90000"/>
+              </a:lnSpc>
+              <a:spcBef>
+                <a:spcPts val="200"/>
+              </a:spcBef>
+              <a:spcAft>
+                <a:spcPts val="400"/>
+              </a:spcAft>
+              <a:buClr>
+                <a:schemeClr val="accent1"/>
+              </a:buClr>
+              <a:buFont typeface="Calibri" pitchFamily="34" charset="0"/>
+              <a:buChar char="◦"/>
+              <a:defRPr sz="1400" kern="1200">
+                <a:solidFill>
+                  <a:schemeClr val="tx1">
+                    <a:lumMod val="75000"/>
+                    <a:lumOff val="25000"/>
+                  </a:schemeClr>
+                </a:solidFill>
+                <a:latin typeface="+mn-lt"/>
+                <a:ea typeface="+mn-ea"/>
+                <a:cs typeface="+mn-cs"/>
+              </a:defRPr>
+            </a:lvl7pPr>
+            <a:lvl8pPr marL="1500000" indent="-228600" algn="l" defTabSz="914400" rtl="0" eaLnBrk="1" latinLnBrk="0" hangingPunct="1">
+              <a:lnSpc>
+                <a:spcPct val="90000"/>
+              </a:lnSpc>
+              <a:spcBef>
+                <a:spcPts val="200"/>
+              </a:spcBef>
+              <a:spcAft>
+                <a:spcPts val="400"/>
+              </a:spcAft>
+              <a:buClr>
+                <a:schemeClr val="accent1"/>
+              </a:buClr>
+              <a:buFont typeface="Calibri" pitchFamily="34" charset="0"/>
+              <a:buChar char="◦"/>
+              <a:defRPr sz="1400" kern="1200">
+                <a:solidFill>
+                  <a:schemeClr val="tx1">
+                    <a:lumMod val="75000"/>
+                    <a:lumOff val="25000"/>
+                  </a:schemeClr>
+                </a:solidFill>
+                <a:latin typeface="+mn-lt"/>
+                <a:ea typeface="+mn-ea"/>
+                <a:cs typeface="+mn-cs"/>
+              </a:defRPr>
+            </a:lvl8pPr>
+            <a:lvl9pPr marL="1700000" indent="-228600" algn="l" defTabSz="914400" rtl="0" eaLnBrk="1" latinLnBrk="0" hangingPunct="1">
+              <a:lnSpc>
+                <a:spcPct val="90000"/>
+              </a:lnSpc>
+              <a:spcBef>
+                <a:spcPts val="200"/>
+              </a:spcBef>
+              <a:spcAft>
+                <a:spcPts val="400"/>
+              </a:spcAft>
+              <a:buClr>
+                <a:schemeClr val="accent1"/>
+              </a:buClr>
+              <a:buFont typeface="Calibri" pitchFamily="34" charset="0"/>
+              <a:buChar char="◦"/>
+              <a:defRPr sz="1400" kern="1200">
+                <a:solidFill>
+                  <a:schemeClr val="tx1">
+                    <a:lumMod val="75000"/>
+                    <a:lumOff val="25000"/>
+                  </a:schemeClr>
+                </a:solidFill>
+                <a:latin typeface="+mn-lt"/>
+                <a:ea typeface="+mn-ea"/>
+                <a:cs typeface="+mn-cs"/>
+              </a:defRPr>
+            </a:lvl9pPr>
+          </a:lstStyle>
+          <a:p>
+            <a:pPr marL="0" indent="0">
+              <a:buFont typeface="Calibri" panose="020F0502020204030204" pitchFamily="34" charset="0"/>
+              <a:buNone/>
             </a:pPr>
-            <a:endParaRPr lang="en-US" dirty="0"/>
-          </a:p>
-          <a:p>
-            <a:pPr marL="342900" indent="-342900">
-              <a:buAutoNum type="arabicParenR"/>
+            <a:r>
+              <a:rPr lang="en-US" sz="2000" b="1" dirty="0">
+                <a:solidFill>
+                  <a:srgbClr val="484848"/>
+                </a:solidFill>
+                <a:latin typeface="Calibri" panose="020F0502020204030204" pitchFamily="34" charset="0"/>
+                <a:cs typeface="Calibri" panose="020F0502020204030204" pitchFamily="34" charset="0"/>
+              </a:rPr>
+              <a:t>Bernoulli Naive Bayes</a:t>
+            </a:r>
+          </a:p>
+          <a:p>
+            <a:pPr marL="201168" lvl="1" indent="0">
+              <a:buNone/>
             </a:pPr>
             <a:r>
-              <a:rPr lang="en-US" dirty="0"/>
-              <a:t>Not ideal for data sets with a large number of variables</a:t>
-            </a:r>
-          </a:p>
-          <a:p>
-            <a:pPr marL="342900" indent="-342900">
-              <a:buAutoNum type="arabicParenR"/>
+              <a:rPr lang="en-US" sz="2000" b="1" dirty="0">
+                <a:latin typeface="Calibri" panose="020F0502020204030204" pitchFamily="34" charset="0"/>
+                <a:cs typeface="Calibri" panose="020F0502020204030204" pitchFamily="34" charset="0"/>
+              </a:rPr>
+              <a:t>◼</a:t>
+            </a:r>
+            <a:r>
+              <a:rPr lang="en-US" sz="2000" b="1" dirty="0">
+                <a:solidFill>
+                  <a:srgbClr val="484848"/>
+                </a:solidFill>
+                <a:latin typeface="Calibri" panose="020F0502020204030204" pitchFamily="34" charset="0"/>
+                <a:cs typeface="Calibri" panose="020F0502020204030204" pitchFamily="34" charset="0"/>
+              </a:rPr>
+              <a:t> alpha </a:t>
+            </a:r>
+          </a:p>
+          <a:p>
+            <a:pPr marL="201168" lvl="1" indent="0">
+              <a:buNone/>
             </a:pPr>
-            <a:endParaRPr lang="en-US" dirty="0"/>
-          </a:p>
-          <a:p>
-            <a:pPr marL="342900" indent="-342900">
-              <a:buAutoNum type="arabicParenR"/>
+            <a:r>
+              <a:rPr lang="en-US" sz="2000" b="1" dirty="0">
+                <a:latin typeface="Calibri" panose="020F0502020204030204" pitchFamily="34" charset="0"/>
+                <a:cs typeface="Calibri" panose="020F0502020204030204" pitchFamily="34" charset="0"/>
+              </a:rPr>
+              <a:t>◼</a:t>
+            </a:r>
+            <a:r>
+              <a:rPr lang="en-US" sz="2000" b="1" dirty="0" err="1">
+                <a:solidFill>
+                  <a:srgbClr val="484848"/>
+                </a:solidFill>
+                <a:latin typeface="Calibri" panose="020F0502020204030204" pitchFamily="34" charset="0"/>
+                <a:cs typeface="Calibri" panose="020F0502020204030204" pitchFamily="34" charset="0"/>
+              </a:rPr>
+              <a:t>fit_prior</a:t>
+            </a:r>
+            <a:endParaRPr lang="en-US" sz="2000" b="1" dirty="0">
+              <a:latin typeface="Calibri" panose="020F0502020204030204" pitchFamily="34" charset="0"/>
+              <a:cs typeface="Calibri" panose="020F0502020204030204" pitchFamily="34" charset="0"/>
+            </a:endParaRPr>
+          </a:p>
+          <a:p>
+            <a:pPr marL="201168" lvl="1" indent="0">
+              <a:buNone/>
             </a:pPr>
             <a:r>
-              <a:rPr lang="en-US" dirty="0"/>
-              <a:t>Zero Frequency Problem</a:t>
+              <a:rPr lang="en-US" sz="2000" b="1" dirty="0">
+                <a:latin typeface="Calibri" panose="020F0502020204030204" pitchFamily="34" charset="0"/>
+                <a:cs typeface="Calibri" panose="020F0502020204030204" pitchFamily="34" charset="0"/>
+              </a:rPr>
+              <a:t>◼binarize</a:t>
+            </a:r>
+          </a:p>
+          <a:p>
+            <a:endParaRPr lang="en-US" sz="2000" b="1" dirty="0">
+              <a:solidFill>
+                <a:srgbClr val="484848"/>
+              </a:solidFill>
+              <a:latin typeface="Calibri" panose="020F0502020204030204" pitchFamily="34" charset="0"/>
+              <a:cs typeface="Calibri" panose="020F0502020204030204" pitchFamily="34" charset="0"/>
+            </a:endParaRPr>
+          </a:p>
+        </p:txBody>
+      </p:sp>
+      <p:sp>
+        <p:nvSpPr>
+          <p:cNvPr id="22" name="Content Placeholder 8">
+            <a:extLst>
+              <a:ext uri="{FF2B5EF4-FFF2-40B4-BE49-F238E27FC236}">
+                <a16:creationId xmlns:a16="http://schemas.microsoft.com/office/drawing/2014/main" id="{F1B8DF6D-A64A-435F-A9EC-79654F9112E7}"/>
+              </a:ext>
+            </a:extLst>
+          </p:cNvPr>
+          <p:cNvSpPr txBox="1">
+            <a:spLocks/>
+          </p:cNvSpPr>
+          <p:nvPr/>
+        </p:nvSpPr>
+        <p:spPr>
+          <a:xfrm>
+            <a:off x="6425381" y="3812460"/>
+            <a:ext cx="4882699" cy="2490017"/>
+          </a:xfrm>
+          <a:prstGeom prst="rect">
+            <a:avLst/>
+          </a:prstGeom>
+        </p:spPr>
+        <p:txBody>
+          <a:bodyPr vert="horz" lIns="0" tIns="45720" rIns="0" bIns="45720" rtlCol="0">
+            <a:normAutofit/>
+          </a:bodyPr>
+          <a:lstStyle>
+            <a:lvl1pPr marL="91440" indent="-91440" algn="l" defTabSz="914400" rtl="0" eaLnBrk="1" latinLnBrk="0" hangingPunct="1">
+              <a:lnSpc>
+                <a:spcPct val="110000"/>
+              </a:lnSpc>
+              <a:spcBef>
+                <a:spcPts val="1200"/>
+              </a:spcBef>
+              <a:spcAft>
+                <a:spcPts val="200"/>
+              </a:spcAft>
+              <a:buClr>
+                <a:schemeClr val="accent1"/>
+              </a:buClr>
+              <a:buSzPct val="100000"/>
+              <a:buFont typeface="Calibri" panose="020F0502020204030204" pitchFamily="34" charset="0"/>
+              <a:buChar char=" "/>
+              <a:defRPr sz="1900" kern="1200">
+                <a:solidFill>
+                  <a:schemeClr val="tx1">
+                    <a:lumMod val="75000"/>
+                    <a:lumOff val="25000"/>
+                  </a:schemeClr>
+                </a:solidFill>
+                <a:latin typeface="+mn-lt"/>
+                <a:ea typeface="+mn-ea"/>
+                <a:cs typeface="+mn-cs"/>
+              </a:defRPr>
+            </a:lvl1pPr>
+            <a:lvl2pPr marL="384048" indent="-182880" algn="l" defTabSz="914400" rtl="0" eaLnBrk="1" latinLnBrk="0" hangingPunct="1">
+              <a:lnSpc>
+                <a:spcPct val="100000"/>
+              </a:lnSpc>
+              <a:spcBef>
+                <a:spcPts val="200"/>
+              </a:spcBef>
+              <a:spcAft>
+                <a:spcPts val="400"/>
+              </a:spcAft>
+              <a:buClrTx/>
+              <a:buFont typeface="Calibri" pitchFamily="34" charset="0"/>
+              <a:buChar char="◦"/>
+              <a:defRPr sz="1700" kern="1200">
+                <a:solidFill>
+                  <a:schemeClr val="tx1">
+                    <a:lumMod val="75000"/>
+                    <a:lumOff val="25000"/>
+                  </a:schemeClr>
+                </a:solidFill>
+                <a:latin typeface="+mn-lt"/>
+                <a:ea typeface="+mn-ea"/>
+                <a:cs typeface="+mn-cs"/>
+              </a:defRPr>
+            </a:lvl2pPr>
+            <a:lvl3pPr marL="566928" indent="-182880" algn="l" defTabSz="914400" rtl="0" eaLnBrk="1" latinLnBrk="0" hangingPunct="1">
+              <a:lnSpc>
+                <a:spcPct val="100000"/>
+              </a:lnSpc>
+              <a:spcBef>
+                <a:spcPts val="200"/>
+              </a:spcBef>
+              <a:spcAft>
+                <a:spcPts val="400"/>
+              </a:spcAft>
+              <a:buClrTx/>
+              <a:buFont typeface="Calibri" pitchFamily="34" charset="0"/>
+              <a:buChar char="◦"/>
+              <a:defRPr sz="1300" kern="1200">
+                <a:solidFill>
+                  <a:schemeClr val="tx1">
+                    <a:lumMod val="75000"/>
+                    <a:lumOff val="25000"/>
+                  </a:schemeClr>
+                </a:solidFill>
+                <a:latin typeface="+mn-lt"/>
+                <a:ea typeface="+mn-ea"/>
+                <a:cs typeface="+mn-cs"/>
+              </a:defRPr>
+            </a:lvl3pPr>
+            <a:lvl4pPr marL="749808" indent="-182880" algn="l" defTabSz="914400" rtl="0" eaLnBrk="1" latinLnBrk="0" hangingPunct="1">
+              <a:lnSpc>
+                <a:spcPct val="100000"/>
+              </a:lnSpc>
+              <a:spcBef>
+                <a:spcPts val="200"/>
+              </a:spcBef>
+              <a:spcAft>
+                <a:spcPts val="400"/>
+              </a:spcAft>
+              <a:buClrTx/>
+              <a:buFont typeface="Calibri" pitchFamily="34" charset="0"/>
+              <a:buChar char="◦"/>
+              <a:defRPr sz="1300" kern="1200">
+                <a:solidFill>
+                  <a:schemeClr val="tx1">
+                    <a:lumMod val="75000"/>
+                    <a:lumOff val="25000"/>
+                  </a:schemeClr>
+                </a:solidFill>
+                <a:latin typeface="+mn-lt"/>
+                <a:ea typeface="+mn-ea"/>
+                <a:cs typeface="+mn-cs"/>
+              </a:defRPr>
+            </a:lvl4pPr>
+            <a:lvl5pPr marL="932688" indent="-182880" algn="l" defTabSz="914400" rtl="0" eaLnBrk="1" latinLnBrk="0" hangingPunct="1">
+              <a:lnSpc>
+                <a:spcPct val="100000"/>
+              </a:lnSpc>
+              <a:spcBef>
+                <a:spcPts val="200"/>
+              </a:spcBef>
+              <a:spcAft>
+                <a:spcPts val="400"/>
+              </a:spcAft>
+              <a:buClrTx/>
+              <a:buFont typeface="Calibri" pitchFamily="34" charset="0"/>
+              <a:buChar char="◦"/>
+              <a:defRPr sz="1300" kern="1200">
+                <a:solidFill>
+                  <a:schemeClr val="tx1">
+                    <a:lumMod val="75000"/>
+                    <a:lumOff val="25000"/>
+                  </a:schemeClr>
+                </a:solidFill>
+                <a:latin typeface="+mn-lt"/>
+                <a:ea typeface="+mn-ea"/>
+                <a:cs typeface="+mn-cs"/>
+              </a:defRPr>
+            </a:lvl5pPr>
+            <a:lvl6pPr marL="1100000" indent="-228600" algn="l" defTabSz="914400" rtl="0" eaLnBrk="1" latinLnBrk="0" hangingPunct="1">
+              <a:lnSpc>
+                <a:spcPct val="90000"/>
+              </a:lnSpc>
+              <a:spcBef>
+                <a:spcPts val="200"/>
+              </a:spcBef>
+              <a:spcAft>
+                <a:spcPts val="400"/>
+              </a:spcAft>
+              <a:buClr>
+                <a:schemeClr val="accent1"/>
+              </a:buClr>
+              <a:buFont typeface="Calibri" pitchFamily="34" charset="0"/>
+              <a:buChar char="◦"/>
+              <a:defRPr sz="1400" kern="1200">
+                <a:solidFill>
+                  <a:schemeClr val="tx1">
+                    <a:lumMod val="75000"/>
+                    <a:lumOff val="25000"/>
+                  </a:schemeClr>
+                </a:solidFill>
+                <a:latin typeface="+mn-lt"/>
+                <a:ea typeface="+mn-ea"/>
+                <a:cs typeface="+mn-cs"/>
+              </a:defRPr>
+            </a:lvl6pPr>
+            <a:lvl7pPr marL="1300000" indent="-228600" algn="l" defTabSz="914400" rtl="0" eaLnBrk="1" latinLnBrk="0" hangingPunct="1">
+              <a:lnSpc>
+                <a:spcPct val="90000"/>
+              </a:lnSpc>
+              <a:spcBef>
+                <a:spcPts val="200"/>
+              </a:spcBef>
+              <a:spcAft>
+                <a:spcPts val="400"/>
+              </a:spcAft>
+              <a:buClr>
+                <a:schemeClr val="accent1"/>
+              </a:buClr>
+              <a:buFont typeface="Calibri" pitchFamily="34" charset="0"/>
+              <a:buChar char="◦"/>
+              <a:defRPr sz="1400" kern="1200">
+                <a:solidFill>
+                  <a:schemeClr val="tx1">
+                    <a:lumMod val="75000"/>
+                    <a:lumOff val="25000"/>
+                  </a:schemeClr>
+                </a:solidFill>
+                <a:latin typeface="+mn-lt"/>
+                <a:ea typeface="+mn-ea"/>
+                <a:cs typeface="+mn-cs"/>
+              </a:defRPr>
+            </a:lvl7pPr>
+            <a:lvl8pPr marL="1500000" indent="-228600" algn="l" defTabSz="914400" rtl="0" eaLnBrk="1" latinLnBrk="0" hangingPunct="1">
+              <a:lnSpc>
+                <a:spcPct val="90000"/>
+              </a:lnSpc>
+              <a:spcBef>
+                <a:spcPts val="200"/>
+              </a:spcBef>
+              <a:spcAft>
+                <a:spcPts val="400"/>
+              </a:spcAft>
+              <a:buClr>
+                <a:schemeClr val="accent1"/>
+              </a:buClr>
+              <a:buFont typeface="Calibri" pitchFamily="34" charset="0"/>
+              <a:buChar char="◦"/>
+              <a:defRPr sz="1400" kern="1200">
+                <a:solidFill>
+                  <a:schemeClr val="tx1">
+                    <a:lumMod val="75000"/>
+                    <a:lumOff val="25000"/>
+                  </a:schemeClr>
+                </a:solidFill>
+                <a:latin typeface="+mn-lt"/>
+                <a:ea typeface="+mn-ea"/>
+                <a:cs typeface="+mn-cs"/>
+              </a:defRPr>
+            </a:lvl8pPr>
+            <a:lvl9pPr marL="1700000" indent="-228600" algn="l" defTabSz="914400" rtl="0" eaLnBrk="1" latinLnBrk="0" hangingPunct="1">
+              <a:lnSpc>
+                <a:spcPct val="90000"/>
+              </a:lnSpc>
+              <a:spcBef>
+                <a:spcPts val="200"/>
+              </a:spcBef>
+              <a:spcAft>
+                <a:spcPts val="400"/>
+              </a:spcAft>
+              <a:buClr>
+                <a:schemeClr val="accent1"/>
+              </a:buClr>
+              <a:buFont typeface="Calibri" pitchFamily="34" charset="0"/>
+              <a:buChar char="◦"/>
+              <a:defRPr sz="1400" kern="1200">
+                <a:solidFill>
+                  <a:schemeClr val="tx1">
+                    <a:lumMod val="75000"/>
+                    <a:lumOff val="25000"/>
+                  </a:schemeClr>
+                </a:solidFill>
+                <a:latin typeface="+mn-lt"/>
+                <a:ea typeface="+mn-ea"/>
+                <a:cs typeface="+mn-cs"/>
+              </a:defRPr>
+            </a:lvl9pPr>
+          </a:lstStyle>
+          <a:p>
+            <a:pPr marL="0" indent="0">
+              <a:buFont typeface="Calibri" panose="020F0502020204030204" pitchFamily="34" charset="0"/>
+              <a:buNone/>
+            </a:pPr>
+            <a:r>
+              <a:rPr lang="en-US" sz="2000" b="1" dirty="0">
+                <a:solidFill>
+                  <a:srgbClr val="484848"/>
+                </a:solidFill>
+                <a:latin typeface="Calibri" panose="020F0502020204030204" pitchFamily="34" charset="0"/>
+                <a:cs typeface="Calibri" panose="020F0502020204030204" pitchFamily="34" charset="0"/>
+              </a:rPr>
+              <a:t>Complement Naive Bayes</a:t>
+            </a:r>
+          </a:p>
+          <a:p>
+            <a:pPr marL="201168" lvl="1" indent="0">
+              <a:buNone/>
+            </a:pPr>
+            <a:r>
+              <a:rPr lang="en-US" sz="2000" b="1" dirty="0">
+                <a:latin typeface="Calibri" panose="020F0502020204030204" pitchFamily="34" charset="0"/>
+                <a:cs typeface="Calibri" panose="020F0502020204030204" pitchFamily="34" charset="0"/>
+              </a:rPr>
+              <a:t>◼</a:t>
+            </a:r>
+            <a:r>
+              <a:rPr lang="en-US" sz="2000" b="1" dirty="0">
+                <a:solidFill>
+                  <a:srgbClr val="484848"/>
+                </a:solidFill>
+                <a:latin typeface="Calibri" panose="020F0502020204030204" pitchFamily="34" charset="0"/>
+                <a:cs typeface="Calibri" panose="020F0502020204030204" pitchFamily="34" charset="0"/>
+              </a:rPr>
+              <a:t> alpha </a:t>
+            </a:r>
+          </a:p>
+          <a:p>
+            <a:pPr marL="201168" lvl="1" indent="0">
+              <a:buNone/>
+            </a:pPr>
+            <a:r>
+              <a:rPr lang="en-US" sz="2000" b="1" dirty="0">
+                <a:latin typeface="Calibri" panose="020F0502020204030204" pitchFamily="34" charset="0"/>
+                <a:cs typeface="Calibri" panose="020F0502020204030204" pitchFamily="34" charset="0"/>
+              </a:rPr>
+              <a:t>◼</a:t>
+            </a:r>
+            <a:r>
+              <a:rPr lang="en-US" sz="2000" b="1" dirty="0" err="1">
+                <a:solidFill>
+                  <a:srgbClr val="484848"/>
+                </a:solidFill>
+                <a:latin typeface="Calibri" panose="020F0502020204030204" pitchFamily="34" charset="0"/>
+                <a:cs typeface="Calibri" panose="020F0502020204030204" pitchFamily="34" charset="0"/>
+              </a:rPr>
+              <a:t>fit_prior</a:t>
+            </a:r>
+            <a:endParaRPr lang="en-US" sz="2000" b="1" dirty="0">
+              <a:latin typeface="Calibri" panose="020F0502020204030204" pitchFamily="34" charset="0"/>
+              <a:cs typeface="Calibri" panose="020F0502020204030204" pitchFamily="34" charset="0"/>
+            </a:endParaRPr>
+          </a:p>
+          <a:p>
+            <a:pPr marL="201168" lvl="1" indent="0">
+              <a:buNone/>
+            </a:pPr>
+            <a:r>
+              <a:rPr lang="en-US" sz="2000" b="1" dirty="0">
+                <a:latin typeface="Calibri" panose="020F0502020204030204" pitchFamily="34" charset="0"/>
+                <a:cs typeface="Calibri" panose="020F0502020204030204" pitchFamily="34" charset="0"/>
+              </a:rPr>
+              <a:t>◼norm</a:t>
             </a:r>
           </a:p>
         </p:txBody>
@@ -7428,7 +7722,7 @@
     </p:spTree>
     <p:extLst>
       <p:ext uri="{BB962C8B-B14F-4D97-AF65-F5344CB8AC3E}">
-        <p14:creationId xmlns:p14="http://schemas.microsoft.com/office/powerpoint/2010/main" val="385318783"/>
+        <p14:creationId xmlns:p14="http://schemas.microsoft.com/office/powerpoint/2010/main" val="2112881855"/>
       </p:ext>
     </p:extLst>
   </p:cSld>
@@ -8238,21 +8532,21 @@
 </file>
 
 <file path=customXml/item2.xml><?xml version="1.0" encoding="utf-8"?>
+<p:properties xmlns:p="http://schemas.microsoft.com/office/2006/metadata/properties" xmlns:xsi="http://www.w3.org/2001/XMLSchema-instance" xmlns:pc="http://schemas.microsoft.com/office/infopath/2007/PartnerControls">
+  <documentManagement>
+    <Status xmlns="71af3243-3dd4-4a8d-8c0d-dd76da1f02a5">Not started</Status>
+    <MediaServiceKeyPoints xmlns="71af3243-3dd4-4a8d-8c0d-dd76da1f02a5" xsi:nil="true"/>
+  </documentManagement>
+</p:properties>
+</file>
+
+<file path=customXml/item3.xml><?xml version="1.0" encoding="utf-8"?>
 <?mso-contentType ?>
 <FormTemplates xmlns="http://schemas.microsoft.com/sharepoint/v3/contenttype/forms">
   <Display>DocumentLibraryForm</Display>
   <Edit>DocumentLibraryForm</Edit>
   <New>DocumentLibraryForm</New>
 </FormTemplates>
-</file>
-
-<file path=customXml/item3.xml><?xml version="1.0" encoding="utf-8"?>
-<p:properties xmlns:p="http://schemas.microsoft.com/office/2006/metadata/properties" xmlns:xsi="http://www.w3.org/2001/XMLSchema-instance" xmlns:pc="http://schemas.microsoft.com/office/infopath/2007/PartnerControls">
-  <documentManagement>
-    <Status xmlns="71af3243-3dd4-4a8d-8c0d-dd76da1f02a5">Not started</Status>
-    <MediaServiceKeyPoints xmlns="71af3243-3dd4-4a8d-8c0d-dd76da1f02a5" xsi:nil="true"/>
-  </documentManagement>
-</p:properties>
 </file>
 
 <file path=customXml/itemProps1.xml><?xml version="1.0" encoding="utf-8"?>
@@ -8275,14 +8569,6 @@
 </file>
 
 <file path=customXml/itemProps2.xml><?xml version="1.0" encoding="utf-8"?>
-<ds:datastoreItem xmlns:ds="http://schemas.openxmlformats.org/officeDocument/2006/customXml" ds:itemID="{AA3F7EDC-E5B4-4BBC-9D2A-CBE6D46C37AD}">
-  <ds:schemaRefs>
-    <ds:schemaRef ds:uri="http://schemas.microsoft.com/sharepoint/v3/contenttype/forms"/>
-  </ds:schemaRefs>
-</ds:datastoreItem>
-</file>
-
-<file path=customXml/itemProps3.xml><?xml version="1.0" encoding="utf-8"?>
 <ds:datastoreItem xmlns:ds="http://schemas.openxmlformats.org/officeDocument/2006/customXml" ds:itemID="{A03EEFF0-FB57-4CB4-8BFC-DF397689E2ED}">
   <ds:schemaRefs>
     <ds:schemaRef ds:uri="http://schemas.microsoft.com/office/2006/metadata/properties"/>
@@ -8290,4 +8576,12 @@
     <ds:schemaRef ds:uri="71af3243-3dd4-4a8d-8c0d-dd76da1f02a5"/>
   </ds:schemaRefs>
 </ds:datastoreItem>
+</file>
+
+<file path=customXml/itemProps3.xml><?xml version="1.0" encoding="utf-8"?>
+<ds:datastoreItem xmlns:ds="http://schemas.openxmlformats.org/officeDocument/2006/customXml" ds:itemID="{AA3F7EDC-E5B4-4BBC-9D2A-CBE6D46C37AD}">
+  <ds:schemaRefs>
+    <ds:schemaRef ds:uri="http://schemas.microsoft.com/sharepoint/v3/contenttype/forms"/>
+  </ds:schemaRefs>
+</ds:datastoreItem>
 </file>
--- a/Naive Bayes Notes.pptx
+++ b/Naive Bayes Notes.pptx
@@ -202,7 +202,7 @@
           <a:p>
             <a:fld id="{2010C0D1-B5F4-4434-AB6E-84D8CB94855D}" type="datetimeFigureOut">
               <a:rPr lang="en-US" smtClean="0"/>
-              <a:t>4/28/2022</a:t>
+              <a:t>4/29/2022</a:t>
             </a:fld>
             <a:endParaRPr lang="en-US"/>
           </a:p>
@@ -713,7 +713,7 @@
           <a:p>
             <a:fld id="{9184DA70-C731-4C70-880D-CCD4705E623C}" type="datetime1">
               <a:rPr lang="en-US" smtClean="0"/>
-              <a:t>4/28/2022</a:t>
+              <a:t>4/29/2022</a:t>
             </a:fld>
             <a:endParaRPr lang="en-US" dirty="0"/>
           </a:p>
@@ -901,7 +901,7 @@
           <a:p>
             <a:fld id="{4BE1D723-8F53-4F53-90B0-1982A396982E}" type="datetime1">
               <a:rPr lang="en-US" smtClean="0"/>
-              <a:t>4/28/2022</a:t>
+              <a:t>4/29/2022</a:t>
             </a:fld>
             <a:endParaRPr lang="en-US" dirty="0"/>
           </a:p>
@@ -1274,7 +1274,7 @@
           <a:p>
             <a:fld id="{97669AF7-7BEB-44E4-9852-375E34362B5B}" type="datetime1">
               <a:rPr lang="en-US" smtClean="0"/>
-              <a:t>4/28/2022</a:t>
+              <a:t>4/29/2022</a:t>
             </a:fld>
             <a:endParaRPr lang="en-US" dirty="0"/>
           </a:p>
@@ -1529,7 +1529,7 @@
           <a:p>
             <a:fld id="{BAAAC38D-0552-4C82-B593-E6124DFADBE2}" type="datetime1">
               <a:rPr lang="en-US" smtClean="0"/>
-              <a:t>4/28/2022</a:t>
+              <a:t>4/29/2022</a:t>
             </a:fld>
             <a:endParaRPr lang="en-US" dirty="0"/>
           </a:p>
@@ -1926,7 +1926,7 @@
           <a:p>
             <a:fld id="{D9DF0F1C-5577-4ACB-BB62-DF8F3C494C7E}" type="datetime1">
               <a:rPr lang="en-US" smtClean="0"/>
-              <a:t>4/28/2022</a:t>
+              <a:t>4/29/2022</a:t>
             </a:fld>
             <a:endParaRPr lang="en-US" dirty="0"/>
           </a:p>
@@ -2062,7 +2062,7 @@
           <a:p>
             <a:fld id="{1775B394-D9F9-4F0C-B15D-605F45CB9E9F}" type="datetime1">
               <a:rPr lang="en-US" smtClean="0"/>
-              <a:t>4/28/2022</a:t>
+              <a:t>4/29/2022</a:t>
             </a:fld>
             <a:endParaRPr lang="en-US" dirty="0"/>
           </a:p>
@@ -2219,7 +2219,7 @@
           <a:p>
             <a:fld id="{39667345-2558-425A-8533-9BFDBCE15005}" type="datetime1">
               <a:rPr lang="en-US" smtClean="0"/>
-              <a:t>4/28/2022</a:t>
+              <a:t>4/29/2022</a:t>
             </a:fld>
             <a:endParaRPr lang="en-US" dirty="0"/>
           </a:p>
@@ -2548,7 +2548,7 @@
           <a:p>
             <a:fld id="{92BEA474-078D-4E9B-9B14-09A87B19DC46}" type="datetime1">
               <a:rPr lang="en-US" smtClean="0"/>
-              <a:t>4/28/2022</a:t>
+              <a:t>4/29/2022</a:t>
             </a:fld>
             <a:endParaRPr lang="en-US" dirty="0"/>
           </a:p>
@@ -2898,7 +2898,7 @@
           <a:p>
             <a:fld id="{4907D986-8816-4272-A432-0437A28A9828}" type="datetime1">
               <a:rPr lang="en-US" smtClean="0"/>
-              <a:t>4/28/2022</a:t>
+              <a:t>4/29/2022</a:t>
             </a:fld>
             <a:endParaRPr lang="en-US" dirty="0"/>
           </a:p>
@@ -3159,7 +3159,7 @@
           <a:p>
             <a:fld id="{62D6E202-B606-4609-B914-27C9371A1F6D}" type="datetime1">
               <a:rPr lang="en-US" smtClean="0"/>
-              <a:t>4/28/2022</a:t>
+              <a:t>4/29/2022</a:t>
             </a:fld>
             <a:endParaRPr lang="en-US" dirty="0"/>
           </a:p>
@@ -8532,21 +8532,21 @@
 </file>
 
 <file path=customXml/item2.xml><?xml version="1.0" encoding="utf-8"?>
+<?mso-contentType ?>
+<FormTemplates xmlns="http://schemas.microsoft.com/sharepoint/v3/contenttype/forms">
+  <Display>DocumentLibraryForm</Display>
+  <Edit>DocumentLibraryForm</Edit>
+  <New>DocumentLibraryForm</New>
+</FormTemplates>
+</file>
+
+<file path=customXml/item3.xml><?xml version="1.0" encoding="utf-8"?>
 <p:properties xmlns:p="http://schemas.microsoft.com/office/2006/metadata/properties" xmlns:xsi="http://www.w3.org/2001/XMLSchema-instance" xmlns:pc="http://schemas.microsoft.com/office/infopath/2007/PartnerControls">
   <documentManagement>
     <Status xmlns="71af3243-3dd4-4a8d-8c0d-dd76da1f02a5">Not started</Status>
     <MediaServiceKeyPoints xmlns="71af3243-3dd4-4a8d-8c0d-dd76da1f02a5" xsi:nil="true"/>
   </documentManagement>
 </p:properties>
-</file>
-
-<file path=customXml/item3.xml><?xml version="1.0" encoding="utf-8"?>
-<?mso-contentType ?>
-<FormTemplates xmlns="http://schemas.microsoft.com/sharepoint/v3/contenttype/forms">
-  <Display>DocumentLibraryForm</Display>
-  <Edit>DocumentLibraryForm</Edit>
-  <New>DocumentLibraryForm</New>
-</FormTemplates>
 </file>
 
 <file path=customXml/itemProps1.xml><?xml version="1.0" encoding="utf-8"?>
@@ -8569,6 +8569,14 @@
 </file>
 
 <file path=customXml/itemProps2.xml><?xml version="1.0" encoding="utf-8"?>
+<ds:datastoreItem xmlns:ds="http://schemas.openxmlformats.org/officeDocument/2006/customXml" ds:itemID="{AA3F7EDC-E5B4-4BBC-9D2A-CBE6D46C37AD}">
+  <ds:schemaRefs>
+    <ds:schemaRef ds:uri="http://schemas.microsoft.com/sharepoint/v3/contenttype/forms"/>
+  </ds:schemaRefs>
+</ds:datastoreItem>
+</file>
+
+<file path=customXml/itemProps3.xml><?xml version="1.0" encoding="utf-8"?>
 <ds:datastoreItem xmlns:ds="http://schemas.openxmlformats.org/officeDocument/2006/customXml" ds:itemID="{A03EEFF0-FB57-4CB4-8BFC-DF397689E2ED}">
   <ds:schemaRefs>
     <ds:schemaRef ds:uri="http://schemas.microsoft.com/office/2006/metadata/properties"/>
@@ -8576,12 +8584,4 @@
     <ds:schemaRef ds:uri="71af3243-3dd4-4a8d-8c0d-dd76da1f02a5"/>
   </ds:schemaRefs>
 </ds:datastoreItem>
-</file>
-
-<file path=customXml/itemProps3.xml><?xml version="1.0" encoding="utf-8"?>
-<ds:datastoreItem xmlns:ds="http://schemas.openxmlformats.org/officeDocument/2006/customXml" ds:itemID="{AA3F7EDC-E5B4-4BBC-9D2A-CBE6D46C37AD}">
-  <ds:schemaRefs>
-    <ds:schemaRef ds:uri="http://schemas.microsoft.com/sharepoint/v3/contenttype/forms"/>
-  </ds:schemaRefs>
-</ds:datastoreItem>
 </file>
--- a/Naive Bayes Notes.pptx
+++ b/Naive Bayes Notes.pptx
@@ -5,7 +5,7 @@
     <p:sldMasterId id="2147483660" r:id="rId4"/>
   </p:sldMasterIdLst>
   <p:notesMasterIdLst>
-    <p:notesMasterId r:id="rId11"/>
+    <p:notesMasterId r:id="rId12"/>
   </p:notesMasterIdLst>
   <p:sldIdLst>
     <p:sldId id="301" r:id="rId5"/>
@@ -13,7 +13,8 @@
     <p:sldId id="303" r:id="rId7"/>
     <p:sldId id="306" r:id="rId8"/>
     <p:sldId id="307" r:id="rId9"/>
-    <p:sldId id="308" r:id="rId10"/>
+    <p:sldId id="309" r:id="rId10"/>
+    <p:sldId id="308" r:id="rId11"/>
   </p:sldIdLst>
   <p:sldSz cx="12192000" cy="6858000"/>
   <p:notesSz cx="6858000" cy="9144000"/>
@@ -6531,6 +6532,261 @@
 </file>
 
 <file path=ppt/slides/slide6.xml><?xml version="1.0" encoding="utf-8"?>
+<p:sld xmlns:a="http://schemas.openxmlformats.org/drawingml/2006/main" xmlns:r="http://schemas.openxmlformats.org/officeDocument/2006/relationships" xmlns:p="http://schemas.openxmlformats.org/presentationml/2006/main">
+  <p:cSld>
+    <p:spTree>
+      <p:nvGrpSpPr>
+        <p:cNvPr id="1" name=""/>
+        <p:cNvGrpSpPr/>
+        <p:nvPr/>
+      </p:nvGrpSpPr>
+      <p:grpSpPr>
+        <a:xfrm>
+          <a:off x="0" y="0"/>
+          <a:ext cx="0" cy="0"/>
+          <a:chOff x="0" y="0"/>
+          <a:chExt cx="0" cy="0"/>
+        </a:xfrm>
+      </p:grpSpPr>
+      <p:sp>
+        <p:nvSpPr>
+          <p:cNvPr id="2" name="Title 1">
+            <a:extLst>
+              <a:ext uri="{FF2B5EF4-FFF2-40B4-BE49-F238E27FC236}">
+                <a16:creationId xmlns:a16="http://schemas.microsoft.com/office/drawing/2014/main" id="{E7485BA7-58F2-4901-BFB9-464E48EECCED}"/>
+              </a:ext>
+            </a:extLst>
+          </p:cNvPr>
+          <p:cNvSpPr>
+            <a:spLocks noGrp="1"/>
+          </p:cNvSpPr>
+          <p:nvPr>
+            <p:ph type="title"/>
+          </p:nvPr>
+        </p:nvSpPr>
+        <p:spPr/>
+        <p:txBody>
+          <a:bodyPr>
+            <a:normAutofit/>
+          </a:bodyPr>
+          <a:lstStyle/>
+          <a:p>
+            <a:pPr algn="ctr"/>
+            <a:r>
+              <a:rPr lang="en-US" sz="4000" b="0" i="0" dirty="0">
+                <a:solidFill>
+                  <a:srgbClr val="212529"/>
+                </a:solidFill>
+                <a:effectLst/>
+                <a:latin typeface="Helvetica" panose="020B0604020202020204" pitchFamily="34" charset="0"/>
+              </a:rPr>
+              <a:t>What data processing steps does the algorithm require</a:t>
+            </a:r>
+            <a:endParaRPr lang="en-US" sz="4000" dirty="0"/>
+          </a:p>
+        </p:txBody>
+      </p:sp>
+      <p:sp>
+        <p:nvSpPr>
+          <p:cNvPr id="4" name="TextBox 3">
+            <a:extLst>
+              <a:ext uri="{FF2B5EF4-FFF2-40B4-BE49-F238E27FC236}">
+                <a16:creationId xmlns:a16="http://schemas.microsoft.com/office/drawing/2014/main" id="{8638AF3E-BD24-47FD-86D0-31FB375D195C}"/>
+              </a:ext>
+            </a:extLst>
+          </p:cNvPr>
+          <p:cNvSpPr txBox="1"/>
+          <p:nvPr/>
+        </p:nvSpPr>
+        <p:spPr>
+          <a:xfrm>
+            <a:off x="1297857" y="2295728"/>
+            <a:ext cx="9783098" cy="3785652"/>
+          </a:xfrm>
+          <a:prstGeom prst="rect">
+            <a:avLst/>
+          </a:prstGeom>
+          <a:noFill/>
+        </p:spPr>
+        <p:txBody>
+          <a:bodyPr wrap="square" rtlCol="0">
+            <a:spAutoFit/>
+          </a:bodyPr>
+          <a:lstStyle/>
+          <a:p>
+            <a:pPr marL="285750" indent="-285750">
+              <a:buFont typeface="Wingdings" panose="05000000000000000000" pitchFamily="2" charset="2"/>
+              <a:buChar char="§"/>
+            </a:pPr>
+            <a:r>
+              <a:rPr lang="en-US" sz="2000" b="1" i="0" u="none" strike="noStrike" dirty="0">
+                <a:solidFill>
+                  <a:srgbClr val="212529"/>
+                </a:solidFill>
+                <a:effectLst/>
+                <a:latin typeface="Arial" panose="020B0604020202020204" pitchFamily="34" charset="0"/>
+              </a:rPr>
+              <a:t>Convert categorical features to numeric (get dummies)</a:t>
+            </a:r>
+          </a:p>
+          <a:p>
+            <a:pPr marL="285750" indent="-285750">
+              <a:buFont typeface="Wingdings" panose="05000000000000000000" pitchFamily="2" charset="2"/>
+              <a:buChar char="§"/>
+            </a:pPr>
+            <a:endParaRPr lang="en-US" sz="2000" b="1" i="0" u="none" strike="noStrike" dirty="0">
+              <a:solidFill>
+                <a:srgbClr val="212529"/>
+              </a:solidFill>
+              <a:effectLst/>
+              <a:latin typeface="Arial" panose="020B0604020202020204" pitchFamily="34" charset="0"/>
+            </a:endParaRPr>
+          </a:p>
+          <a:p>
+            <a:pPr marL="285750" indent="-285750">
+              <a:buFont typeface="Wingdings" panose="05000000000000000000" pitchFamily="2" charset="2"/>
+              <a:buChar char="§"/>
+            </a:pPr>
+            <a:r>
+              <a:rPr lang="en-US" sz="2000" b="1" i="0" u="none" strike="noStrike" dirty="0">
+                <a:solidFill>
+                  <a:srgbClr val="212529"/>
+                </a:solidFill>
+                <a:effectLst/>
+                <a:latin typeface="Arial" panose="020B0604020202020204" pitchFamily="34" charset="0"/>
+              </a:rPr>
+              <a:t>Handle missing data. Drop or impute</a:t>
+            </a:r>
+          </a:p>
+          <a:p>
+            <a:pPr marL="285750" indent="-285750">
+              <a:buFont typeface="Wingdings" panose="05000000000000000000" pitchFamily="2" charset="2"/>
+              <a:buChar char="§"/>
+            </a:pPr>
+            <a:endParaRPr lang="en-US" sz="2000" b="1" dirty="0">
+              <a:solidFill>
+                <a:srgbClr val="212529"/>
+              </a:solidFill>
+              <a:latin typeface="Arial" panose="020B0604020202020204" pitchFamily="34" charset="0"/>
+            </a:endParaRPr>
+          </a:p>
+          <a:p>
+            <a:pPr marL="285750" indent="-285750">
+              <a:buFont typeface="Wingdings" panose="05000000000000000000" pitchFamily="2" charset="2"/>
+              <a:buChar char="§"/>
+            </a:pPr>
+            <a:r>
+              <a:rPr lang="en-US" sz="2000" b="1" i="0" u="none" strike="noStrike" dirty="0">
+                <a:solidFill>
+                  <a:srgbClr val="212529"/>
+                </a:solidFill>
+                <a:effectLst/>
+                <a:latin typeface="Arial" panose="020B0604020202020204" pitchFamily="34" charset="0"/>
+              </a:rPr>
+              <a:t>Identify outliers, remove or convert into numbers</a:t>
+            </a:r>
+          </a:p>
+          <a:p>
+            <a:pPr marL="285750" indent="-285750">
+              <a:buFont typeface="Wingdings" panose="05000000000000000000" pitchFamily="2" charset="2"/>
+              <a:buChar char="§"/>
+            </a:pPr>
+            <a:endParaRPr lang="en-US" sz="2000" b="1" i="0" u="none" strike="noStrike" dirty="0">
+              <a:solidFill>
+                <a:srgbClr val="212529"/>
+              </a:solidFill>
+              <a:effectLst/>
+              <a:latin typeface="Arial" panose="020B0604020202020204" pitchFamily="34" charset="0"/>
+            </a:endParaRPr>
+          </a:p>
+          <a:p>
+            <a:pPr marL="285750" indent="-285750">
+              <a:buFont typeface="Wingdings" panose="05000000000000000000" pitchFamily="2" charset="2"/>
+              <a:buChar char="§"/>
+            </a:pPr>
+            <a:r>
+              <a:rPr lang="en-US" sz="2000" b="1" i="0" u="none" strike="noStrike" dirty="0">
+                <a:solidFill>
+                  <a:srgbClr val="212529"/>
+                </a:solidFill>
+                <a:effectLst/>
+                <a:latin typeface="Arial" panose="020B0604020202020204" pitchFamily="34" charset="0"/>
+              </a:rPr>
+              <a:t>Separate dependent feature from independent features</a:t>
+            </a:r>
+          </a:p>
+          <a:p>
+            <a:pPr marL="285750" indent="-285750">
+              <a:buFont typeface="Wingdings" panose="05000000000000000000" pitchFamily="2" charset="2"/>
+              <a:buChar char="§"/>
+            </a:pPr>
+            <a:endParaRPr lang="en-US" sz="2000" b="1" dirty="0">
+              <a:solidFill>
+                <a:srgbClr val="212529"/>
+              </a:solidFill>
+              <a:latin typeface="Arial" panose="020B0604020202020204" pitchFamily="34" charset="0"/>
+            </a:endParaRPr>
+          </a:p>
+          <a:p>
+            <a:pPr marL="285750" indent="-285750">
+              <a:buFont typeface="Wingdings" panose="05000000000000000000" pitchFamily="2" charset="2"/>
+              <a:buChar char="§"/>
+            </a:pPr>
+            <a:r>
+              <a:rPr lang="en-US" sz="2000" b="1" i="0" u="none" strike="noStrike" dirty="0">
+                <a:solidFill>
+                  <a:srgbClr val="212529"/>
+                </a:solidFill>
+                <a:effectLst/>
+                <a:latin typeface="Arial" panose="020B0604020202020204" pitchFamily="34" charset="0"/>
+              </a:rPr>
+              <a:t>Gaussian- continuous data, need to be distributed normally</a:t>
+            </a:r>
+          </a:p>
+          <a:p>
+            <a:endParaRPr lang="en-US" sz="2000" b="1" i="0" u="none" strike="noStrike" dirty="0">
+              <a:solidFill>
+                <a:srgbClr val="212529"/>
+              </a:solidFill>
+              <a:effectLst/>
+              <a:latin typeface="Arial" panose="020B0604020202020204" pitchFamily="34" charset="0"/>
+            </a:endParaRPr>
+          </a:p>
+          <a:p>
+            <a:pPr marL="285750" indent="-285750">
+              <a:buFont typeface="Wingdings" panose="05000000000000000000" pitchFamily="2" charset="2"/>
+              <a:buChar char="§"/>
+            </a:pPr>
+            <a:r>
+              <a:rPr lang="en-US" sz="2000" b="1" i="0" u="none" strike="noStrike" dirty="0">
+                <a:solidFill>
+                  <a:srgbClr val="212529"/>
+                </a:solidFill>
+                <a:effectLst/>
+                <a:latin typeface="Arial" panose="020B0604020202020204" pitchFamily="34" charset="0"/>
+              </a:rPr>
+              <a:t>Data smoothing- so that no probabilities are completely zero</a:t>
+            </a:r>
+          </a:p>
+          <a:p>
+            <a:endParaRPr lang="en-US" sz="2000" dirty="0"/>
+          </a:p>
+        </p:txBody>
+      </p:sp>
+    </p:spTree>
+    <p:extLst>
+      <p:ext uri="{BB962C8B-B14F-4D97-AF65-F5344CB8AC3E}">
+        <p14:creationId xmlns:p14="http://schemas.microsoft.com/office/powerpoint/2010/main" val="3624365938"/>
+      </p:ext>
+    </p:extLst>
+  </p:cSld>
+  <p:clrMapOvr>
+    <a:masterClrMapping/>
+  </p:clrMapOvr>
+</p:sld>
+</file>
+
+<file path=ppt/slides/slide7.xml><?xml version="1.0" encoding="utf-8"?>
 <p:sld xmlns:a="http://schemas.openxmlformats.org/drawingml/2006/main" xmlns:r="http://schemas.openxmlformats.org/officeDocument/2006/relationships" xmlns:p="http://schemas.openxmlformats.org/presentationml/2006/main">
   <p:cSld>
     <p:spTree>

--- a/Naive Bayes Notes.pptx
+++ b/Naive Bayes Notes.pptx
@@ -8788,21 +8788,21 @@
 </file>
 
 <file path=customXml/item2.xml><?xml version="1.0" encoding="utf-8"?>
+<p:properties xmlns:p="http://schemas.microsoft.com/office/2006/metadata/properties" xmlns:xsi="http://www.w3.org/2001/XMLSchema-instance" xmlns:pc="http://schemas.microsoft.com/office/infopath/2007/PartnerControls">
+  <documentManagement>
+    <Status xmlns="71af3243-3dd4-4a8d-8c0d-dd76da1f02a5">Not started</Status>
+    <MediaServiceKeyPoints xmlns="71af3243-3dd4-4a8d-8c0d-dd76da1f02a5" xsi:nil="true"/>
+  </documentManagement>
+</p:properties>
+</file>
+
+<file path=customXml/item3.xml><?xml version="1.0" encoding="utf-8"?>
 <?mso-contentType ?>
 <FormTemplates xmlns="http://schemas.microsoft.com/sharepoint/v3/contenttype/forms">
   <Display>DocumentLibraryForm</Display>
   <Edit>DocumentLibraryForm</Edit>
   <New>DocumentLibraryForm</New>
 </FormTemplates>
-</file>
-
-<file path=customXml/item3.xml><?xml version="1.0" encoding="utf-8"?>
-<p:properties xmlns:p="http://schemas.microsoft.com/office/2006/metadata/properties" xmlns:xsi="http://www.w3.org/2001/XMLSchema-instance" xmlns:pc="http://schemas.microsoft.com/office/infopath/2007/PartnerControls">
-  <documentManagement>
-    <Status xmlns="71af3243-3dd4-4a8d-8c0d-dd76da1f02a5">Not started</Status>
-    <MediaServiceKeyPoints xmlns="71af3243-3dd4-4a8d-8c0d-dd76da1f02a5" xsi:nil="true"/>
-  </documentManagement>
-</p:properties>
 </file>
 
 <file path=customXml/itemProps1.xml><?xml version="1.0" encoding="utf-8"?>
@@ -8825,19 +8825,26 @@
 </file>
 
 <file path=customXml/itemProps2.xml><?xml version="1.0" encoding="utf-8"?>
+<ds:datastoreItem xmlns:ds="http://schemas.openxmlformats.org/officeDocument/2006/customXml" ds:itemID="{A03EEFF0-FB57-4CB4-8BFC-DF397689E2ED}">
+  <ds:schemaRefs>
+    <ds:schemaRef ds:uri="http://schemas.microsoft.com/office/2006/documentManagement/types"/>
+    <ds:schemaRef ds:uri="http://schemas.openxmlformats.org/package/2006/metadata/core-properties"/>
+    <ds:schemaRef ds:uri="http://purl.org/dc/terms/"/>
+    <ds:schemaRef ds:uri="http://www.w3.org/XML/1998/namespace"/>
+    <ds:schemaRef ds:uri="16c05727-aa75-4e4a-9b5f-8a80a1165891"/>
+    <ds:schemaRef ds:uri="71af3243-3dd4-4a8d-8c0d-dd76da1f02a5"/>
+    <ds:schemaRef ds:uri="http://schemas.microsoft.com/office/infopath/2007/PartnerControls"/>
+    <ds:schemaRef ds:uri="http://schemas.microsoft.com/office/2006/metadata/properties"/>
+    <ds:schemaRef ds:uri="http://purl.org/dc/dcmitype/"/>
+    <ds:schemaRef ds:uri="http://purl.org/dc/elements/1.1/"/>
+  </ds:schemaRefs>
+</ds:datastoreItem>
+</file>
+
+<file path=customXml/itemProps3.xml><?xml version="1.0" encoding="utf-8"?>
 <ds:datastoreItem xmlns:ds="http://schemas.openxmlformats.org/officeDocument/2006/customXml" ds:itemID="{AA3F7EDC-E5B4-4BBC-9D2A-CBE6D46C37AD}">
   <ds:schemaRefs>
     <ds:schemaRef ds:uri="http://schemas.microsoft.com/sharepoint/v3/contenttype/forms"/>
   </ds:schemaRefs>
 </ds:datastoreItem>
-</file>
-
-<file path=customXml/itemProps3.xml><?xml version="1.0" encoding="utf-8"?>
-<ds:datastoreItem xmlns:ds="http://schemas.openxmlformats.org/officeDocument/2006/customXml" ds:itemID="{A03EEFF0-FB57-4CB4-8BFC-DF397689E2ED}">
-  <ds:schemaRefs>
-    <ds:schemaRef ds:uri="http://schemas.microsoft.com/office/2006/metadata/properties"/>
-    <ds:schemaRef ds:uri="http://schemas.microsoft.com/office/infopath/2007/PartnerControls"/>
-    <ds:schemaRef ds:uri="71af3243-3dd4-4a8d-8c0d-dd76da1f02a5"/>
-  </ds:schemaRefs>
-</ds:datastoreItem>
 </file>
--- a/Naive Bayes Notes.pptx
+++ b/Naive Bayes Notes.pptx
@@ -5,16 +5,17 @@
     <p:sldMasterId id="2147483660" r:id="rId4"/>
   </p:sldMasterIdLst>
   <p:notesMasterIdLst>
-    <p:notesMasterId r:id="rId12"/>
+    <p:notesMasterId r:id="rId13"/>
   </p:notesMasterIdLst>
   <p:sldIdLst>
-    <p:sldId id="301" r:id="rId5"/>
-    <p:sldId id="302" r:id="rId6"/>
-    <p:sldId id="303" r:id="rId7"/>
-    <p:sldId id="306" r:id="rId8"/>
-    <p:sldId id="307" r:id="rId9"/>
-    <p:sldId id="309" r:id="rId10"/>
-    <p:sldId id="308" r:id="rId11"/>
+    <p:sldId id="310" r:id="rId5"/>
+    <p:sldId id="301" r:id="rId6"/>
+    <p:sldId id="302" r:id="rId7"/>
+    <p:sldId id="303" r:id="rId8"/>
+    <p:sldId id="306" r:id="rId9"/>
+    <p:sldId id="307" r:id="rId10"/>
+    <p:sldId id="309" r:id="rId11"/>
+    <p:sldId id="308" r:id="rId12"/>
   </p:sldIdLst>
   <p:sldSz cx="12192000" cy="6858000"/>
   <p:notesSz cx="6858000" cy="9144000"/>
@@ -3686,6 +3687,108 @@
           <p:cNvPr id="2" name="Title 1">
             <a:extLst>
               <a:ext uri="{FF2B5EF4-FFF2-40B4-BE49-F238E27FC236}">
+                <a16:creationId xmlns:a16="http://schemas.microsoft.com/office/drawing/2014/main" id="{98C62330-AE60-4660-9892-31CA28C07872}"/>
+              </a:ext>
+            </a:extLst>
+          </p:cNvPr>
+          <p:cNvSpPr>
+            <a:spLocks noGrp="1"/>
+          </p:cNvSpPr>
+          <p:nvPr>
+            <p:ph type="ctrTitle"/>
+          </p:nvPr>
+        </p:nvSpPr>
+        <p:spPr/>
+        <p:txBody>
+          <a:bodyPr/>
+          <a:lstStyle/>
+          <a:p>
+            <a:r>
+              <a:rPr lang="en-US" dirty="0"/>
+              <a:t>Naïve Bayes</a:t>
+            </a:r>
+          </a:p>
+        </p:txBody>
+      </p:sp>
+      <p:sp>
+        <p:nvSpPr>
+          <p:cNvPr id="3" name="Subtitle 2">
+            <a:extLst>
+              <a:ext uri="{FF2B5EF4-FFF2-40B4-BE49-F238E27FC236}">
+                <a16:creationId xmlns:a16="http://schemas.microsoft.com/office/drawing/2014/main" id="{57C9512B-5B79-43B1-B9E4-DD534C3B3755}"/>
+              </a:ext>
+            </a:extLst>
+          </p:cNvPr>
+          <p:cNvSpPr>
+            <a:spLocks noGrp="1"/>
+          </p:cNvSpPr>
+          <p:nvPr>
+            <p:ph type="subTitle" idx="1"/>
+          </p:nvPr>
+        </p:nvSpPr>
+        <p:spPr/>
+        <p:txBody>
+          <a:bodyPr/>
+          <a:lstStyle/>
+          <a:p>
+            <a:r>
+              <a:rPr lang="en-US" dirty="0"/>
+              <a:t>Will Stearns, Sharif </a:t>
+            </a:r>
+            <a:r>
+              <a:rPr lang="en-US" dirty="0" err="1"/>
+              <a:t>Rakhimov</a:t>
+            </a:r>
+            <a:r>
+              <a:rPr lang="en-US" dirty="0"/>
+              <a:t>, Phil </a:t>
+            </a:r>
+            <a:r>
+              <a:rPr lang="en-US" dirty="0" err="1"/>
+              <a:t>Carbino</a:t>
+            </a:r>
+            <a:r>
+              <a:rPr lang="en-US" dirty="0"/>
+              <a:t>, Derek Preslar</a:t>
+            </a:r>
+          </a:p>
+        </p:txBody>
+      </p:sp>
+    </p:spTree>
+    <p:extLst>
+      <p:ext uri="{BB962C8B-B14F-4D97-AF65-F5344CB8AC3E}">
+        <p14:creationId xmlns:p14="http://schemas.microsoft.com/office/powerpoint/2010/main" val="1893230426"/>
+      </p:ext>
+    </p:extLst>
+  </p:cSld>
+  <p:clrMapOvr>
+    <a:masterClrMapping/>
+  </p:clrMapOvr>
+</p:sld>
+</file>
+
+<file path=ppt/slides/slide2.xml><?xml version="1.0" encoding="utf-8"?>
+<p:sld xmlns:a="http://schemas.openxmlformats.org/drawingml/2006/main" xmlns:r="http://schemas.openxmlformats.org/officeDocument/2006/relationships" xmlns:p="http://schemas.openxmlformats.org/presentationml/2006/main">
+  <p:cSld>
+    <p:spTree>
+      <p:nvGrpSpPr>
+        <p:cNvPr id="1" name=""/>
+        <p:cNvGrpSpPr/>
+        <p:nvPr/>
+      </p:nvGrpSpPr>
+      <p:grpSpPr>
+        <a:xfrm>
+          <a:off x="0" y="0"/>
+          <a:ext cx="0" cy="0"/>
+          <a:chOff x="0" y="0"/>
+          <a:chExt cx="0" cy="0"/>
+        </a:xfrm>
+      </p:grpSpPr>
+      <p:sp>
+        <p:nvSpPr>
+          <p:cNvPr id="2" name="Title 1">
+            <a:extLst>
+              <a:ext uri="{FF2B5EF4-FFF2-40B4-BE49-F238E27FC236}">
                 <a16:creationId xmlns:a16="http://schemas.microsoft.com/office/drawing/2014/main" id="{4D45F58C-A2FF-4DEA-B59B-67D10FD42C59}"/>
               </a:ext>
             </a:extLst>
@@ -3699,18 +3802,20 @@
         </p:nvSpPr>
         <p:spPr/>
         <p:txBody>
-          <a:bodyPr/>
+          <a:bodyPr>
+            <a:normAutofit/>
+          </a:bodyPr>
           <a:lstStyle/>
           <a:p>
             <a:r>
-              <a:rPr lang="en-US" dirty="0"/>
-              <a:t>Naive Bayes: Conditional Probability Basics</a:t>
+              <a:rPr lang="en-US" sz="4400" dirty="0"/>
+              <a:t>Naïve Bayes: Conditional Probability Basics</a:t>
             </a:r>
           </a:p>
         </p:txBody>
       </p:sp>
-      <mc:AlternateContent xmlns:mc="http://schemas.openxmlformats.org/markup-compatibility/2006" xmlns:a14="http://schemas.microsoft.com/office/drawing/2010/main">
-        <mc:Choice Requires="a14">
+      <mc:AlternateContent xmlns:mc="http://schemas.openxmlformats.org/markup-compatibility/2006">
+        <mc:Choice xmlns:a14="http://schemas.microsoft.com/office/drawing/2010/main" Requires="a14">
           <p:sp>
             <p:nvSpPr>
               <p:cNvPr id="3" name="Content Placeholder 2">
@@ -3738,6 +3843,7 @@
                 </a:r>
               </a:p>
               <a:p>
+                <a:pPr algn="ctr"/>
                 <a14:m>
                   <m:oMath xmlns:m="http://schemas.openxmlformats.org/officeDocument/2006/math">
                     <m:r>
@@ -3773,10 +3879,7 @@
                     </m:d>
                   </m:oMath>
                 </a14:m>
-                <a:r>
-                  <a:rPr lang="en-US" dirty="0"/>
-                  <a:t> reads as: “The probability of event A occurring given that B has already occurred.”</a:t>
-                </a:r>
+                <a:endParaRPr lang="en-US" b="0" dirty="0"/>
               </a:p>
               <a:p>
                 <a:r>
@@ -4239,7 +4342,7 @@
             </p:txBody>
           </p:sp>
         </mc:Choice>
-        <mc:Fallback xmlns="">
+        <mc:Fallback>
           <p:sp>
             <p:nvSpPr>
               <p:cNvPr id="3" name="Content Placeholder 2">
@@ -4260,7 +4363,7 @@
               <a:blipFill>
                 <a:blip r:embed="rId2"/>
                 <a:stretch>
-                  <a:fillRect l="-1455" t="-810"/>
+                  <a:fillRect l="-545" t="-810"/>
                 </a:stretch>
               </a:blipFill>
             </p:spPr>
@@ -4292,7 +4395,7 @@
 </p:sld>
 </file>
 
-<file path=ppt/slides/slide2.xml><?xml version="1.0" encoding="utf-8"?>
+<file path=ppt/slides/slide3.xml><?xml version="1.0" encoding="utf-8"?>
 <p:sld xmlns:a="http://schemas.openxmlformats.org/drawingml/2006/main" xmlns:r="http://schemas.openxmlformats.org/officeDocument/2006/relationships" xmlns:p="http://schemas.openxmlformats.org/presentationml/2006/main">
   <p:cSld>
     <p:spTree>
@@ -4327,18 +4430,20 @@
         </p:nvSpPr>
         <p:spPr/>
         <p:txBody>
-          <a:bodyPr/>
+          <a:bodyPr>
+            <a:normAutofit/>
+          </a:bodyPr>
           <a:lstStyle/>
           <a:p>
             <a:r>
-              <a:rPr lang="en-US" dirty="0"/>
-              <a:t>Naive Bayes: The Central Assumption</a:t>
+              <a:rPr lang="en-US" sz="4400" dirty="0"/>
+              <a:t>Naïve Bayes: The Central Assumption</a:t>
             </a:r>
           </a:p>
         </p:txBody>
       </p:sp>
-      <mc:AlternateContent xmlns:mc="http://schemas.openxmlformats.org/markup-compatibility/2006" xmlns:a14="http://schemas.microsoft.com/office/drawing/2010/main">
-        <mc:Choice Requires="a14">
+      <mc:AlternateContent xmlns:mc="http://schemas.openxmlformats.org/markup-compatibility/2006">
+        <mc:Choice xmlns:a14="http://schemas.microsoft.com/office/drawing/2010/main" Requires="a14">
           <p:sp>
             <p:nvSpPr>
               <p:cNvPr id="3" name="Content Placeholder 2">
@@ -4358,7 +4463,7 @@
             <p:spPr/>
             <p:txBody>
               <a:bodyPr>
-                <a:normAutofit lnSpcReduction="10000"/>
+                <a:normAutofit/>
               </a:bodyPr>
               <a:lstStyle/>
               <a:p>
@@ -4985,7 +5090,7 @@
               <a:p>
                 <a:r>
                   <a:rPr lang="en-US" dirty="0"/>
-                  <a:t>The Naïve Bayes machine learning algorithms are based on Bayes’ theorem with the assumption that all variables </a:t>
+                  <a:t>Naïve Bayes is based the assumption that all variables </a:t>
                 </a:r>
                 <a14:m>
                   <m:oMath xmlns:m="http://schemas.openxmlformats.org/officeDocument/2006/math">
@@ -5122,102 +5227,110 @@
                 </a14:m>
                 <a:r>
                   <a:rPr lang="en-US" dirty="0"/>
-                  <a:t> value occurring. If we take all variables </a:t>
+                  <a:t> value occurring, so we can split </a:t>
                 </a:r>
                 <a14:m>
                   <m:oMath xmlns:m="http://schemas.openxmlformats.org/officeDocument/2006/math">
-                    <m:sSub>
-                      <m:sSubPr>
-                        <m:ctrlPr>
-                          <a:rPr lang="en-US" i="1">
-                            <a:latin typeface="Cambria Math" panose="02040503050406030204" pitchFamily="18" charset="0"/>
-                          </a:rPr>
-                        </m:ctrlPr>
-                      </m:sSubPr>
-                      <m:e>
-                        <m:r>
-                          <a:rPr lang="en-US" i="1">
-                            <a:latin typeface="Cambria Math" panose="02040503050406030204" pitchFamily="18" charset="0"/>
-                          </a:rPr>
-                          <m:t>𝑥</m:t>
-                        </m:r>
-                      </m:e>
-                      <m:sub>
-                        <m:r>
-                          <a:rPr lang="en-US" i="1">
-                            <a:latin typeface="Cambria Math" panose="02040503050406030204" pitchFamily="18" charset="0"/>
-                          </a:rPr>
-                          <m:t>1</m:t>
-                        </m:r>
-                      </m:sub>
-                    </m:sSub>
                     <m:r>
                       <a:rPr lang="en-US" i="1">
                         <a:latin typeface="Cambria Math" panose="02040503050406030204" pitchFamily="18" charset="0"/>
                       </a:rPr>
-                      <m:t>, </m:t>
+                      <m:t>𝑃</m:t>
                     </m:r>
-                    <m:sSub>
-                      <m:sSubPr>
+                    <m:d>
+                      <m:dPr>
                         <m:ctrlPr>
                           <a:rPr lang="en-US" i="1">
                             <a:latin typeface="Cambria Math" panose="02040503050406030204" pitchFamily="18" charset="0"/>
                           </a:rPr>
                         </m:ctrlPr>
-                      </m:sSubPr>
+                      </m:dPr>
                       <m:e>
                         <m:r>
                           <a:rPr lang="en-US" i="1">
                             <a:latin typeface="Cambria Math" panose="02040503050406030204" pitchFamily="18" charset="0"/>
                           </a:rPr>
-                          <m:t>𝑥</m:t>
+                          <m:t>𝐴</m:t>
+                        </m:r>
+                        <m:r>
+                          <a:rPr lang="en-US" b="0" i="1" smtClean="0">
+                            <a:latin typeface="Cambria Math" panose="02040503050406030204" pitchFamily="18" charset="0"/>
+                          </a:rPr>
+                          <m:t>,</m:t>
+                        </m:r>
+                        <m:r>
+                          <a:rPr lang="en-US" i="1">
+                            <a:latin typeface="Cambria Math" panose="02040503050406030204" pitchFamily="18" charset="0"/>
+                          </a:rPr>
+                          <m:t> </m:t>
+                        </m:r>
+                        <m:r>
+                          <a:rPr lang="en-US" i="1">
+                            <a:latin typeface="Cambria Math" panose="02040503050406030204" pitchFamily="18" charset="0"/>
+                          </a:rPr>
+                          <m:t>𝐵</m:t>
                         </m:r>
                       </m:e>
-                      <m:sub>
-                        <m:r>
-                          <a:rPr lang="en-US" i="1">
-                            <a:latin typeface="Cambria Math" panose="02040503050406030204" pitchFamily="18" charset="0"/>
-                          </a:rPr>
-                          <m:t>2</m:t>
-                        </m:r>
-                      </m:sub>
-                    </m:sSub>
+                    </m:d>
                     <m:r>
                       <a:rPr lang="en-US" i="1">
                         <a:latin typeface="Cambria Math" panose="02040503050406030204" pitchFamily="18" charset="0"/>
                       </a:rPr>
-                      <m:t>, …, </m:t>
+                      <m:t>=</m:t>
                     </m:r>
-                    <m:sSub>
-                      <m:sSubPr>
-                        <m:ctrlPr>
-                          <a:rPr lang="en-US" i="1">
-                            <a:latin typeface="Cambria Math" panose="02040503050406030204" pitchFamily="18" charset="0"/>
-                          </a:rPr>
-                        </m:ctrlPr>
-                      </m:sSubPr>
-                      <m:e>
-                        <m:r>
-                          <a:rPr lang="en-US" i="1">
-                            <a:latin typeface="Cambria Math" panose="02040503050406030204" pitchFamily="18" charset="0"/>
-                          </a:rPr>
-                          <m:t>𝑥</m:t>
-                        </m:r>
-                      </m:e>
-                      <m:sub>
-                        <m:r>
-                          <a:rPr lang="en-US" i="1">
-                            <a:latin typeface="Cambria Math" panose="02040503050406030204" pitchFamily="18" charset="0"/>
-                          </a:rPr>
-                          <m:t>𝑘</m:t>
-                        </m:r>
-                      </m:sub>
-                    </m:sSub>
+                    <m:r>
+                      <a:rPr lang="en-US" i="1">
+                        <a:latin typeface="Cambria Math" panose="02040503050406030204" pitchFamily="18" charset="0"/>
+                      </a:rPr>
+                      <m:t>𝑃</m:t>
+                    </m:r>
+                    <m:r>
+                      <a:rPr lang="en-US" b="0" i="1" smtClean="0">
+                        <a:latin typeface="Cambria Math" panose="02040503050406030204" pitchFamily="18" charset="0"/>
+                      </a:rPr>
+                      <m:t>(</m:t>
+                    </m:r>
+                    <m:r>
+                      <a:rPr lang="en-US" b="0" i="1" smtClean="0">
+                        <a:latin typeface="Cambria Math" panose="02040503050406030204" pitchFamily="18" charset="0"/>
+                      </a:rPr>
+                      <m:t>𝐵</m:t>
+                    </m:r>
+                    <m:r>
+                      <a:rPr lang="en-US" b="0" i="1" smtClean="0">
+                        <a:latin typeface="Cambria Math" panose="02040503050406030204" pitchFamily="18" charset="0"/>
+                      </a:rPr>
+                      <m:t>)</m:t>
+                    </m:r>
+                    <m:r>
+                      <a:rPr lang="en-US" i="1">
+                        <a:latin typeface="Cambria Math" panose="02040503050406030204" pitchFamily="18" charset="0"/>
+                      </a:rPr>
+                      <m:t>𝑃</m:t>
+                    </m:r>
+                    <m:r>
+                      <a:rPr lang="en-US" i="1">
+                        <a:latin typeface="Cambria Math" panose="02040503050406030204" pitchFamily="18" charset="0"/>
+                      </a:rPr>
+                      <m:t>(</m:t>
+                    </m:r>
+                    <m:r>
+                      <a:rPr lang="en-US" i="1">
+                        <a:latin typeface="Cambria Math" panose="02040503050406030204" pitchFamily="18" charset="0"/>
+                      </a:rPr>
+                      <m:t>𝐴</m:t>
+                    </m:r>
+                    <m:r>
+                      <a:rPr lang="en-US" b="0" i="1" smtClean="0">
+                        <a:latin typeface="Cambria Math" panose="02040503050406030204" pitchFamily="18" charset="0"/>
+                      </a:rPr>
+                      <m:t>)</m:t>
+                    </m:r>
                   </m:oMath>
                 </a14:m>
                 <a:r>
                   <a:rPr lang="en-US" dirty="0"/>
-                  <a:t> as independent, then the following holds:</a:t>
+                  <a:t>. With this independence assumption the above equation becomes:</a:t>
                 </a:r>
               </a:p>
               <a:p>
@@ -5692,7 +5805,7 @@
             </p:txBody>
           </p:sp>
         </mc:Choice>
-        <mc:Fallback xmlns="">
+        <mc:Fallback>
           <p:sp>
             <p:nvSpPr>
               <p:cNvPr id="3" name="Content Placeholder 2">
@@ -5713,7 +5826,7 @@
               <a:blipFill>
                 <a:blip r:embed="rId2"/>
                 <a:stretch>
-                  <a:fillRect l="-545" t="-972" r="-788"/>
+                  <a:fillRect l="-545" t="-810" r="-606"/>
                 </a:stretch>
               </a:blipFill>
             </p:spPr>
@@ -5745,7 +5858,7 @@
 </p:sld>
 </file>
 
-<file path=ppt/slides/slide3.xml><?xml version="1.0" encoding="utf-8"?>
+<file path=ppt/slides/slide4.xml><?xml version="1.0" encoding="utf-8"?>
 <p:sld xmlns:a="http://schemas.openxmlformats.org/drawingml/2006/main" xmlns:r="http://schemas.openxmlformats.org/officeDocument/2006/relationships" xmlns:p="http://schemas.openxmlformats.org/presentationml/2006/main">
   <p:cSld>
     <p:spTree>
@@ -5780,18 +5893,20 @@
         </p:nvSpPr>
         <p:spPr/>
         <p:txBody>
-          <a:bodyPr/>
+          <a:bodyPr>
+            <a:normAutofit/>
+          </a:bodyPr>
           <a:lstStyle/>
           <a:p>
             <a:r>
-              <a:rPr lang="en-US" dirty="0"/>
-              <a:t>Naïve Bayes:</a:t>
+              <a:rPr lang="en-US" sz="4400" dirty="0"/>
+              <a:t>Naïve Bayes</a:t>
             </a:r>
           </a:p>
         </p:txBody>
       </p:sp>
-      <mc:AlternateContent xmlns:mc="http://schemas.openxmlformats.org/markup-compatibility/2006" xmlns:a14="http://schemas.microsoft.com/office/drawing/2010/main">
-        <mc:Choice Requires="a14">
+      <mc:AlternateContent xmlns:mc="http://schemas.openxmlformats.org/markup-compatibility/2006">
+        <mc:Choice xmlns:a14="http://schemas.microsoft.com/office/drawing/2010/main" Requires="a14">
           <p:sp>
             <p:nvSpPr>
               <p:cNvPr id="3" name="Content Placeholder 2">
@@ -5929,7 +6044,7 @@
                 </a14:m>
                 <a:r>
                   <a:rPr lang="en-US" dirty="0"/>
-                  <a:t> (the y value which maximizes the conditional probability equation, </a:t>
+                  <a:t> (the y value which maximizes the conditional probability </a:t>
                 </a:r>
                 <a14:m>
                   <m:oMath xmlns:m="http://schemas.openxmlformats.org/officeDocument/2006/math">
@@ -6059,43 +6174,81 @@
                 </a:r>
               </a:p>
               <a:p>
-                <a:pPr marL="457200" indent="-457200">
-                  <a:buFont typeface="+mj-lt"/>
-                  <a:buAutoNum type="arabicPeriod"/>
+                <a:pPr>
+                  <a:buClrTx/>
+                  <a:buFont typeface="Wingdings" panose="05000000000000000000" pitchFamily="2" charset="2"/>
+                  <a:buChar char="§"/>
                 </a:pPr>
                 <a:r>
-                  <a:rPr lang="en-US" dirty="0" err="1"/>
-                  <a:t>Guassian</a:t>
-                </a:r>
-                <a:r>
-                  <a:rPr lang="en-US" dirty="0"/>
-                  <a:t> Naïve Bayes- supports continuous values and assumes a normal distribution for each class.</a:t>
+                  <a:rPr lang="en-US" sz="1800" dirty="0">
+                    <a:solidFill>
+                      <a:schemeClr val="tx1"/>
+                    </a:solidFill>
+                  </a:rPr>
+                  <a:t> Gaussian Naïve Bayes</a:t>
                 </a:r>
               </a:p>
               <a:p>
-                <a:pPr marL="457200" indent="-457200">
-                  <a:buFont typeface="+mj-lt"/>
-                  <a:buAutoNum type="arabicPeriod"/>
+                <a:pPr>
+                  <a:buClrTx/>
+                  <a:buFont typeface="Wingdings" panose="05000000000000000000" pitchFamily="2" charset="2"/>
+                  <a:buChar char="§"/>
                 </a:pPr>
                 <a:r>
-                  <a:rPr lang="en-US" dirty="0"/>
-                  <a:t>Multinomial Naïve Bayes</a:t>
+                  <a:rPr lang="en-US" sz="1800" dirty="0">
+                    <a:solidFill>
+                      <a:schemeClr val="tx1"/>
+                    </a:solidFill>
+                  </a:rPr>
+                  <a:t> Multinomial and Categorical Naïve Bayes</a:t>
                 </a:r>
               </a:p>
               <a:p>
-                <a:pPr marL="457200" indent="-457200">
-                  <a:buFont typeface="+mj-lt"/>
-                  <a:buAutoNum type="arabicPeriod"/>
+                <a:pPr>
+                  <a:buClrTx/>
+                  <a:buFont typeface="Wingdings" panose="05000000000000000000" pitchFamily="2" charset="2"/>
+                  <a:buChar char="§"/>
                 </a:pPr>
                 <a:r>
-                  <a:rPr lang="en-US" dirty="0"/>
-                  <a:t>Bernoulli Naïve Bayes</a:t>
+                  <a:rPr lang="en-US" sz="1800" dirty="0">
+                    <a:solidFill>
+                      <a:schemeClr val="tx1"/>
+                    </a:solidFill>
+                  </a:rPr>
+                  <a:t> Bernoulli Naïve Bayes</a:t>
                 </a:r>
+              </a:p>
+              <a:p>
+                <a:pPr>
+                  <a:buClrTx/>
+                  <a:buFont typeface="Wingdings" panose="05000000000000000000" pitchFamily="2" charset="2"/>
+                  <a:buChar char="§"/>
+                </a:pPr>
+                <a:r>
+                  <a:rPr lang="en-US" sz="1800" dirty="0">
+                    <a:solidFill>
+                      <a:schemeClr val="tx1"/>
+                    </a:solidFill>
+                  </a:rPr>
+                  <a:t> Complement Naïve Bayes</a:t>
+                </a:r>
+              </a:p>
+              <a:p>
+                <a:pPr>
+                  <a:buClrTx/>
+                  <a:buFont typeface="Wingdings" panose="05000000000000000000" pitchFamily="2" charset="2"/>
+                  <a:buChar char="§"/>
+                </a:pPr>
+                <a:endParaRPr lang="en-US" sz="1800" dirty="0">
+                  <a:solidFill>
+                    <a:schemeClr val="tx1"/>
+                  </a:solidFill>
+                </a:endParaRPr>
               </a:p>
             </p:txBody>
           </p:sp>
         </mc:Choice>
-        <mc:Fallback xmlns="">
+        <mc:Fallback>
           <p:sp>
             <p:nvSpPr>
               <p:cNvPr id="3" name="Content Placeholder 2">
@@ -6139,220 +6292,6 @@
     <p:extLst>
       <p:ext uri="{BB962C8B-B14F-4D97-AF65-F5344CB8AC3E}">
         <p14:creationId xmlns:p14="http://schemas.microsoft.com/office/powerpoint/2010/main" val="605894508"/>
-      </p:ext>
-    </p:extLst>
-  </p:cSld>
-  <p:clrMapOvr>
-    <a:masterClrMapping/>
-  </p:clrMapOvr>
-</p:sld>
-</file>
-
-<file path=ppt/slides/slide4.xml><?xml version="1.0" encoding="utf-8"?>
-<p:sld xmlns:a="http://schemas.openxmlformats.org/drawingml/2006/main" xmlns:r="http://schemas.openxmlformats.org/officeDocument/2006/relationships" xmlns:p="http://schemas.openxmlformats.org/presentationml/2006/main">
-  <p:cSld>
-    <p:spTree>
-      <p:nvGrpSpPr>
-        <p:cNvPr id="1" name=""/>
-        <p:cNvGrpSpPr/>
-        <p:nvPr/>
-      </p:nvGrpSpPr>
-      <p:grpSpPr>
-        <a:xfrm>
-          <a:off x="0" y="0"/>
-          <a:ext cx="0" cy="0"/>
-          <a:chOff x="0" y="0"/>
-          <a:chExt cx="0" cy="0"/>
-        </a:xfrm>
-      </p:grpSpPr>
-      <p:sp>
-        <p:nvSpPr>
-          <p:cNvPr id="2" name="Title 1">
-            <a:extLst>
-              <a:ext uri="{FF2B5EF4-FFF2-40B4-BE49-F238E27FC236}">
-                <a16:creationId xmlns:a16="http://schemas.microsoft.com/office/drawing/2014/main" id="{8BC36D0E-7883-42A2-A009-392310EA20DB}"/>
-              </a:ext>
-            </a:extLst>
-          </p:cNvPr>
-          <p:cNvSpPr>
-            <a:spLocks noGrp="1"/>
-          </p:cNvSpPr>
-          <p:nvPr>
-            <p:ph type="title"/>
-          </p:nvPr>
-        </p:nvSpPr>
-        <p:spPr>
-          <a:xfrm>
-            <a:off x="1097280" y="286603"/>
-            <a:ext cx="10058400" cy="1559952"/>
-          </a:xfrm>
-        </p:spPr>
-        <p:txBody>
-          <a:bodyPr>
-            <a:normAutofit/>
-          </a:bodyPr>
-          <a:lstStyle/>
-          <a:p>
-            <a:r>
-              <a:rPr lang="en-US" dirty="0"/>
-              <a:t>Advantages:</a:t>
-            </a:r>
-          </a:p>
-        </p:txBody>
-      </p:sp>
-      <p:sp>
-        <p:nvSpPr>
-          <p:cNvPr id="3" name="Content Placeholder 2">
-            <a:extLst>
-              <a:ext uri="{FF2B5EF4-FFF2-40B4-BE49-F238E27FC236}">
-                <a16:creationId xmlns:a16="http://schemas.microsoft.com/office/drawing/2014/main" id="{2B026EC1-4B87-451D-97A4-423134E26901}"/>
-              </a:ext>
-            </a:extLst>
-          </p:cNvPr>
-          <p:cNvSpPr>
-            <a:spLocks noGrp="1"/>
-          </p:cNvSpPr>
-          <p:nvPr>
-            <p:ph idx="1"/>
-          </p:nvPr>
-        </p:nvSpPr>
-        <p:spPr>
-          <a:xfrm>
-            <a:off x="1066800" y="1066579"/>
-            <a:ext cx="10058400" cy="4096851"/>
-          </a:xfrm>
-        </p:spPr>
-        <p:txBody>
-          <a:bodyPr/>
-          <a:lstStyle/>
-          <a:p>
-            <a:pPr marL="0" indent="0">
-              <a:buNone/>
-            </a:pPr>
-            <a:endParaRPr lang="en-US" dirty="0"/>
-          </a:p>
-          <a:p>
-            <a:endParaRPr lang="en-US" dirty="0"/>
-          </a:p>
-        </p:txBody>
-      </p:sp>
-      <p:sp>
-        <p:nvSpPr>
-          <p:cNvPr id="6" name="TextBox 5">
-            <a:extLst>
-              <a:ext uri="{FF2B5EF4-FFF2-40B4-BE49-F238E27FC236}">
-                <a16:creationId xmlns:a16="http://schemas.microsoft.com/office/drawing/2014/main" id="{FFA0AA14-0319-4955-B57D-27874D760052}"/>
-              </a:ext>
-            </a:extLst>
-          </p:cNvPr>
-          <p:cNvSpPr txBox="1"/>
-          <p:nvPr/>
-        </p:nvSpPr>
-        <p:spPr>
-          <a:xfrm>
-            <a:off x="1207363" y="2024109"/>
-            <a:ext cx="9948317" cy="3139321"/>
-          </a:xfrm>
-          <a:prstGeom prst="rect">
-            <a:avLst/>
-          </a:prstGeom>
-          <a:noFill/>
-        </p:spPr>
-        <p:txBody>
-          <a:bodyPr wrap="square" rtlCol="0">
-            <a:spAutoFit/>
-          </a:bodyPr>
-          <a:lstStyle/>
-          <a:p>
-            <a:pPr marL="342900" indent="-342900">
-              <a:buAutoNum type="arabicParenR"/>
-            </a:pPr>
-            <a:r>
-              <a:rPr lang="en-US" dirty="0"/>
-              <a:t>Simple to implement</a:t>
-            </a:r>
-          </a:p>
-          <a:p>
-            <a:pPr marL="342900" indent="-342900">
-              <a:buAutoNum type="arabicParenR"/>
-            </a:pPr>
-            <a:endParaRPr lang="en-US" dirty="0"/>
-          </a:p>
-          <a:p>
-            <a:pPr marL="342900" indent="-342900">
-              <a:buAutoNum type="arabicParenR"/>
-            </a:pPr>
-            <a:r>
-              <a:rPr lang="en-US" dirty="0"/>
-              <a:t>Fast and effective in predicting the class of datasets</a:t>
-            </a:r>
-          </a:p>
-          <a:p>
-            <a:pPr marL="342900" indent="-342900">
-              <a:buAutoNum type="arabicParenR"/>
-            </a:pPr>
-            <a:endParaRPr lang="en-US" dirty="0"/>
-          </a:p>
-          <a:p>
-            <a:pPr marL="342900" indent="-342900">
-              <a:buAutoNum type="arabicParenR"/>
-            </a:pPr>
-            <a:r>
-              <a:rPr lang="en-US" dirty="0"/>
-              <a:t>Doesn’t require a large test set to work well</a:t>
-            </a:r>
-          </a:p>
-          <a:p>
-            <a:pPr marL="342900" indent="-342900">
-              <a:buAutoNum type="arabicParenR"/>
-            </a:pPr>
-            <a:endParaRPr lang="en-US" dirty="0"/>
-          </a:p>
-          <a:p>
-            <a:pPr marL="342900" indent="-342900">
-              <a:buAutoNum type="arabicParenR"/>
-            </a:pPr>
-            <a:r>
-              <a:rPr lang="en-US" dirty="0"/>
-              <a:t>Can handle both discrete and continuous data</a:t>
-            </a:r>
-          </a:p>
-          <a:p>
-            <a:pPr marL="342900" indent="-342900">
-              <a:buAutoNum type="arabicParenR"/>
-            </a:pPr>
-            <a:endParaRPr lang="en-US" dirty="0"/>
-          </a:p>
-          <a:p>
-            <a:pPr marL="342900" indent="-342900">
-              <a:buAutoNum type="arabicParenR"/>
-            </a:pPr>
-            <a:r>
-              <a:rPr lang="en-US" dirty="0"/>
-              <a:t>Useful for text analysis and classification problems</a:t>
-            </a:r>
-          </a:p>
-          <a:p>
-            <a:pPr marL="342900" indent="-342900">
-              <a:buAutoNum type="arabicParenR"/>
-            </a:pPr>
-            <a:endParaRPr lang="en-US" dirty="0"/>
-          </a:p>
-          <a:p>
-            <a:pPr marL="342900" indent="-342900">
-              <a:buAutoNum type="arabicParenR"/>
-            </a:pPr>
-            <a:r>
-              <a:rPr lang="en-US" dirty="0"/>
-              <a:t>Can be used for multiple class prediction problems</a:t>
-            </a:r>
-          </a:p>
-        </p:txBody>
-      </p:sp>
-    </p:spTree>
-    <p:extLst>
-      <p:ext uri="{BB962C8B-B14F-4D97-AF65-F5344CB8AC3E}">
-        <p14:creationId xmlns:p14="http://schemas.microsoft.com/office/powerpoint/2010/main" val="2202894520"/>
       </p:ext>
     </p:extLst>
   </p:cSld>
@@ -6408,8 +6347,8 @@
           <a:lstStyle/>
           <a:p>
             <a:r>
-              <a:rPr lang="en-US" dirty="0"/>
-              <a:t>Disadvantages:</a:t>
+              <a:rPr lang="en-US" sz="4400" dirty="0"/>
+              <a:t>Advantages:</a:t>
             </a:r>
           </a:p>
         </p:txBody>
@@ -6432,7 +6371,232 @@
         </p:nvSpPr>
         <p:spPr>
           <a:xfrm>
-            <a:off x="1066800" y="1066579"/>
+            <a:off x="1066800" y="1846555"/>
+            <a:ext cx="10058400" cy="4096851"/>
+          </a:xfrm>
+        </p:spPr>
+        <p:txBody>
+          <a:bodyPr/>
+          <a:lstStyle/>
+          <a:p>
+            <a:pPr marL="0" indent="0">
+              <a:buNone/>
+            </a:pPr>
+            <a:endParaRPr lang="en-US" dirty="0"/>
+          </a:p>
+          <a:p>
+            <a:endParaRPr lang="en-US" dirty="0"/>
+          </a:p>
+        </p:txBody>
+      </p:sp>
+      <p:sp>
+        <p:nvSpPr>
+          <p:cNvPr id="6" name="TextBox 5">
+            <a:extLst>
+              <a:ext uri="{FF2B5EF4-FFF2-40B4-BE49-F238E27FC236}">
+                <a16:creationId xmlns:a16="http://schemas.microsoft.com/office/drawing/2014/main" id="{FFA0AA14-0319-4955-B57D-27874D760052}"/>
+              </a:ext>
+            </a:extLst>
+          </p:cNvPr>
+          <p:cNvSpPr txBox="1"/>
+          <p:nvPr/>
+        </p:nvSpPr>
+        <p:spPr>
+          <a:xfrm>
+            <a:off x="1207363" y="2024109"/>
+            <a:ext cx="9948317" cy="3139321"/>
+          </a:xfrm>
+          <a:prstGeom prst="rect">
+            <a:avLst/>
+          </a:prstGeom>
+          <a:noFill/>
+        </p:spPr>
+        <p:txBody>
+          <a:bodyPr wrap="square" rtlCol="0">
+            <a:spAutoFit/>
+          </a:bodyPr>
+          <a:lstStyle/>
+          <a:p>
+            <a:pPr marL="342900" indent="-342900">
+              <a:buFont typeface="Wingdings" panose="05000000000000000000" pitchFamily="2" charset="2"/>
+              <a:buChar char="§"/>
+            </a:pPr>
+            <a:r>
+              <a:rPr lang="en-US" dirty="0"/>
+              <a:t>Simple to implement</a:t>
+            </a:r>
+          </a:p>
+          <a:p>
+            <a:pPr marL="342900" indent="-342900">
+              <a:buFont typeface="Wingdings" panose="05000000000000000000" pitchFamily="2" charset="2"/>
+              <a:buChar char="§"/>
+            </a:pPr>
+            <a:endParaRPr lang="en-US" dirty="0"/>
+          </a:p>
+          <a:p>
+            <a:pPr marL="342900" indent="-342900">
+              <a:buFont typeface="Wingdings" panose="05000000000000000000" pitchFamily="2" charset="2"/>
+              <a:buChar char="§"/>
+            </a:pPr>
+            <a:r>
+              <a:rPr lang="en-US" dirty="0"/>
+              <a:t>Fast and effective in predicting the class of datasets</a:t>
+            </a:r>
+          </a:p>
+          <a:p>
+            <a:pPr marL="342900" indent="-342900">
+              <a:buFont typeface="Wingdings" panose="05000000000000000000" pitchFamily="2" charset="2"/>
+              <a:buChar char="§"/>
+            </a:pPr>
+            <a:endParaRPr lang="en-US" dirty="0"/>
+          </a:p>
+          <a:p>
+            <a:pPr marL="342900" indent="-342900">
+              <a:buFont typeface="Wingdings" panose="05000000000000000000" pitchFamily="2" charset="2"/>
+              <a:buChar char="§"/>
+            </a:pPr>
+            <a:r>
+              <a:rPr lang="en-US" dirty="0"/>
+              <a:t>Doesn’t require a large test set to work well</a:t>
+            </a:r>
+          </a:p>
+          <a:p>
+            <a:pPr marL="342900" indent="-342900">
+              <a:buFont typeface="Wingdings" panose="05000000000000000000" pitchFamily="2" charset="2"/>
+              <a:buChar char="§"/>
+            </a:pPr>
+            <a:endParaRPr lang="en-US" dirty="0"/>
+          </a:p>
+          <a:p>
+            <a:pPr marL="342900" indent="-342900">
+              <a:buFont typeface="Wingdings" panose="05000000000000000000" pitchFamily="2" charset="2"/>
+              <a:buChar char="§"/>
+            </a:pPr>
+            <a:r>
+              <a:rPr lang="en-US" dirty="0"/>
+              <a:t>Can handle both discrete and continuous data</a:t>
+            </a:r>
+          </a:p>
+          <a:p>
+            <a:pPr marL="342900" indent="-342900">
+              <a:buFont typeface="Wingdings" panose="05000000000000000000" pitchFamily="2" charset="2"/>
+              <a:buChar char="§"/>
+            </a:pPr>
+            <a:endParaRPr lang="en-US" dirty="0"/>
+          </a:p>
+          <a:p>
+            <a:pPr marL="342900" indent="-342900">
+              <a:buFont typeface="Wingdings" panose="05000000000000000000" pitchFamily="2" charset="2"/>
+              <a:buChar char="§"/>
+            </a:pPr>
+            <a:r>
+              <a:rPr lang="en-US" dirty="0"/>
+              <a:t>Useful for text analysis and classification problems</a:t>
+            </a:r>
+          </a:p>
+          <a:p>
+            <a:pPr marL="342900" indent="-342900">
+              <a:buFont typeface="Wingdings" panose="05000000000000000000" pitchFamily="2" charset="2"/>
+              <a:buChar char="§"/>
+            </a:pPr>
+            <a:endParaRPr lang="en-US" dirty="0"/>
+          </a:p>
+          <a:p>
+            <a:pPr marL="342900" indent="-342900">
+              <a:buFont typeface="Wingdings" panose="05000000000000000000" pitchFamily="2" charset="2"/>
+              <a:buChar char="§"/>
+            </a:pPr>
+            <a:r>
+              <a:rPr lang="en-US" dirty="0"/>
+              <a:t>Can be used for multiple class prediction problems</a:t>
+            </a:r>
+          </a:p>
+        </p:txBody>
+      </p:sp>
+    </p:spTree>
+    <p:extLst>
+      <p:ext uri="{BB962C8B-B14F-4D97-AF65-F5344CB8AC3E}">
+        <p14:creationId xmlns:p14="http://schemas.microsoft.com/office/powerpoint/2010/main" val="2202894520"/>
+      </p:ext>
+    </p:extLst>
+  </p:cSld>
+  <p:clrMapOvr>
+    <a:masterClrMapping/>
+  </p:clrMapOvr>
+</p:sld>
+</file>
+
+<file path=ppt/slides/slide6.xml><?xml version="1.0" encoding="utf-8"?>
+<p:sld xmlns:a="http://schemas.openxmlformats.org/drawingml/2006/main" xmlns:r="http://schemas.openxmlformats.org/officeDocument/2006/relationships" xmlns:p="http://schemas.openxmlformats.org/presentationml/2006/main">
+  <p:cSld>
+    <p:spTree>
+      <p:nvGrpSpPr>
+        <p:cNvPr id="1" name=""/>
+        <p:cNvGrpSpPr/>
+        <p:nvPr/>
+      </p:nvGrpSpPr>
+      <p:grpSpPr>
+        <a:xfrm>
+          <a:off x="0" y="0"/>
+          <a:ext cx="0" cy="0"/>
+          <a:chOff x="0" y="0"/>
+          <a:chExt cx="0" cy="0"/>
+        </a:xfrm>
+      </p:grpSpPr>
+      <p:sp>
+        <p:nvSpPr>
+          <p:cNvPr id="2" name="Title 1">
+            <a:extLst>
+              <a:ext uri="{FF2B5EF4-FFF2-40B4-BE49-F238E27FC236}">
+                <a16:creationId xmlns:a16="http://schemas.microsoft.com/office/drawing/2014/main" id="{8BC36D0E-7883-42A2-A009-392310EA20DB}"/>
+              </a:ext>
+            </a:extLst>
+          </p:cNvPr>
+          <p:cNvSpPr>
+            <a:spLocks noGrp="1"/>
+          </p:cNvSpPr>
+          <p:nvPr>
+            <p:ph type="title"/>
+          </p:nvPr>
+        </p:nvSpPr>
+        <p:spPr>
+          <a:xfrm>
+            <a:off x="1097280" y="286603"/>
+            <a:ext cx="10058400" cy="1559952"/>
+          </a:xfrm>
+        </p:spPr>
+        <p:txBody>
+          <a:bodyPr>
+            <a:normAutofit/>
+          </a:bodyPr>
+          <a:lstStyle/>
+          <a:p>
+            <a:r>
+              <a:rPr lang="en-US" sz="4400" dirty="0"/>
+              <a:t>Disadvantages:</a:t>
+            </a:r>
+          </a:p>
+        </p:txBody>
+      </p:sp>
+      <p:sp>
+        <p:nvSpPr>
+          <p:cNvPr id="3" name="Content Placeholder 2">
+            <a:extLst>
+              <a:ext uri="{FF2B5EF4-FFF2-40B4-BE49-F238E27FC236}">
+                <a16:creationId xmlns:a16="http://schemas.microsoft.com/office/drawing/2014/main" id="{2B026EC1-4B87-451D-97A4-423134E26901}"/>
+              </a:ext>
+            </a:extLst>
+          </p:cNvPr>
+          <p:cNvSpPr>
+            <a:spLocks noGrp="1"/>
+          </p:cNvSpPr>
+          <p:nvPr>
+            <p:ph idx="1"/>
+          </p:nvPr>
+        </p:nvSpPr>
+        <p:spPr>
+          <a:xfrm>
+            <a:off x="1036320" y="1924996"/>
             <a:ext cx="10058400" cy="4096851"/>
           </a:xfrm>
         </p:spPr>
@@ -6479,7 +6643,8 @@
           <a:lstStyle/>
           <a:p>
             <a:pPr marL="342900" indent="-342900">
-              <a:buAutoNum type="arabicParenR"/>
+              <a:buFont typeface="Wingdings" panose="05000000000000000000" pitchFamily="2" charset="2"/>
+              <a:buChar char="§"/>
             </a:pPr>
             <a:r>
               <a:rPr lang="en-US" dirty="0"/>
@@ -6488,13 +6653,15 @@
           </a:p>
           <a:p>
             <a:pPr marL="342900" indent="-342900">
-              <a:buAutoNum type="arabicParenR"/>
+              <a:buFont typeface="Wingdings" panose="05000000000000000000" pitchFamily="2" charset="2"/>
+              <a:buChar char="§"/>
             </a:pPr>
             <a:endParaRPr lang="en-US" dirty="0"/>
           </a:p>
           <a:p>
             <a:pPr marL="342900" indent="-342900">
-              <a:buAutoNum type="arabicParenR"/>
+              <a:buFont typeface="Wingdings" panose="05000000000000000000" pitchFamily="2" charset="2"/>
+              <a:buChar char="§"/>
             </a:pPr>
             <a:r>
               <a:rPr lang="en-US" dirty="0"/>
@@ -6503,13 +6670,15 @@
           </a:p>
           <a:p>
             <a:pPr marL="342900" indent="-342900">
-              <a:buAutoNum type="arabicParenR"/>
+              <a:buFont typeface="Wingdings" panose="05000000000000000000" pitchFamily="2" charset="2"/>
+              <a:buChar char="§"/>
             </a:pPr>
             <a:endParaRPr lang="en-US" dirty="0"/>
           </a:p>
           <a:p>
             <a:pPr marL="342900" indent="-342900">
-              <a:buAutoNum type="arabicParenR"/>
+              <a:buFont typeface="Wingdings" panose="05000000000000000000" pitchFamily="2" charset="2"/>
+              <a:buChar char="§"/>
             </a:pPr>
             <a:r>
               <a:rPr lang="en-US" dirty="0"/>
@@ -6531,7 +6700,7 @@
 </p:sld>
 </file>
 
-<file path=ppt/slides/slide6.xml><?xml version="1.0" encoding="utf-8"?>
+<file path=ppt/slides/slide7.xml><?xml version="1.0" encoding="utf-8"?>
 <p:sld xmlns:a="http://schemas.openxmlformats.org/drawingml/2006/main" xmlns:r="http://schemas.openxmlformats.org/officeDocument/2006/relationships" xmlns:p="http://schemas.openxmlformats.org/presentationml/2006/main">
   <p:cSld>
     <p:spTree>
@@ -6573,14 +6742,55 @@
           <a:p>
             <a:pPr algn="ctr"/>
             <a:r>
+              <a:rPr lang="en-US" sz="4000" dirty="0">
+                <a:solidFill>
+                  <a:srgbClr val="212529"/>
+                </a:solidFill>
+              </a:rPr>
+              <a:t>D</a:t>
+            </a:r>
+            <a:r>
               <a:rPr lang="en-US" sz="4000" b="0" i="0" dirty="0">
                 <a:solidFill>
                   <a:srgbClr val="212529"/>
                 </a:solidFill>
                 <a:effectLst/>
-                <a:latin typeface="Helvetica" panose="020B0604020202020204" pitchFamily="34" charset="0"/>
               </a:rPr>
-              <a:t>What data processing steps does the algorithm require</a:t>
+              <a:t>ata </a:t>
+            </a:r>
+            <a:r>
+              <a:rPr lang="en-US" sz="4000" dirty="0">
+                <a:solidFill>
+                  <a:srgbClr val="212529"/>
+                </a:solidFill>
+              </a:rPr>
+              <a:t>P</a:t>
+            </a:r>
+            <a:r>
+              <a:rPr lang="en-US" sz="4000" b="0" i="0" dirty="0">
+                <a:solidFill>
+                  <a:srgbClr val="212529"/>
+                </a:solidFill>
+                <a:effectLst/>
+              </a:rPr>
+              <a:t>rocessing </a:t>
+            </a:r>
+            <a:r>
+              <a:rPr lang="en-US" sz="4000" dirty="0">
+                <a:solidFill>
+                  <a:srgbClr val="212529"/>
+                </a:solidFill>
+              </a:rPr>
+              <a:t>S</a:t>
+            </a:r>
+            <a:r>
+              <a:rPr lang="en-US" sz="4000" b="0" i="0" dirty="0">
+                <a:solidFill>
+                  <a:srgbClr val="212529"/>
+                </a:solidFill>
+                <a:effectLst/>
+              </a:rPr>
+              <a:t>teps</a:t>
             </a:r>
             <a:endParaRPr lang="en-US" sz="4000" dirty="0"/>
           </a:p>
@@ -6619,12 +6829,11 @@
               <a:buChar char="§"/>
             </a:pPr>
             <a:r>
-              <a:rPr lang="en-US" sz="2000" b="1" i="0" u="none" strike="noStrike" dirty="0">
+              <a:rPr lang="en-US" sz="2000" i="0" u="none" strike="noStrike" dirty="0">
                 <a:solidFill>
                   <a:srgbClr val="212529"/>
                 </a:solidFill>
                 <a:effectLst/>
-                <a:latin typeface="Arial" panose="020B0604020202020204" pitchFamily="34" charset="0"/>
               </a:rPr>
               <a:t>Convert categorical features to numeric (get dummies)</a:t>
             </a:r>
@@ -6634,12 +6843,11 @@
               <a:buFont typeface="Wingdings" panose="05000000000000000000" pitchFamily="2" charset="2"/>
               <a:buChar char="§"/>
             </a:pPr>
-            <a:endParaRPr lang="en-US" sz="2000" b="1" i="0" u="none" strike="noStrike" dirty="0">
+            <a:endParaRPr lang="en-US" sz="2000" i="0" u="none" strike="noStrike" dirty="0">
               <a:solidFill>
                 <a:srgbClr val="212529"/>
               </a:solidFill>
               <a:effectLst/>
-              <a:latin typeface="Arial" panose="020B0604020202020204" pitchFamily="34" charset="0"/>
             </a:endParaRPr>
           </a:p>
           <a:p>
@@ -6648,12 +6856,11 @@
               <a:buChar char="§"/>
             </a:pPr>
             <a:r>
-              <a:rPr lang="en-US" sz="2000" b="1" i="0" u="none" strike="noStrike" dirty="0">
+              <a:rPr lang="en-US" sz="2000" i="0" u="none" strike="noStrike" dirty="0">
                 <a:solidFill>
                   <a:srgbClr val="212529"/>
                 </a:solidFill>
                 <a:effectLst/>
-                <a:latin typeface="Arial" panose="020B0604020202020204" pitchFamily="34" charset="0"/>
               </a:rPr>
               <a:t>Handle missing data. Drop or impute</a:t>
             </a:r>
@@ -6663,11 +6870,10 @@
               <a:buFont typeface="Wingdings" panose="05000000000000000000" pitchFamily="2" charset="2"/>
               <a:buChar char="§"/>
             </a:pPr>
-            <a:endParaRPr lang="en-US" sz="2000" b="1" dirty="0">
+            <a:endParaRPr lang="en-US" sz="2000" dirty="0">
               <a:solidFill>
                 <a:srgbClr val="212529"/>
               </a:solidFill>
-              <a:latin typeface="Arial" panose="020B0604020202020204" pitchFamily="34" charset="0"/>
             </a:endParaRPr>
           </a:p>
           <a:p>
@@ -6676,12 +6882,11 @@
               <a:buChar char="§"/>
             </a:pPr>
             <a:r>
-              <a:rPr lang="en-US" sz="2000" b="1" i="0" u="none" strike="noStrike" dirty="0">
+              <a:rPr lang="en-US" sz="2000" i="0" u="none" strike="noStrike" dirty="0">
                 <a:solidFill>
                   <a:srgbClr val="212529"/>
                 </a:solidFill>
                 <a:effectLst/>
-                <a:latin typeface="Arial" panose="020B0604020202020204" pitchFamily="34" charset="0"/>
               </a:rPr>
               <a:t>Identify outliers, remove or convert into numbers</a:t>
             </a:r>
@@ -6691,12 +6896,11 @@
               <a:buFont typeface="Wingdings" panose="05000000000000000000" pitchFamily="2" charset="2"/>
               <a:buChar char="§"/>
             </a:pPr>
-            <a:endParaRPr lang="en-US" sz="2000" b="1" i="0" u="none" strike="noStrike" dirty="0">
+            <a:endParaRPr lang="en-US" sz="2000" i="0" u="none" strike="noStrike" dirty="0">
               <a:solidFill>
                 <a:srgbClr val="212529"/>
               </a:solidFill>
               <a:effectLst/>
-              <a:latin typeface="Arial" panose="020B0604020202020204" pitchFamily="34" charset="0"/>
             </a:endParaRPr>
           </a:p>
           <a:p>
@@ -6705,12 +6909,11 @@
               <a:buChar char="§"/>
             </a:pPr>
             <a:r>
-              <a:rPr lang="en-US" sz="2000" b="1" i="0" u="none" strike="noStrike" dirty="0">
+              <a:rPr lang="en-US" sz="2000" i="0" u="none" strike="noStrike" dirty="0">
                 <a:solidFill>
                   <a:srgbClr val="212529"/>
                 </a:solidFill>
                 <a:effectLst/>
-                <a:latin typeface="Arial" panose="020B0604020202020204" pitchFamily="34" charset="0"/>
               </a:rPr>
               <a:t>Separate dependent feature from independent features</a:t>
             </a:r>
@@ -6720,11 +6923,10 @@
               <a:buFont typeface="Wingdings" panose="05000000000000000000" pitchFamily="2" charset="2"/>
               <a:buChar char="§"/>
             </a:pPr>
-            <a:endParaRPr lang="en-US" sz="2000" b="1" dirty="0">
+            <a:endParaRPr lang="en-US" sz="2000" dirty="0">
               <a:solidFill>
                 <a:srgbClr val="212529"/>
               </a:solidFill>
-              <a:latin typeface="Arial" panose="020B0604020202020204" pitchFamily="34" charset="0"/>
             </a:endParaRPr>
           </a:p>
           <a:p>
@@ -6733,23 +6935,21 @@
               <a:buChar char="§"/>
             </a:pPr>
             <a:r>
-              <a:rPr lang="en-US" sz="2000" b="1" i="0" u="none" strike="noStrike" dirty="0">
+              <a:rPr lang="en-US" sz="2000" i="0" u="none" strike="noStrike" dirty="0">
                 <a:solidFill>
                   <a:srgbClr val="212529"/>
                 </a:solidFill>
                 <a:effectLst/>
-                <a:latin typeface="Arial" panose="020B0604020202020204" pitchFamily="34" charset="0"/>
               </a:rPr>
               <a:t>Gaussian- continuous data, need to be distributed normally</a:t>
             </a:r>
           </a:p>
           <a:p>
-            <a:endParaRPr lang="en-US" sz="2000" b="1" i="0" u="none" strike="noStrike" dirty="0">
+            <a:endParaRPr lang="en-US" sz="2000" i="0" u="none" strike="noStrike" dirty="0">
               <a:solidFill>
                 <a:srgbClr val="212529"/>
               </a:solidFill>
               <a:effectLst/>
-              <a:latin typeface="Arial" panose="020B0604020202020204" pitchFamily="34" charset="0"/>
             </a:endParaRPr>
           </a:p>
           <a:p>
@@ -6758,12 +6958,11 @@
               <a:buChar char="§"/>
             </a:pPr>
             <a:r>
-              <a:rPr lang="en-US" sz="2000" b="1" i="0" u="none" strike="noStrike" dirty="0">
+              <a:rPr lang="en-US" sz="2000" i="0" u="none" strike="noStrike" dirty="0">
                 <a:solidFill>
                   <a:srgbClr val="212529"/>
                 </a:solidFill>
                 <a:effectLst/>
-                <a:latin typeface="Arial" panose="020B0604020202020204" pitchFamily="34" charset="0"/>
               </a:rPr>
               <a:t>Data smoothing- so that no probabilities are completely zero</a:t>
             </a:r>
@@ -6786,7 +6985,7 @@
 </p:sld>
 </file>
 
-<file path=ppt/slides/slide7.xml><?xml version="1.0" encoding="utf-8"?>
+<file path=ppt/slides/slide8.xml><?xml version="1.0" encoding="utf-8"?>
 <p:sld xmlns:a="http://schemas.openxmlformats.org/drawingml/2006/main" xmlns:r="http://schemas.openxmlformats.org/officeDocument/2006/relationships" xmlns:p="http://schemas.openxmlformats.org/presentationml/2006/main">
   <p:cSld>
     <p:spTree>
@@ -6833,450 +7032,14 @@
           <a:p>
             <a:pPr algn="ctr"/>
             <a:r>
-              <a:rPr lang="en-US" sz="3000" b="1" dirty="0">
+              <a:rPr lang="en-US" sz="4400" dirty="0">
                 <a:solidFill>
                   <a:schemeClr val="tx1"/>
                 </a:solidFill>
-                <a:latin typeface="Calibri" panose="020F0502020204030204" pitchFamily="34" charset="0"/>
                 <a:cs typeface="Calibri" panose="020F0502020204030204" pitchFamily="34" charset="0"/>
               </a:rPr>
-              <a:t>These are the most commonly adjusted hyperparameters with different Naive Bayes Algorithms</a:t>
-            </a:r>
-          </a:p>
-        </p:txBody>
-      </p:sp>
-      <p:sp>
-        <p:nvSpPr>
-          <p:cNvPr id="9" name="Content Placeholder 8">
-            <a:extLst>
-              <a:ext uri="{FF2B5EF4-FFF2-40B4-BE49-F238E27FC236}">
-                <a16:creationId xmlns:a16="http://schemas.microsoft.com/office/drawing/2014/main" id="{8F784569-B28B-46FF-8FEA-F338AA42940A}"/>
-              </a:ext>
-            </a:extLst>
-          </p:cNvPr>
-          <p:cNvSpPr>
-            <a:spLocks noGrp="1"/>
-          </p:cNvSpPr>
-          <p:nvPr>
-            <p:ph sz="half" idx="2"/>
-          </p:nvPr>
-        </p:nvSpPr>
-        <p:spPr>
-          <a:xfrm>
-            <a:off x="1097279" y="3812460"/>
-            <a:ext cx="4639735" cy="2490017"/>
-          </a:xfrm>
-        </p:spPr>
-        <p:txBody>
-          <a:bodyPr>
-            <a:normAutofit/>
-          </a:bodyPr>
-          <a:lstStyle/>
-          <a:p>
-            <a:pPr marL="0" indent="0" algn="l">
-              <a:buNone/>
-            </a:pPr>
-            <a:r>
-              <a:rPr lang="en-US" sz="2000" b="1" i="0" dirty="0">
-                <a:solidFill>
-                  <a:srgbClr val="484848"/>
-                </a:solidFill>
-                <a:effectLst/>
-                <a:latin typeface="Calibri" panose="020F0502020204030204" pitchFamily="34" charset="0"/>
-                <a:cs typeface="Calibri" panose="020F0502020204030204" pitchFamily="34" charset="0"/>
-              </a:rPr>
-              <a:t>Multinomial </a:t>
-            </a:r>
-            <a:r>
-              <a:rPr lang="en-US" sz="2000" b="1" dirty="0">
-                <a:solidFill>
-                  <a:srgbClr val="484848"/>
-                </a:solidFill>
-                <a:latin typeface="Calibri" panose="020F0502020204030204" pitchFamily="34" charset="0"/>
-                <a:cs typeface="Calibri" panose="020F0502020204030204" pitchFamily="34" charset="0"/>
-              </a:rPr>
-              <a:t>and </a:t>
-            </a:r>
-            <a:r>
-              <a:rPr lang="en-US" sz="2000" b="1" i="0" dirty="0">
-                <a:solidFill>
-                  <a:srgbClr val="484848"/>
-                </a:solidFill>
-                <a:effectLst/>
-                <a:latin typeface="Calibri" panose="020F0502020204030204" pitchFamily="34" charset="0"/>
-                <a:cs typeface="Calibri" panose="020F0502020204030204" pitchFamily="34" charset="0"/>
-              </a:rPr>
-              <a:t>Categorical Naive Bayes</a:t>
-            </a:r>
-          </a:p>
-          <a:p>
-            <a:pPr algn="l"/>
-            <a:r>
-              <a:rPr lang="en-US" sz="2000" b="1" dirty="0">
-                <a:latin typeface="Calibri" panose="020F0502020204030204" pitchFamily="34" charset="0"/>
-                <a:cs typeface="Calibri" panose="020F0502020204030204" pitchFamily="34" charset="0"/>
-              </a:rPr>
-              <a:t>◼</a:t>
-            </a:r>
-            <a:r>
-              <a:rPr lang="en-US" sz="2000" b="1" dirty="0">
-                <a:solidFill>
-                  <a:srgbClr val="484848"/>
-                </a:solidFill>
-                <a:latin typeface="Calibri" panose="020F0502020204030204" pitchFamily="34" charset="0"/>
-                <a:cs typeface="Calibri" panose="020F0502020204030204" pitchFamily="34" charset="0"/>
-              </a:rPr>
-              <a:t> alpha </a:t>
-            </a:r>
-          </a:p>
-          <a:p>
-            <a:pPr algn="l"/>
-            <a:r>
-              <a:rPr lang="en-US" sz="2000" b="1" dirty="0">
-                <a:latin typeface="Calibri" panose="020F0502020204030204" pitchFamily="34" charset="0"/>
-                <a:cs typeface="Calibri" panose="020F0502020204030204" pitchFamily="34" charset="0"/>
-              </a:rPr>
-              <a:t>◼</a:t>
-            </a:r>
-            <a:r>
-              <a:rPr lang="en-US" sz="2000" b="1" dirty="0" err="1">
-                <a:solidFill>
-                  <a:srgbClr val="484848"/>
-                </a:solidFill>
-                <a:latin typeface="Calibri" panose="020F0502020204030204" pitchFamily="34" charset="0"/>
-                <a:cs typeface="Calibri" panose="020F0502020204030204" pitchFamily="34" charset="0"/>
-              </a:rPr>
-              <a:t>fit_prior</a:t>
-            </a:r>
-            <a:endParaRPr lang="en-US" sz="2000" b="1" dirty="0">
-              <a:solidFill>
-                <a:srgbClr val="484848"/>
-              </a:solidFill>
-              <a:latin typeface="Calibri" panose="020F0502020204030204" pitchFamily="34" charset="0"/>
-              <a:cs typeface="Calibri" panose="020F0502020204030204" pitchFamily="34" charset="0"/>
-            </a:endParaRPr>
-          </a:p>
-          <a:p>
-            <a:pPr marL="0" indent="0" algn="l">
-              <a:buNone/>
-            </a:pPr>
-            <a:endParaRPr lang="en-US" sz="2000" b="1" i="0" dirty="0">
-              <a:solidFill>
-                <a:srgbClr val="484848"/>
-              </a:solidFill>
-              <a:effectLst/>
-              <a:latin typeface="Calibri" panose="020F0502020204030204" pitchFamily="34" charset="0"/>
-              <a:cs typeface="Calibri" panose="020F0502020204030204" pitchFamily="34" charset="0"/>
-            </a:endParaRPr>
-          </a:p>
-        </p:txBody>
-      </p:sp>
-      <p:sp>
-        <p:nvSpPr>
-          <p:cNvPr id="18" name="Content Placeholder 8">
-            <a:extLst>
-              <a:ext uri="{FF2B5EF4-FFF2-40B4-BE49-F238E27FC236}">
-                <a16:creationId xmlns:a16="http://schemas.microsoft.com/office/drawing/2014/main" id="{83C746A6-54D7-430E-BC1E-070FB253A991}"/>
-              </a:ext>
-            </a:extLst>
-          </p:cNvPr>
-          <p:cNvSpPr txBox="1">
-            <a:spLocks/>
-          </p:cNvSpPr>
-          <p:nvPr/>
-        </p:nvSpPr>
-        <p:spPr>
-          <a:xfrm>
-            <a:off x="1097279" y="1897627"/>
-            <a:ext cx="4792135" cy="1531374"/>
-          </a:xfrm>
-          <a:prstGeom prst="rect">
-            <a:avLst/>
-          </a:prstGeom>
-        </p:spPr>
-        <p:txBody>
-          <a:bodyPr vert="horz" lIns="0" tIns="45720" rIns="0" bIns="45720" rtlCol="0">
-            <a:noAutofit/>
-          </a:bodyPr>
-          <a:lstStyle>
-            <a:lvl1pPr marL="91440" indent="-91440" algn="l" defTabSz="914400" rtl="0" eaLnBrk="1" latinLnBrk="0" hangingPunct="1">
-              <a:lnSpc>
-                <a:spcPct val="110000"/>
-              </a:lnSpc>
-              <a:spcBef>
-                <a:spcPts val="1200"/>
-              </a:spcBef>
-              <a:spcAft>
-                <a:spcPts val="200"/>
-              </a:spcAft>
-              <a:buClr>
-                <a:schemeClr val="accent1"/>
-              </a:buClr>
-              <a:buSzPct val="100000"/>
-              <a:buFont typeface="Calibri" panose="020F0502020204030204" pitchFamily="34" charset="0"/>
-              <a:buChar char=" "/>
-              <a:defRPr sz="1900" kern="1200">
-                <a:solidFill>
-                  <a:schemeClr val="tx1">
-                    <a:lumMod val="75000"/>
-                    <a:lumOff val="25000"/>
-                  </a:schemeClr>
-                </a:solidFill>
-                <a:latin typeface="+mn-lt"/>
-                <a:ea typeface="+mn-ea"/>
-                <a:cs typeface="+mn-cs"/>
-              </a:defRPr>
-            </a:lvl1pPr>
-            <a:lvl2pPr marL="384048" indent="-182880" algn="l" defTabSz="914400" rtl="0" eaLnBrk="1" latinLnBrk="0" hangingPunct="1">
-              <a:lnSpc>
-                <a:spcPct val="100000"/>
-              </a:lnSpc>
-              <a:spcBef>
-                <a:spcPts val="200"/>
-              </a:spcBef>
-              <a:spcAft>
-                <a:spcPts val="400"/>
-              </a:spcAft>
-              <a:buClrTx/>
-              <a:buFont typeface="Calibri" pitchFamily="34" charset="0"/>
-              <a:buChar char="◦"/>
-              <a:defRPr sz="1700" kern="1200">
-                <a:solidFill>
-                  <a:schemeClr val="tx1">
-                    <a:lumMod val="75000"/>
-                    <a:lumOff val="25000"/>
-                  </a:schemeClr>
-                </a:solidFill>
-                <a:latin typeface="+mn-lt"/>
-                <a:ea typeface="+mn-ea"/>
-                <a:cs typeface="+mn-cs"/>
-              </a:defRPr>
-            </a:lvl2pPr>
-            <a:lvl3pPr marL="566928" indent="-182880" algn="l" defTabSz="914400" rtl="0" eaLnBrk="1" latinLnBrk="0" hangingPunct="1">
-              <a:lnSpc>
-                <a:spcPct val="100000"/>
-              </a:lnSpc>
-              <a:spcBef>
-                <a:spcPts val="200"/>
-              </a:spcBef>
-              <a:spcAft>
-                <a:spcPts val="400"/>
-              </a:spcAft>
-              <a:buClrTx/>
-              <a:buFont typeface="Calibri" pitchFamily="34" charset="0"/>
-              <a:buChar char="◦"/>
-              <a:defRPr sz="1300" kern="1200">
-                <a:solidFill>
-                  <a:schemeClr val="tx1">
-                    <a:lumMod val="75000"/>
-                    <a:lumOff val="25000"/>
-                  </a:schemeClr>
-                </a:solidFill>
-                <a:latin typeface="+mn-lt"/>
-                <a:ea typeface="+mn-ea"/>
-                <a:cs typeface="+mn-cs"/>
-              </a:defRPr>
-            </a:lvl3pPr>
-            <a:lvl4pPr marL="749808" indent="-182880" algn="l" defTabSz="914400" rtl="0" eaLnBrk="1" latinLnBrk="0" hangingPunct="1">
-              <a:lnSpc>
-                <a:spcPct val="100000"/>
-              </a:lnSpc>
-              <a:spcBef>
-                <a:spcPts val="200"/>
-              </a:spcBef>
-              <a:spcAft>
-                <a:spcPts val="400"/>
-              </a:spcAft>
-              <a:buClrTx/>
-              <a:buFont typeface="Calibri" pitchFamily="34" charset="0"/>
-              <a:buChar char="◦"/>
-              <a:defRPr sz="1300" kern="1200">
-                <a:solidFill>
-                  <a:schemeClr val="tx1">
-                    <a:lumMod val="75000"/>
-                    <a:lumOff val="25000"/>
-                  </a:schemeClr>
-                </a:solidFill>
-                <a:latin typeface="+mn-lt"/>
-                <a:ea typeface="+mn-ea"/>
-                <a:cs typeface="+mn-cs"/>
-              </a:defRPr>
-            </a:lvl4pPr>
-            <a:lvl5pPr marL="932688" indent="-182880" algn="l" defTabSz="914400" rtl="0" eaLnBrk="1" latinLnBrk="0" hangingPunct="1">
-              <a:lnSpc>
-                <a:spcPct val="100000"/>
-              </a:lnSpc>
-              <a:spcBef>
-                <a:spcPts val="200"/>
-              </a:spcBef>
-              <a:spcAft>
-                <a:spcPts val="400"/>
-              </a:spcAft>
-              <a:buClrTx/>
-              <a:buFont typeface="Calibri" pitchFamily="34" charset="0"/>
-              <a:buChar char="◦"/>
-              <a:defRPr sz="1300" kern="1200">
-                <a:solidFill>
-                  <a:schemeClr val="tx1">
-                    <a:lumMod val="75000"/>
-                    <a:lumOff val="25000"/>
-                  </a:schemeClr>
-                </a:solidFill>
-                <a:latin typeface="+mn-lt"/>
-                <a:ea typeface="+mn-ea"/>
-                <a:cs typeface="+mn-cs"/>
-              </a:defRPr>
-            </a:lvl5pPr>
-            <a:lvl6pPr marL="1100000" indent="-228600" algn="l" defTabSz="914400" rtl="0" eaLnBrk="1" latinLnBrk="0" hangingPunct="1">
-              <a:lnSpc>
-                <a:spcPct val="90000"/>
-              </a:lnSpc>
-              <a:spcBef>
-                <a:spcPts val="200"/>
-              </a:spcBef>
-              <a:spcAft>
-                <a:spcPts val="400"/>
-              </a:spcAft>
-              <a:buClr>
-                <a:schemeClr val="accent1"/>
-              </a:buClr>
-              <a:buFont typeface="Calibri" pitchFamily="34" charset="0"/>
-              <a:buChar char="◦"/>
-              <a:defRPr sz="1400" kern="1200">
-                <a:solidFill>
-                  <a:schemeClr val="tx1">
-                    <a:lumMod val="75000"/>
-                    <a:lumOff val="25000"/>
-                  </a:schemeClr>
-                </a:solidFill>
-                <a:latin typeface="+mn-lt"/>
-                <a:ea typeface="+mn-ea"/>
-                <a:cs typeface="+mn-cs"/>
-              </a:defRPr>
-            </a:lvl6pPr>
-            <a:lvl7pPr marL="1300000" indent="-228600" algn="l" defTabSz="914400" rtl="0" eaLnBrk="1" latinLnBrk="0" hangingPunct="1">
-              <a:lnSpc>
-                <a:spcPct val="90000"/>
-              </a:lnSpc>
-              <a:spcBef>
-                <a:spcPts val="200"/>
-              </a:spcBef>
-              <a:spcAft>
-                <a:spcPts val="400"/>
-              </a:spcAft>
-              <a:buClr>
-                <a:schemeClr val="accent1"/>
-              </a:buClr>
-              <a:buFont typeface="Calibri" pitchFamily="34" charset="0"/>
-              <a:buChar char="◦"/>
-              <a:defRPr sz="1400" kern="1200">
-                <a:solidFill>
-                  <a:schemeClr val="tx1">
-                    <a:lumMod val="75000"/>
-                    <a:lumOff val="25000"/>
-                  </a:schemeClr>
-                </a:solidFill>
-                <a:latin typeface="+mn-lt"/>
-                <a:ea typeface="+mn-ea"/>
-                <a:cs typeface="+mn-cs"/>
-              </a:defRPr>
-            </a:lvl7pPr>
-            <a:lvl8pPr marL="1500000" indent="-228600" algn="l" defTabSz="914400" rtl="0" eaLnBrk="1" latinLnBrk="0" hangingPunct="1">
-              <a:lnSpc>
-                <a:spcPct val="90000"/>
-              </a:lnSpc>
-              <a:spcBef>
-                <a:spcPts val="200"/>
-              </a:spcBef>
-              <a:spcAft>
-                <a:spcPts val="400"/>
-              </a:spcAft>
-              <a:buClr>
-                <a:schemeClr val="accent1"/>
-              </a:buClr>
-              <a:buFont typeface="Calibri" pitchFamily="34" charset="0"/>
-              <a:buChar char="◦"/>
-              <a:defRPr sz="1400" kern="1200">
-                <a:solidFill>
-                  <a:schemeClr val="tx1">
-                    <a:lumMod val="75000"/>
-                    <a:lumOff val="25000"/>
-                  </a:schemeClr>
-                </a:solidFill>
-                <a:latin typeface="+mn-lt"/>
-                <a:ea typeface="+mn-ea"/>
-                <a:cs typeface="+mn-cs"/>
-              </a:defRPr>
-            </a:lvl8pPr>
-            <a:lvl9pPr marL="1700000" indent="-228600" algn="l" defTabSz="914400" rtl="0" eaLnBrk="1" latinLnBrk="0" hangingPunct="1">
-              <a:lnSpc>
-                <a:spcPct val="90000"/>
-              </a:lnSpc>
-              <a:spcBef>
-                <a:spcPts val="200"/>
-              </a:spcBef>
-              <a:spcAft>
-                <a:spcPts val="400"/>
-              </a:spcAft>
-              <a:buClr>
-                <a:schemeClr val="accent1"/>
-              </a:buClr>
-              <a:buFont typeface="Calibri" pitchFamily="34" charset="0"/>
-              <a:buChar char="◦"/>
-              <a:defRPr sz="1400" kern="1200">
-                <a:solidFill>
-                  <a:schemeClr val="tx1">
-                    <a:lumMod val="75000"/>
-                    <a:lumOff val="25000"/>
-                  </a:schemeClr>
-                </a:solidFill>
-                <a:latin typeface="+mn-lt"/>
-                <a:ea typeface="+mn-ea"/>
-                <a:cs typeface="+mn-cs"/>
-              </a:defRPr>
-            </a:lvl9pPr>
-          </a:lstStyle>
-          <a:p>
-            <a:pPr marL="0" indent="0">
-              <a:buFont typeface="Calibri" panose="020F0502020204030204" pitchFamily="34" charset="0"/>
-              <a:buNone/>
-            </a:pPr>
-            <a:r>
-              <a:rPr lang="en-US" sz="2000" b="1" dirty="0">
-                <a:solidFill>
-                  <a:srgbClr val="484848"/>
-                </a:solidFill>
-                <a:latin typeface="Calibri" panose="020F0502020204030204" pitchFamily="34" charset="0"/>
-                <a:cs typeface="Calibri" panose="020F0502020204030204" pitchFamily="34" charset="0"/>
-              </a:rPr>
-              <a:t>Gaussian Naive Bayes</a:t>
-            </a:r>
-          </a:p>
-          <a:p>
-            <a:r>
-              <a:rPr lang="en-US" sz="2000" b="1" dirty="0">
-                <a:latin typeface="Calibri" panose="020F0502020204030204" pitchFamily="34" charset="0"/>
-                <a:cs typeface="Calibri" panose="020F0502020204030204" pitchFamily="34" charset="0"/>
-              </a:rPr>
-              <a:t>◼</a:t>
-            </a:r>
-            <a:r>
-              <a:rPr lang="en-US" sz="2000" b="1" dirty="0" err="1">
-                <a:solidFill>
-                  <a:srgbClr val="484848"/>
-                </a:solidFill>
-                <a:latin typeface="Calibri" panose="020F0502020204030204" pitchFamily="34" charset="0"/>
-                <a:cs typeface="Calibri" panose="020F0502020204030204" pitchFamily="34" charset="0"/>
-              </a:rPr>
-              <a:t>var_smoothing</a:t>
-            </a:r>
-            <a:endParaRPr lang="en-US" sz="2000" b="1" dirty="0">
-              <a:solidFill>
-                <a:srgbClr val="484848"/>
-              </a:solidFill>
-              <a:latin typeface="Calibri" panose="020F0502020204030204" pitchFamily="34" charset="0"/>
-              <a:cs typeface="Calibri" panose="020F0502020204030204" pitchFamily="34" charset="0"/>
-            </a:endParaRPr>
+              <a:t>Most Adjusted Hyperparameters</a:t>
+            </a:r>
           </a:p>
         </p:txBody>
       </p:sp>
@@ -7547,6 +7310,9 @@
           </a:lstStyle>
           <a:p>
             <a:pPr marL="0" indent="0">
+              <a:lnSpc>
+                <a:spcPct val="100000"/>
+              </a:lnSpc>
               <a:buFont typeface="Calibri" panose="020F0502020204030204" pitchFamily="34" charset="0"/>
               <a:buNone/>
             </a:pPr>
@@ -7555,70 +7321,54 @@
                 <a:solidFill>
                   <a:srgbClr val="484848"/>
                 </a:solidFill>
-                <a:latin typeface="Calibri" panose="020F0502020204030204" pitchFamily="34" charset="0"/>
                 <a:cs typeface="Calibri" panose="020F0502020204030204" pitchFamily="34" charset="0"/>
               </a:rPr>
-              <a:t>Bernoulli Naive Bayes</a:t>
-            </a:r>
-          </a:p>
-          <a:p>
-            <a:pPr marL="201168" lvl="1" indent="0">
-              <a:buNone/>
+              <a:t>Bernoulli Naïve Bayes</a:t>
+            </a:r>
+          </a:p>
+          <a:p>
+            <a:pPr lvl="1">
+              <a:buFont typeface="Wingdings" panose="05000000000000000000" pitchFamily="2" charset="2"/>
+              <a:buChar char="§"/>
             </a:pPr>
-            <a:r>
-              <a:rPr lang="en-US" sz="2000" b="1" dirty="0">
-                <a:latin typeface="Calibri" panose="020F0502020204030204" pitchFamily="34" charset="0"/>
-                <a:cs typeface="Calibri" panose="020F0502020204030204" pitchFamily="34" charset="0"/>
-              </a:rPr>
-              <a:t>◼</a:t>
-            </a:r>
             <a:r>
               <a:rPr lang="en-US" sz="2000" b="1" dirty="0">
                 <a:solidFill>
                   <a:srgbClr val="484848"/>
                 </a:solidFill>
-                <a:latin typeface="Calibri" panose="020F0502020204030204" pitchFamily="34" charset="0"/>
                 <a:cs typeface="Calibri" panose="020F0502020204030204" pitchFamily="34" charset="0"/>
               </a:rPr>
-              <a:t> alpha </a:t>
-            </a:r>
-          </a:p>
-          <a:p>
-            <a:pPr marL="201168" lvl="1" indent="0">
-              <a:buNone/>
+              <a:t>alpha </a:t>
+            </a:r>
+          </a:p>
+          <a:p>
+            <a:pPr lvl="1">
+              <a:buFont typeface="Wingdings" panose="05000000000000000000" pitchFamily="2" charset="2"/>
+              <a:buChar char="§"/>
             </a:pPr>
-            <a:r>
-              <a:rPr lang="en-US" sz="2000" b="1" dirty="0">
-                <a:latin typeface="Calibri" panose="020F0502020204030204" pitchFamily="34" charset="0"/>
-                <a:cs typeface="Calibri" panose="020F0502020204030204" pitchFamily="34" charset="0"/>
-              </a:rPr>
-              <a:t>◼</a:t>
-            </a:r>
             <a:r>
               <a:rPr lang="en-US" sz="2000" b="1" dirty="0" err="1">
                 <a:solidFill>
                   <a:srgbClr val="484848"/>
                 </a:solidFill>
-                <a:latin typeface="Calibri" panose="020F0502020204030204" pitchFamily="34" charset="0"/>
                 <a:cs typeface="Calibri" panose="020F0502020204030204" pitchFamily="34" charset="0"/>
               </a:rPr>
               <a:t>fit_prior</a:t>
             </a:r>
             <a:endParaRPr lang="en-US" sz="2000" b="1" dirty="0">
-              <a:latin typeface="Calibri" panose="020F0502020204030204" pitchFamily="34" charset="0"/>
               <a:cs typeface="Calibri" panose="020F0502020204030204" pitchFamily="34" charset="0"/>
             </a:endParaRPr>
           </a:p>
           <a:p>
-            <a:pPr marL="201168" lvl="1" indent="0">
-              <a:buNone/>
+            <a:pPr lvl="1">
+              <a:buFont typeface="Wingdings" panose="05000000000000000000" pitchFamily="2" charset="2"/>
+              <a:buChar char="§"/>
             </a:pPr>
             <a:r>
               <a:rPr lang="en-US" sz="2000" b="1" dirty="0">
-                <a:latin typeface="Calibri" panose="020F0502020204030204" pitchFamily="34" charset="0"/>
                 <a:cs typeface="Calibri" panose="020F0502020204030204" pitchFamily="34" charset="0"/>
               </a:rPr>
-              <a:t>◼binarize</a:t>
+              <a:t>binarize</a:t>
             </a:r>
           </a:p>
           <a:p>
@@ -7648,7 +7398,7 @@
         </p:nvSpPr>
         <p:spPr>
           <a:xfrm>
-            <a:off x="6425381" y="3812460"/>
+            <a:off x="6272980" y="3812459"/>
             <a:ext cx="4882699" cy="2490017"/>
           </a:xfrm>
           <a:prstGeom prst="rect">
@@ -7907,71 +7657,682 @@
                 <a:solidFill>
                   <a:srgbClr val="484848"/>
                 </a:solidFill>
-                <a:latin typeface="Calibri" panose="020F0502020204030204" pitchFamily="34" charset="0"/>
                 <a:cs typeface="Calibri" panose="020F0502020204030204" pitchFamily="34" charset="0"/>
               </a:rPr>
-              <a:t>Complement Naive Bayes</a:t>
-            </a:r>
-          </a:p>
-          <a:p>
-            <a:pPr marL="201168" lvl="1" indent="0">
-              <a:buNone/>
+              <a:t>Complement Naïve Bayes</a:t>
+            </a:r>
+          </a:p>
+          <a:p>
+            <a:pPr lvl="1">
+              <a:buFont typeface="Wingdings" panose="05000000000000000000" pitchFamily="2" charset="2"/>
+              <a:buChar char="§"/>
             </a:pPr>
-            <a:r>
-              <a:rPr lang="en-US" sz="2000" b="1" dirty="0">
-                <a:latin typeface="Calibri" panose="020F0502020204030204" pitchFamily="34" charset="0"/>
-                <a:cs typeface="Calibri" panose="020F0502020204030204" pitchFamily="34" charset="0"/>
-              </a:rPr>
-              <a:t>◼</a:t>
-            </a:r>
             <a:r>
               <a:rPr lang="en-US" sz="2000" b="1" dirty="0">
                 <a:solidFill>
                   <a:srgbClr val="484848"/>
                 </a:solidFill>
-                <a:latin typeface="Calibri" panose="020F0502020204030204" pitchFamily="34" charset="0"/>
                 <a:cs typeface="Calibri" panose="020F0502020204030204" pitchFamily="34" charset="0"/>
               </a:rPr>
-              <a:t> alpha </a:t>
-            </a:r>
-          </a:p>
-          <a:p>
-            <a:pPr marL="201168" lvl="1" indent="0">
-              <a:buNone/>
+              <a:t>alpha </a:t>
+            </a:r>
+          </a:p>
+          <a:p>
+            <a:pPr lvl="1">
+              <a:buFont typeface="Wingdings" panose="05000000000000000000" pitchFamily="2" charset="2"/>
+              <a:buChar char="§"/>
             </a:pPr>
-            <a:r>
-              <a:rPr lang="en-US" sz="2000" b="1" dirty="0">
-                <a:latin typeface="Calibri" panose="020F0502020204030204" pitchFamily="34" charset="0"/>
-                <a:cs typeface="Calibri" panose="020F0502020204030204" pitchFamily="34" charset="0"/>
-              </a:rPr>
-              <a:t>◼</a:t>
-            </a:r>
             <a:r>
               <a:rPr lang="en-US" sz="2000" b="1" dirty="0" err="1">
                 <a:solidFill>
                   <a:srgbClr val="484848"/>
                 </a:solidFill>
-                <a:latin typeface="Calibri" panose="020F0502020204030204" pitchFamily="34" charset="0"/>
                 <a:cs typeface="Calibri" panose="020F0502020204030204" pitchFamily="34" charset="0"/>
               </a:rPr>
               <a:t>fit_prior</a:t>
             </a:r>
             <a:endParaRPr lang="en-US" sz="2000" b="1" dirty="0">
+              <a:cs typeface="Calibri" panose="020F0502020204030204" pitchFamily="34" charset="0"/>
+            </a:endParaRPr>
+          </a:p>
+          <a:p>
+            <a:pPr lvl="1">
+              <a:buFont typeface="Wingdings" panose="05000000000000000000" pitchFamily="2" charset="2"/>
+              <a:buChar char="§"/>
+            </a:pPr>
+            <a:r>
+              <a:rPr lang="en-US" sz="2000" b="1" dirty="0">
+                <a:cs typeface="Calibri" panose="020F0502020204030204" pitchFamily="34" charset="0"/>
+              </a:rPr>
+              <a:t>norm</a:t>
+            </a:r>
+          </a:p>
+        </p:txBody>
+      </p:sp>
+      <p:sp>
+        <p:nvSpPr>
+          <p:cNvPr id="7" name="Content Placeholder 8">
+            <a:extLst>
+              <a:ext uri="{FF2B5EF4-FFF2-40B4-BE49-F238E27FC236}">
+                <a16:creationId xmlns:a16="http://schemas.microsoft.com/office/drawing/2014/main" id="{2C1EA6BA-DA11-48FA-B5EA-B34FDB2C8BF1}"/>
+              </a:ext>
+            </a:extLst>
+          </p:cNvPr>
+          <p:cNvSpPr txBox="1">
+            <a:spLocks/>
+          </p:cNvSpPr>
+          <p:nvPr/>
+        </p:nvSpPr>
+        <p:spPr>
+          <a:xfrm>
+            <a:off x="1097279" y="1897628"/>
+            <a:ext cx="4882699" cy="1730475"/>
+          </a:xfrm>
+          <a:prstGeom prst="rect">
+            <a:avLst/>
+          </a:prstGeom>
+        </p:spPr>
+        <p:txBody>
+          <a:bodyPr vert="horz" lIns="0" tIns="45720" rIns="0" bIns="45720" rtlCol="0">
+            <a:noAutofit/>
+          </a:bodyPr>
+          <a:lstStyle>
+            <a:lvl1pPr marL="91440" indent="-91440" algn="l" defTabSz="914400" rtl="0" eaLnBrk="1" latinLnBrk="0" hangingPunct="1">
+              <a:lnSpc>
+                <a:spcPct val="110000"/>
+              </a:lnSpc>
+              <a:spcBef>
+                <a:spcPts val="1200"/>
+              </a:spcBef>
+              <a:spcAft>
+                <a:spcPts val="200"/>
+              </a:spcAft>
+              <a:buClr>
+                <a:schemeClr val="accent1"/>
+              </a:buClr>
+              <a:buSzPct val="100000"/>
+              <a:buFont typeface="Calibri" panose="020F0502020204030204" pitchFamily="34" charset="0"/>
+              <a:buChar char=" "/>
+              <a:defRPr sz="1900" kern="1200">
+                <a:solidFill>
+                  <a:schemeClr val="tx1">
+                    <a:lumMod val="75000"/>
+                    <a:lumOff val="25000"/>
+                  </a:schemeClr>
+                </a:solidFill>
+                <a:latin typeface="+mn-lt"/>
+                <a:ea typeface="+mn-ea"/>
+                <a:cs typeface="+mn-cs"/>
+              </a:defRPr>
+            </a:lvl1pPr>
+            <a:lvl2pPr marL="384048" indent="-182880" algn="l" defTabSz="914400" rtl="0" eaLnBrk="1" latinLnBrk="0" hangingPunct="1">
+              <a:lnSpc>
+                <a:spcPct val="100000"/>
+              </a:lnSpc>
+              <a:spcBef>
+                <a:spcPts val="200"/>
+              </a:spcBef>
+              <a:spcAft>
+                <a:spcPts val="400"/>
+              </a:spcAft>
+              <a:buClrTx/>
+              <a:buFont typeface="Calibri" pitchFamily="34" charset="0"/>
+              <a:buChar char="◦"/>
+              <a:defRPr sz="1700" kern="1200">
+                <a:solidFill>
+                  <a:schemeClr val="tx1">
+                    <a:lumMod val="75000"/>
+                    <a:lumOff val="25000"/>
+                  </a:schemeClr>
+                </a:solidFill>
+                <a:latin typeface="+mn-lt"/>
+                <a:ea typeface="+mn-ea"/>
+                <a:cs typeface="+mn-cs"/>
+              </a:defRPr>
+            </a:lvl2pPr>
+            <a:lvl3pPr marL="566928" indent="-182880" algn="l" defTabSz="914400" rtl="0" eaLnBrk="1" latinLnBrk="0" hangingPunct="1">
+              <a:lnSpc>
+                <a:spcPct val="100000"/>
+              </a:lnSpc>
+              <a:spcBef>
+                <a:spcPts val="200"/>
+              </a:spcBef>
+              <a:spcAft>
+                <a:spcPts val="400"/>
+              </a:spcAft>
+              <a:buClrTx/>
+              <a:buFont typeface="Calibri" pitchFamily="34" charset="0"/>
+              <a:buChar char="◦"/>
+              <a:defRPr sz="1300" kern="1200">
+                <a:solidFill>
+                  <a:schemeClr val="tx1">
+                    <a:lumMod val="75000"/>
+                    <a:lumOff val="25000"/>
+                  </a:schemeClr>
+                </a:solidFill>
+                <a:latin typeface="+mn-lt"/>
+                <a:ea typeface="+mn-ea"/>
+                <a:cs typeface="+mn-cs"/>
+              </a:defRPr>
+            </a:lvl3pPr>
+            <a:lvl4pPr marL="749808" indent="-182880" algn="l" defTabSz="914400" rtl="0" eaLnBrk="1" latinLnBrk="0" hangingPunct="1">
+              <a:lnSpc>
+                <a:spcPct val="100000"/>
+              </a:lnSpc>
+              <a:spcBef>
+                <a:spcPts val="200"/>
+              </a:spcBef>
+              <a:spcAft>
+                <a:spcPts val="400"/>
+              </a:spcAft>
+              <a:buClrTx/>
+              <a:buFont typeface="Calibri" pitchFamily="34" charset="0"/>
+              <a:buChar char="◦"/>
+              <a:defRPr sz="1300" kern="1200">
+                <a:solidFill>
+                  <a:schemeClr val="tx1">
+                    <a:lumMod val="75000"/>
+                    <a:lumOff val="25000"/>
+                  </a:schemeClr>
+                </a:solidFill>
+                <a:latin typeface="+mn-lt"/>
+                <a:ea typeface="+mn-ea"/>
+                <a:cs typeface="+mn-cs"/>
+              </a:defRPr>
+            </a:lvl4pPr>
+            <a:lvl5pPr marL="932688" indent="-182880" algn="l" defTabSz="914400" rtl="0" eaLnBrk="1" latinLnBrk="0" hangingPunct="1">
+              <a:lnSpc>
+                <a:spcPct val="100000"/>
+              </a:lnSpc>
+              <a:spcBef>
+                <a:spcPts val="200"/>
+              </a:spcBef>
+              <a:spcAft>
+                <a:spcPts val="400"/>
+              </a:spcAft>
+              <a:buClrTx/>
+              <a:buFont typeface="Calibri" pitchFamily="34" charset="0"/>
+              <a:buChar char="◦"/>
+              <a:defRPr sz="1300" kern="1200">
+                <a:solidFill>
+                  <a:schemeClr val="tx1">
+                    <a:lumMod val="75000"/>
+                    <a:lumOff val="25000"/>
+                  </a:schemeClr>
+                </a:solidFill>
+                <a:latin typeface="+mn-lt"/>
+                <a:ea typeface="+mn-ea"/>
+                <a:cs typeface="+mn-cs"/>
+              </a:defRPr>
+            </a:lvl5pPr>
+            <a:lvl6pPr marL="1100000" indent="-228600" algn="l" defTabSz="914400" rtl="0" eaLnBrk="1" latinLnBrk="0" hangingPunct="1">
+              <a:lnSpc>
+                <a:spcPct val="90000"/>
+              </a:lnSpc>
+              <a:spcBef>
+                <a:spcPts val="200"/>
+              </a:spcBef>
+              <a:spcAft>
+                <a:spcPts val="400"/>
+              </a:spcAft>
+              <a:buClr>
+                <a:schemeClr val="accent1"/>
+              </a:buClr>
+              <a:buFont typeface="Calibri" pitchFamily="34" charset="0"/>
+              <a:buChar char="◦"/>
+              <a:defRPr sz="1400" kern="1200">
+                <a:solidFill>
+                  <a:schemeClr val="tx1">
+                    <a:lumMod val="75000"/>
+                    <a:lumOff val="25000"/>
+                  </a:schemeClr>
+                </a:solidFill>
+                <a:latin typeface="+mn-lt"/>
+                <a:ea typeface="+mn-ea"/>
+                <a:cs typeface="+mn-cs"/>
+              </a:defRPr>
+            </a:lvl6pPr>
+            <a:lvl7pPr marL="1300000" indent="-228600" algn="l" defTabSz="914400" rtl="0" eaLnBrk="1" latinLnBrk="0" hangingPunct="1">
+              <a:lnSpc>
+                <a:spcPct val="90000"/>
+              </a:lnSpc>
+              <a:spcBef>
+                <a:spcPts val="200"/>
+              </a:spcBef>
+              <a:spcAft>
+                <a:spcPts val="400"/>
+              </a:spcAft>
+              <a:buClr>
+                <a:schemeClr val="accent1"/>
+              </a:buClr>
+              <a:buFont typeface="Calibri" pitchFamily="34" charset="0"/>
+              <a:buChar char="◦"/>
+              <a:defRPr sz="1400" kern="1200">
+                <a:solidFill>
+                  <a:schemeClr val="tx1">
+                    <a:lumMod val="75000"/>
+                    <a:lumOff val="25000"/>
+                  </a:schemeClr>
+                </a:solidFill>
+                <a:latin typeface="+mn-lt"/>
+                <a:ea typeface="+mn-ea"/>
+                <a:cs typeface="+mn-cs"/>
+              </a:defRPr>
+            </a:lvl7pPr>
+            <a:lvl8pPr marL="1500000" indent="-228600" algn="l" defTabSz="914400" rtl="0" eaLnBrk="1" latinLnBrk="0" hangingPunct="1">
+              <a:lnSpc>
+                <a:spcPct val="90000"/>
+              </a:lnSpc>
+              <a:spcBef>
+                <a:spcPts val="200"/>
+              </a:spcBef>
+              <a:spcAft>
+                <a:spcPts val="400"/>
+              </a:spcAft>
+              <a:buClr>
+                <a:schemeClr val="accent1"/>
+              </a:buClr>
+              <a:buFont typeface="Calibri" pitchFamily="34" charset="0"/>
+              <a:buChar char="◦"/>
+              <a:defRPr sz="1400" kern="1200">
+                <a:solidFill>
+                  <a:schemeClr val="tx1">
+                    <a:lumMod val="75000"/>
+                    <a:lumOff val="25000"/>
+                  </a:schemeClr>
+                </a:solidFill>
+                <a:latin typeface="+mn-lt"/>
+                <a:ea typeface="+mn-ea"/>
+                <a:cs typeface="+mn-cs"/>
+              </a:defRPr>
+            </a:lvl8pPr>
+            <a:lvl9pPr marL="1700000" indent="-228600" algn="l" defTabSz="914400" rtl="0" eaLnBrk="1" latinLnBrk="0" hangingPunct="1">
+              <a:lnSpc>
+                <a:spcPct val="90000"/>
+              </a:lnSpc>
+              <a:spcBef>
+                <a:spcPts val="200"/>
+              </a:spcBef>
+              <a:spcAft>
+                <a:spcPts val="400"/>
+              </a:spcAft>
+              <a:buClr>
+                <a:schemeClr val="accent1"/>
+              </a:buClr>
+              <a:buFont typeface="Calibri" pitchFamily="34" charset="0"/>
+              <a:buChar char="◦"/>
+              <a:defRPr sz="1400" kern="1200">
+                <a:solidFill>
+                  <a:schemeClr val="tx1">
+                    <a:lumMod val="75000"/>
+                    <a:lumOff val="25000"/>
+                  </a:schemeClr>
+                </a:solidFill>
+                <a:latin typeface="+mn-lt"/>
+                <a:ea typeface="+mn-ea"/>
+                <a:cs typeface="+mn-cs"/>
+              </a:defRPr>
+            </a:lvl9pPr>
+          </a:lstStyle>
+          <a:p>
+            <a:pPr marL="0" indent="0">
+              <a:lnSpc>
+                <a:spcPct val="100000"/>
+              </a:lnSpc>
+              <a:buFont typeface="Calibri" panose="020F0502020204030204" pitchFamily="34" charset="0"/>
+              <a:buNone/>
+            </a:pPr>
+            <a:r>
+              <a:rPr lang="en-US" sz="2000" b="1" dirty="0">
+                <a:solidFill>
+                  <a:srgbClr val="484848"/>
+                </a:solidFill>
+                <a:cs typeface="Calibri" panose="020F0502020204030204" pitchFamily="34" charset="0"/>
+              </a:rPr>
+              <a:t>Gaussian Naïve Bayes</a:t>
+            </a:r>
+          </a:p>
+          <a:p>
+            <a:pPr lvl="1">
+              <a:buFont typeface="Wingdings" panose="05000000000000000000" pitchFamily="2" charset="2"/>
+              <a:buChar char="§"/>
+            </a:pPr>
+            <a:r>
+              <a:rPr lang="en-US" sz="2000" b="1" dirty="0" err="1">
+                <a:solidFill>
+                  <a:srgbClr val="484848"/>
+                </a:solidFill>
+                <a:cs typeface="Calibri" panose="020F0502020204030204" pitchFamily="34" charset="0"/>
+              </a:rPr>
+              <a:t>var_smoothing</a:t>
+            </a:r>
+            <a:endParaRPr lang="en-US" sz="2000" b="1" dirty="0">
+              <a:cs typeface="Calibri" panose="020F0502020204030204" pitchFamily="34" charset="0"/>
+            </a:endParaRPr>
+          </a:p>
+          <a:p>
+            <a:endParaRPr lang="en-US" sz="2000" b="1" dirty="0">
+              <a:solidFill>
+                <a:srgbClr val="484848"/>
+              </a:solidFill>
               <a:latin typeface="Calibri" panose="020F0502020204030204" pitchFamily="34" charset="0"/>
               <a:cs typeface="Calibri" panose="020F0502020204030204" pitchFamily="34" charset="0"/>
             </a:endParaRPr>
           </a:p>
-          <a:p>
-            <a:pPr marL="201168" lvl="1" indent="0">
+        </p:txBody>
+      </p:sp>
+      <p:sp>
+        <p:nvSpPr>
+          <p:cNvPr id="8" name="Content Placeholder 8">
+            <a:extLst>
+              <a:ext uri="{FF2B5EF4-FFF2-40B4-BE49-F238E27FC236}">
+                <a16:creationId xmlns:a16="http://schemas.microsoft.com/office/drawing/2014/main" id="{0626D394-32FD-4BD4-9105-A9752719ADD0}"/>
+              </a:ext>
+            </a:extLst>
+          </p:cNvPr>
+          <p:cNvSpPr txBox="1">
+            <a:spLocks/>
+          </p:cNvSpPr>
+          <p:nvPr/>
+        </p:nvSpPr>
+        <p:spPr>
+          <a:xfrm>
+            <a:off x="1097278" y="3812459"/>
+            <a:ext cx="4882699" cy="2490017"/>
+          </a:xfrm>
+          <a:prstGeom prst="rect">
+            <a:avLst/>
+          </a:prstGeom>
+        </p:spPr>
+        <p:txBody>
+          <a:bodyPr vert="horz" lIns="0" tIns="45720" rIns="0" bIns="45720" rtlCol="0">
+            <a:normAutofit/>
+          </a:bodyPr>
+          <a:lstStyle>
+            <a:lvl1pPr marL="91440" indent="-91440" algn="l" defTabSz="914400" rtl="0" eaLnBrk="1" latinLnBrk="0" hangingPunct="1">
+              <a:lnSpc>
+                <a:spcPct val="110000"/>
+              </a:lnSpc>
+              <a:spcBef>
+                <a:spcPts val="1200"/>
+              </a:spcBef>
+              <a:spcAft>
+                <a:spcPts val="200"/>
+              </a:spcAft>
+              <a:buClr>
+                <a:schemeClr val="accent1"/>
+              </a:buClr>
+              <a:buSzPct val="100000"/>
+              <a:buFont typeface="Calibri" panose="020F0502020204030204" pitchFamily="34" charset="0"/>
+              <a:buChar char=" "/>
+              <a:defRPr sz="1900" kern="1200">
+                <a:solidFill>
+                  <a:schemeClr val="tx1">
+                    <a:lumMod val="75000"/>
+                    <a:lumOff val="25000"/>
+                  </a:schemeClr>
+                </a:solidFill>
+                <a:latin typeface="+mn-lt"/>
+                <a:ea typeface="+mn-ea"/>
+                <a:cs typeface="+mn-cs"/>
+              </a:defRPr>
+            </a:lvl1pPr>
+            <a:lvl2pPr marL="384048" indent="-182880" algn="l" defTabSz="914400" rtl="0" eaLnBrk="1" latinLnBrk="0" hangingPunct="1">
+              <a:lnSpc>
+                <a:spcPct val="100000"/>
+              </a:lnSpc>
+              <a:spcBef>
+                <a:spcPts val="200"/>
+              </a:spcBef>
+              <a:spcAft>
+                <a:spcPts val="400"/>
+              </a:spcAft>
+              <a:buClrTx/>
+              <a:buFont typeface="Calibri" pitchFamily="34" charset="0"/>
+              <a:buChar char="◦"/>
+              <a:defRPr sz="1700" kern="1200">
+                <a:solidFill>
+                  <a:schemeClr val="tx1">
+                    <a:lumMod val="75000"/>
+                    <a:lumOff val="25000"/>
+                  </a:schemeClr>
+                </a:solidFill>
+                <a:latin typeface="+mn-lt"/>
+                <a:ea typeface="+mn-ea"/>
+                <a:cs typeface="+mn-cs"/>
+              </a:defRPr>
+            </a:lvl2pPr>
+            <a:lvl3pPr marL="566928" indent="-182880" algn="l" defTabSz="914400" rtl="0" eaLnBrk="1" latinLnBrk="0" hangingPunct="1">
+              <a:lnSpc>
+                <a:spcPct val="100000"/>
+              </a:lnSpc>
+              <a:spcBef>
+                <a:spcPts val="200"/>
+              </a:spcBef>
+              <a:spcAft>
+                <a:spcPts val="400"/>
+              </a:spcAft>
+              <a:buClrTx/>
+              <a:buFont typeface="Calibri" pitchFamily="34" charset="0"/>
+              <a:buChar char="◦"/>
+              <a:defRPr sz="1300" kern="1200">
+                <a:solidFill>
+                  <a:schemeClr val="tx1">
+                    <a:lumMod val="75000"/>
+                    <a:lumOff val="25000"/>
+                  </a:schemeClr>
+                </a:solidFill>
+                <a:latin typeface="+mn-lt"/>
+                <a:ea typeface="+mn-ea"/>
+                <a:cs typeface="+mn-cs"/>
+              </a:defRPr>
+            </a:lvl3pPr>
+            <a:lvl4pPr marL="749808" indent="-182880" algn="l" defTabSz="914400" rtl="0" eaLnBrk="1" latinLnBrk="0" hangingPunct="1">
+              <a:lnSpc>
+                <a:spcPct val="100000"/>
+              </a:lnSpc>
+              <a:spcBef>
+                <a:spcPts val="200"/>
+              </a:spcBef>
+              <a:spcAft>
+                <a:spcPts val="400"/>
+              </a:spcAft>
+              <a:buClrTx/>
+              <a:buFont typeface="Calibri" pitchFamily="34" charset="0"/>
+              <a:buChar char="◦"/>
+              <a:defRPr sz="1300" kern="1200">
+                <a:solidFill>
+                  <a:schemeClr val="tx1">
+                    <a:lumMod val="75000"/>
+                    <a:lumOff val="25000"/>
+                  </a:schemeClr>
+                </a:solidFill>
+                <a:latin typeface="+mn-lt"/>
+                <a:ea typeface="+mn-ea"/>
+                <a:cs typeface="+mn-cs"/>
+              </a:defRPr>
+            </a:lvl4pPr>
+            <a:lvl5pPr marL="932688" indent="-182880" algn="l" defTabSz="914400" rtl="0" eaLnBrk="1" latinLnBrk="0" hangingPunct="1">
+              <a:lnSpc>
+                <a:spcPct val="100000"/>
+              </a:lnSpc>
+              <a:spcBef>
+                <a:spcPts val="200"/>
+              </a:spcBef>
+              <a:spcAft>
+                <a:spcPts val="400"/>
+              </a:spcAft>
+              <a:buClrTx/>
+              <a:buFont typeface="Calibri" pitchFamily="34" charset="0"/>
+              <a:buChar char="◦"/>
+              <a:defRPr sz="1300" kern="1200">
+                <a:solidFill>
+                  <a:schemeClr val="tx1">
+                    <a:lumMod val="75000"/>
+                    <a:lumOff val="25000"/>
+                  </a:schemeClr>
+                </a:solidFill>
+                <a:latin typeface="+mn-lt"/>
+                <a:ea typeface="+mn-ea"/>
+                <a:cs typeface="+mn-cs"/>
+              </a:defRPr>
+            </a:lvl5pPr>
+            <a:lvl6pPr marL="1100000" indent="-228600" algn="l" defTabSz="914400" rtl="0" eaLnBrk="1" latinLnBrk="0" hangingPunct="1">
+              <a:lnSpc>
+                <a:spcPct val="90000"/>
+              </a:lnSpc>
+              <a:spcBef>
+                <a:spcPts val="200"/>
+              </a:spcBef>
+              <a:spcAft>
+                <a:spcPts val="400"/>
+              </a:spcAft>
+              <a:buClr>
+                <a:schemeClr val="accent1"/>
+              </a:buClr>
+              <a:buFont typeface="Calibri" pitchFamily="34" charset="0"/>
+              <a:buChar char="◦"/>
+              <a:defRPr sz="1400" kern="1200">
+                <a:solidFill>
+                  <a:schemeClr val="tx1">
+                    <a:lumMod val="75000"/>
+                    <a:lumOff val="25000"/>
+                  </a:schemeClr>
+                </a:solidFill>
+                <a:latin typeface="+mn-lt"/>
+                <a:ea typeface="+mn-ea"/>
+                <a:cs typeface="+mn-cs"/>
+              </a:defRPr>
+            </a:lvl6pPr>
+            <a:lvl7pPr marL="1300000" indent="-228600" algn="l" defTabSz="914400" rtl="0" eaLnBrk="1" latinLnBrk="0" hangingPunct="1">
+              <a:lnSpc>
+                <a:spcPct val="90000"/>
+              </a:lnSpc>
+              <a:spcBef>
+                <a:spcPts val="200"/>
+              </a:spcBef>
+              <a:spcAft>
+                <a:spcPts val="400"/>
+              </a:spcAft>
+              <a:buClr>
+                <a:schemeClr val="accent1"/>
+              </a:buClr>
+              <a:buFont typeface="Calibri" pitchFamily="34" charset="0"/>
+              <a:buChar char="◦"/>
+              <a:defRPr sz="1400" kern="1200">
+                <a:solidFill>
+                  <a:schemeClr val="tx1">
+                    <a:lumMod val="75000"/>
+                    <a:lumOff val="25000"/>
+                  </a:schemeClr>
+                </a:solidFill>
+                <a:latin typeface="+mn-lt"/>
+                <a:ea typeface="+mn-ea"/>
+                <a:cs typeface="+mn-cs"/>
+              </a:defRPr>
+            </a:lvl7pPr>
+            <a:lvl8pPr marL="1500000" indent="-228600" algn="l" defTabSz="914400" rtl="0" eaLnBrk="1" latinLnBrk="0" hangingPunct="1">
+              <a:lnSpc>
+                <a:spcPct val="90000"/>
+              </a:lnSpc>
+              <a:spcBef>
+                <a:spcPts val="200"/>
+              </a:spcBef>
+              <a:spcAft>
+                <a:spcPts val="400"/>
+              </a:spcAft>
+              <a:buClr>
+                <a:schemeClr val="accent1"/>
+              </a:buClr>
+              <a:buFont typeface="Calibri" pitchFamily="34" charset="0"/>
+              <a:buChar char="◦"/>
+              <a:defRPr sz="1400" kern="1200">
+                <a:solidFill>
+                  <a:schemeClr val="tx1">
+                    <a:lumMod val="75000"/>
+                    <a:lumOff val="25000"/>
+                  </a:schemeClr>
+                </a:solidFill>
+                <a:latin typeface="+mn-lt"/>
+                <a:ea typeface="+mn-ea"/>
+                <a:cs typeface="+mn-cs"/>
+              </a:defRPr>
+            </a:lvl8pPr>
+            <a:lvl9pPr marL="1700000" indent="-228600" algn="l" defTabSz="914400" rtl="0" eaLnBrk="1" latinLnBrk="0" hangingPunct="1">
+              <a:lnSpc>
+                <a:spcPct val="90000"/>
+              </a:lnSpc>
+              <a:spcBef>
+                <a:spcPts val="200"/>
+              </a:spcBef>
+              <a:spcAft>
+                <a:spcPts val="400"/>
+              </a:spcAft>
+              <a:buClr>
+                <a:schemeClr val="accent1"/>
+              </a:buClr>
+              <a:buFont typeface="Calibri" pitchFamily="34" charset="0"/>
+              <a:buChar char="◦"/>
+              <a:defRPr sz="1400" kern="1200">
+                <a:solidFill>
+                  <a:schemeClr val="tx1">
+                    <a:lumMod val="75000"/>
+                    <a:lumOff val="25000"/>
+                  </a:schemeClr>
+                </a:solidFill>
+                <a:latin typeface="+mn-lt"/>
+                <a:ea typeface="+mn-ea"/>
+                <a:cs typeface="+mn-cs"/>
+              </a:defRPr>
+            </a:lvl9pPr>
+          </a:lstStyle>
+          <a:p>
+            <a:pPr marL="0" indent="0">
+              <a:buFont typeface="Calibri" panose="020F0502020204030204" pitchFamily="34" charset="0"/>
               <a:buNone/>
             </a:pPr>
             <a:r>
               <a:rPr lang="en-US" sz="2000" b="1" dirty="0">
-                <a:latin typeface="Calibri" panose="020F0502020204030204" pitchFamily="34" charset="0"/>
+                <a:solidFill>
+                  <a:srgbClr val="484848"/>
+                </a:solidFill>
                 <a:cs typeface="Calibri" panose="020F0502020204030204" pitchFamily="34" charset="0"/>
               </a:rPr>
-              <a:t>◼norm</a:t>
-            </a:r>
+              <a:t>Multinomial and Categorical Naïve Bayes</a:t>
+            </a:r>
+          </a:p>
+          <a:p>
+            <a:pPr lvl="1">
+              <a:buFont typeface="Wingdings" panose="05000000000000000000" pitchFamily="2" charset="2"/>
+              <a:buChar char="§"/>
+            </a:pPr>
+            <a:r>
+              <a:rPr lang="en-US" sz="2000" b="1" dirty="0">
+                <a:solidFill>
+                  <a:srgbClr val="484848"/>
+                </a:solidFill>
+                <a:cs typeface="Calibri" panose="020F0502020204030204" pitchFamily="34" charset="0"/>
+              </a:rPr>
+              <a:t>alpha </a:t>
+            </a:r>
+          </a:p>
+          <a:p>
+            <a:pPr lvl="1">
+              <a:buFont typeface="Wingdings" panose="05000000000000000000" pitchFamily="2" charset="2"/>
+              <a:buChar char="§"/>
+            </a:pPr>
+            <a:r>
+              <a:rPr lang="en-US" sz="2000" b="1" dirty="0" err="1">
+                <a:solidFill>
+                  <a:srgbClr val="484848"/>
+                </a:solidFill>
+                <a:cs typeface="Calibri" panose="020F0502020204030204" pitchFamily="34" charset="0"/>
+              </a:rPr>
+              <a:t>fit_prior</a:t>
+            </a:r>
+            <a:endParaRPr lang="en-US" sz="2000" b="1" dirty="0">
+              <a:cs typeface="Calibri" panose="020F0502020204030204" pitchFamily="34" charset="0"/>
+            </a:endParaRPr>
           </a:p>
         </p:txBody>
       </p:sp>
@@ -8788,21 +9149,21 @@
 </file>
 
 <file path=customXml/item2.xml><?xml version="1.0" encoding="utf-8"?>
+<?mso-contentType ?>
+<FormTemplates xmlns="http://schemas.microsoft.com/sharepoint/v3/contenttype/forms">
+  <Display>DocumentLibraryForm</Display>
+  <Edit>DocumentLibraryForm</Edit>
+  <New>DocumentLibraryForm</New>
+</FormTemplates>
+</file>
+
+<file path=customXml/item3.xml><?xml version="1.0" encoding="utf-8"?>
 <p:properties xmlns:p="http://schemas.microsoft.com/office/2006/metadata/properties" xmlns:xsi="http://www.w3.org/2001/XMLSchema-instance" xmlns:pc="http://schemas.microsoft.com/office/infopath/2007/PartnerControls">
   <documentManagement>
     <Status xmlns="71af3243-3dd4-4a8d-8c0d-dd76da1f02a5">Not started</Status>
     <MediaServiceKeyPoints xmlns="71af3243-3dd4-4a8d-8c0d-dd76da1f02a5" xsi:nil="true"/>
   </documentManagement>
 </p:properties>
-</file>
-
-<file path=customXml/item3.xml><?xml version="1.0" encoding="utf-8"?>
-<?mso-contentType ?>
-<FormTemplates xmlns="http://schemas.microsoft.com/sharepoint/v3/contenttype/forms">
-  <Display>DocumentLibraryForm</Display>
-  <Edit>DocumentLibraryForm</Edit>
-  <New>DocumentLibraryForm</New>
-</FormTemplates>
 </file>
 
 <file path=customXml/itemProps1.xml><?xml version="1.0" encoding="utf-8"?>
@@ -8825,26 +9186,26 @@
 </file>
 
 <file path=customXml/itemProps2.xml><?xml version="1.0" encoding="utf-8"?>
-<ds:datastoreItem xmlns:ds="http://schemas.openxmlformats.org/officeDocument/2006/customXml" ds:itemID="{A03EEFF0-FB57-4CB4-8BFC-DF397689E2ED}">
+<ds:datastoreItem xmlns:ds="http://schemas.openxmlformats.org/officeDocument/2006/customXml" ds:itemID="{AA3F7EDC-E5B4-4BBC-9D2A-CBE6D46C37AD}">
   <ds:schemaRefs>
-    <ds:schemaRef ds:uri="http://schemas.microsoft.com/office/2006/documentManagement/types"/>
-    <ds:schemaRef ds:uri="http://schemas.openxmlformats.org/package/2006/metadata/core-properties"/>
-    <ds:schemaRef ds:uri="http://purl.org/dc/terms/"/>
-    <ds:schemaRef ds:uri="http://www.w3.org/XML/1998/namespace"/>
-    <ds:schemaRef ds:uri="16c05727-aa75-4e4a-9b5f-8a80a1165891"/>
-    <ds:schemaRef ds:uri="71af3243-3dd4-4a8d-8c0d-dd76da1f02a5"/>
-    <ds:schemaRef ds:uri="http://schemas.microsoft.com/office/infopath/2007/PartnerControls"/>
-    <ds:schemaRef ds:uri="http://schemas.microsoft.com/office/2006/metadata/properties"/>
-    <ds:schemaRef ds:uri="http://purl.org/dc/dcmitype/"/>
-    <ds:schemaRef ds:uri="http://purl.org/dc/elements/1.1/"/>
+    <ds:schemaRef ds:uri="http://schemas.microsoft.com/sharepoint/v3/contenttype/forms"/>
   </ds:schemaRefs>
 </ds:datastoreItem>
 </file>
 
 <file path=customXml/itemProps3.xml><?xml version="1.0" encoding="utf-8"?>
-<ds:datastoreItem xmlns:ds="http://schemas.openxmlformats.org/officeDocument/2006/customXml" ds:itemID="{AA3F7EDC-E5B4-4BBC-9D2A-CBE6D46C37AD}">
+<ds:datastoreItem xmlns:ds="http://schemas.openxmlformats.org/officeDocument/2006/customXml" ds:itemID="{A03EEFF0-FB57-4CB4-8BFC-DF397689E2ED}">
   <ds:schemaRefs>
-    <ds:schemaRef ds:uri="http://schemas.microsoft.com/sharepoint/v3/contenttype/forms"/>
+    <ds:schemaRef ds:uri="http://purl.org/dc/elements/1.1/"/>
+    <ds:schemaRef ds:uri="http://schemas.microsoft.com/office/infopath/2007/PartnerControls"/>
+    <ds:schemaRef ds:uri="71af3243-3dd4-4a8d-8c0d-dd76da1f02a5"/>
+    <ds:schemaRef ds:uri="http://purl.org/dc/terms/"/>
+    <ds:schemaRef ds:uri="http://schemas.openxmlformats.org/package/2006/metadata/core-properties"/>
+    <ds:schemaRef ds:uri="http://schemas.microsoft.com/office/2006/documentManagement/types"/>
+    <ds:schemaRef ds:uri="16c05727-aa75-4e4a-9b5f-8a80a1165891"/>
+    <ds:schemaRef ds:uri="http://purl.org/dc/dcmitype/"/>
+    <ds:schemaRef ds:uri="http://schemas.microsoft.com/office/2006/metadata/properties"/>
+    <ds:schemaRef ds:uri="http://www.w3.org/XML/1998/namespace"/>
   </ds:schemaRefs>
 </ds:datastoreItem>
 </file>